--- a/QuickSight.pptx
+++ b/QuickSight.pptx
@@ -2,19 +2,22 @@
 <file path=ppt/presentation.xml><?xml version="1.0" encoding="utf-8"?>
 <p:presentation xmlns:a="http://schemas.openxmlformats.org/drawingml/2006/main" xmlns:r="http://schemas.openxmlformats.org/officeDocument/2006/relationships" xmlns:p="http://schemas.openxmlformats.org/presentationml/2006/main" saveSubsetFonts="1">
   <p:sldMasterIdLst>
-    <p:sldMasterId id="2147483648" r:id="rId1"/>
+    <p:sldMasterId id="2147483660" r:id="rId1"/>
   </p:sldMasterIdLst>
+  <p:notesMasterIdLst>
+    <p:notesMasterId r:id="rId12"/>
+  </p:notesMasterIdLst>
   <p:sldIdLst>
-    <p:sldId id="256" r:id="rId2"/>
-    <p:sldId id="257" r:id="rId3"/>
-    <p:sldId id="258" r:id="rId4"/>
-    <p:sldId id="259" r:id="rId5"/>
-    <p:sldId id="260" r:id="rId6"/>
-    <p:sldId id="264" r:id="rId7"/>
-    <p:sldId id="261" r:id="rId8"/>
-    <p:sldId id="262" r:id="rId9"/>
-    <p:sldId id="263" r:id="rId10"/>
-    <p:sldId id="265" r:id="rId11"/>
+    <p:sldId id="266" r:id="rId2"/>
+    <p:sldId id="267" r:id="rId3"/>
+    <p:sldId id="268" r:id="rId4"/>
+    <p:sldId id="269" r:id="rId5"/>
+    <p:sldId id="270" r:id="rId6"/>
+    <p:sldId id="271" r:id="rId7"/>
+    <p:sldId id="272" r:id="rId8"/>
+    <p:sldId id="273" r:id="rId9"/>
+    <p:sldId id="274" r:id="rId10"/>
+    <p:sldId id="275" r:id="rId11"/>
   </p:sldIdLst>
   <p:sldSz cx="12192000" cy="6858000"/>
   <p:notesSz cx="6858000" cy="9144000"/>
@@ -113,12 +116,22 @@
       </a:defRPr>
     </a:lvl9pPr>
   </p:defaultTextStyle>
+  <p:extLst>
+    <p:ext uri="{EFAFB233-063F-42B5-8137-9DF3F51BA10A}">
+      <p15:sldGuideLst xmlns:p15="http://schemas.microsoft.com/office/powerpoint/2012/main"/>
+    </p:ext>
+  </p:extLst>
 </p:presentation>
 </file>
 
-<file path=ppt/slideLayouts/slideLayout1.xml><?xml version="1.0" encoding="utf-8"?>
-<p:sldLayout xmlns:a="http://schemas.openxmlformats.org/drawingml/2006/main" xmlns:r="http://schemas.openxmlformats.org/officeDocument/2006/relationships" xmlns:p="http://schemas.openxmlformats.org/presentationml/2006/main" type="title" preserve="1">
-  <p:cSld name="Title Slide">
+<file path=ppt/notesMasters/notesMaster1.xml><?xml version="1.0" encoding="utf-8"?>
+<p:notesMaster xmlns:a="http://schemas.openxmlformats.org/drawingml/2006/main" xmlns:r="http://schemas.openxmlformats.org/officeDocument/2006/relationships" xmlns:p="http://schemas.openxmlformats.org/presentationml/2006/main">
+  <p:cSld>
+    <p:bg>
+      <p:bgRef idx="1001">
+        <a:schemeClr val="bg1"/>
+      </p:bgRef>
+    </p:bg>
     <p:spTree>
       <p:nvGrpSpPr>
         <p:cNvPr id="1" name=""/>
@@ -135,138 +148,189 @@
       </p:grpSpPr>
       <p:sp>
         <p:nvSpPr>
-          <p:cNvPr id="2" name="Title 1"/>
+          <p:cNvPr id="2" name="Header Placeholder 1"/>
           <p:cNvSpPr>
             <a:spLocks noGrp="1"/>
           </p:cNvSpPr>
           <p:nvPr>
-            <p:ph type="ctrTitle"/>
+            <p:ph type="hdr" sz="quarter"/>
           </p:nvPr>
         </p:nvSpPr>
         <p:spPr>
           <a:xfrm>
-            <a:off x="1524000" y="1122363"/>
-            <a:ext cx="9144000" cy="2387600"/>
+            <a:off x="0" y="0"/>
+            <a:ext cx="2971800" cy="458788"/>
           </a:xfrm>
+          <a:prstGeom prst="rect">
+            <a:avLst/>
+          </a:prstGeom>
         </p:spPr>
         <p:txBody>
-          <a:bodyPr anchor="b"/>
+          <a:bodyPr vert="horz" lIns="91440" tIns="45720" rIns="91440" bIns="45720" rtlCol="0"/>
           <a:lstStyle>
-            <a:lvl1pPr algn="ctr">
-              <a:defRPr sz="6000"/>
+            <a:lvl1pPr algn="l">
+              <a:defRPr sz="1200"/>
             </a:lvl1pPr>
           </a:lstStyle>
           <a:p>
-            <a:r>
-              <a:rPr lang="en-US"/>
-              <a:t>Click to edit Master title style</a:t>
-            </a:r>
             <a:endParaRPr lang="en-US"/>
           </a:p>
         </p:txBody>
       </p:sp>
       <p:sp>
         <p:nvSpPr>
-          <p:cNvPr id="3" name="Subtitle 2"/>
+          <p:cNvPr id="3" name="Date Placeholder 2"/>
           <p:cNvSpPr>
             <a:spLocks noGrp="1"/>
           </p:cNvSpPr>
           <p:nvPr>
-            <p:ph type="subTitle" idx="1"/>
+            <p:ph type="dt" idx="1"/>
           </p:nvPr>
         </p:nvSpPr>
         <p:spPr>
           <a:xfrm>
-            <a:off x="1524000" y="3602038"/>
-            <a:ext cx="9144000" cy="1655762"/>
+            <a:off x="3884613" y="0"/>
+            <a:ext cx="2971800" cy="458788"/>
           </a:xfrm>
+          <a:prstGeom prst="rect">
+            <a:avLst/>
+          </a:prstGeom>
         </p:spPr>
         <p:txBody>
-          <a:bodyPr/>
+          <a:bodyPr vert="horz" lIns="91440" tIns="45720" rIns="91440" bIns="45720" rtlCol="0"/>
           <a:lstStyle>
-            <a:lvl1pPr marL="0" indent="0" algn="ctr">
-              <a:buNone/>
-              <a:defRPr sz="2400"/>
+            <a:lvl1pPr algn="r">
+              <a:defRPr sz="1200"/>
             </a:lvl1pPr>
-            <a:lvl2pPr marL="457200" indent="0" algn="ctr">
-              <a:buNone/>
-              <a:defRPr sz="2000"/>
-            </a:lvl2pPr>
-            <a:lvl3pPr marL="914400" indent="0" algn="ctr">
-              <a:buNone/>
-              <a:defRPr sz="1800"/>
-            </a:lvl3pPr>
-            <a:lvl4pPr marL="1371600" indent="0" algn="ctr">
-              <a:buNone/>
-              <a:defRPr sz="1600"/>
-            </a:lvl4pPr>
-            <a:lvl5pPr marL="1828800" indent="0" algn="ctr">
-              <a:buNone/>
-              <a:defRPr sz="1600"/>
-            </a:lvl5pPr>
-            <a:lvl6pPr marL="2286000" indent="0" algn="ctr">
-              <a:buNone/>
-              <a:defRPr sz="1600"/>
-            </a:lvl6pPr>
-            <a:lvl7pPr marL="2743200" indent="0" algn="ctr">
-              <a:buNone/>
-              <a:defRPr sz="1600"/>
-            </a:lvl7pPr>
-            <a:lvl8pPr marL="3200400" indent="0" algn="ctr">
-              <a:buNone/>
-              <a:defRPr sz="1600"/>
-            </a:lvl8pPr>
-            <a:lvl9pPr marL="3657600" indent="0" algn="ctr">
-              <a:buNone/>
-              <a:defRPr sz="1600"/>
-            </a:lvl9pPr>
           </a:lstStyle>
           <a:p>
-            <a:r>
-              <a:rPr lang="en-US"/>
-              <a:t>Click to edit Master subtitle style</a:t>
-            </a:r>
+            <a:fld id="{CDB006B9-E192-4784-9DD5-2FEB054795CA}" type="datetimeFigureOut">
+              <a:rPr lang="en-US" smtClean="0"/>
+              <a:t>4/11/2017</a:t>
+            </a:fld>
             <a:endParaRPr lang="en-US"/>
           </a:p>
         </p:txBody>
       </p:sp>
       <p:sp>
         <p:nvSpPr>
-          <p:cNvPr id="4" name="Date Placeholder 3"/>
+          <p:cNvPr id="4" name="Slide Image Placeholder 3"/>
+          <p:cNvSpPr>
+            <a:spLocks noGrp="1" noRot="1" noChangeAspect="1"/>
+          </p:cNvSpPr>
+          <p:nvPr>
+            <p:ph type="sldImg" idx="2"/>
+          </p:nvPr>
+        </p:nvSpPr>
+        <p:spPr>
+          <a:xfrm>
+            <a:off x="685800" y="1143000"/>
+            <a:ext cx="5486400" cy="3086100"/>
+          </a:xfrm>
+          <a:prstGeom prst="rect">
+            <a:avLst/>
+          </a:prstGeom>
+          <a:noFill/>
+          <a:ln w="12700">
+            <a:solidFill>
+              <a:prstClr val="black"/>
+            </a:solidFill>
+          </a:ln>
+        </p:spPr>
+        <p:txBody>
+          <a:bodyPr vert="horz" lIns="91440" tIns="45720" rIns="91440" bIns="45720" rtlCol="0" anchor="ctr"/>
+          <a:lstStyle/>
+          <a:p>
+            <a:endParaRPr lang="en-US"/>
+          </a:p>
+        </p:txBody>
+      </p:sp>
+      <p:sp>
+        <p:nvSpPr>
+          <p:cNvPr id="5" name="Notes Placeholder 4"/>
           <p:cNvSpPr>
             <a:spLocks noGrp="1"/>
           </p:cNvSpPr>
           <p:nvPr>
-            <p:ph type="dt" sz="half" idx="10"/>
-          </p:nvPr>
-        </p:nvSpPr>
-        <p:spPr/>
-        <p:txBody>
-          <a:bodyPr/>
+            <p:ph type="body" sz="quarter" idx="3"/>
+          </p:nvPr>
+        </p:nvSpPr>
+        <p:spPr>
+          <a:xfrm>
+            <a:off x="685800" y="4400550"/>
+            <a:ext cx="5486400" cy="3600450"/>
+          </a:xfrm>
+          <a:prstGeom prst="rect">
+            <a:avLst/>
+          </a:prstGeom>
+        </p:spPr>
+        <p:txBody>
+          <a:bodyPr vert="horz" lIns="91440" tIns="45720" rIns="91440" bIns="45720" rtlCol="0"/>
           <a:lstStyle/>
           <a:p>
-            <a:fld id="{9A63A02E-F156-4280-9EFE-F9A71E7650D4}" type="datetimeFigureOut">
-              <a:rPr lang="en-US" smtClean="0"/>
-              <a:t>4/6/2017</a:t>
-            </a:fld>
+            <a:pPr lvl="0"/>
+            <a:r>
+              <a:rPr lang="en-US"/>
+              <a:t>Edit Master text styles</a:t>
+            </a:r>
+          </a:p>
+          <a:p>
+            <a:pPr lvl="1"/>
+            <a:r>
+              <a:rPr lang="en-US"/>
+              <a:t>Second level</a:t>
+            </a:r>
+          </a:p>
+          <a:p>
+            <a:pPr lvl="2"/>
+            <a:r>
+              <a:rPr lang="en-US"/>
+              <a:t>Third level</a:t>
+            </a:r>
+          </a:p>
+          <a:p>
+            <a:pPr lvl="3"/>
+            <a:r>
+              <a:rPr lang="en-US"/>
+              <a:t>Fourth level</a:t>
+            </a:r>
+          </a:p>
+          <a:p>
+            <a:pPr lvl="4"/>
+            <a:r>
+              <a:rPr lang="en-US"/>
+              <a:t>Fifth level</a:t>
+            </a:r>
             <a:endParaRPr lang="en-US"/>
           </a:p>
         </p:txBody>
       </p:sp>
       <p:sp>
         <p:nvSpPr>
-          <p:cNvPr id="5" name="Footer Placeholder 4"/>
+          <p:cNvPr id="6" name="Footer Placeholder 5"/>
           <p:cNvSpPr>
             <a:spLocks noGrp="1"/>
           </p:cNvSpPr>
           <p:nvPr>
-            <p:ph type="ftr" sz="quarter" idx="11"/>
-          </p:nvPr>
-        </p:nvSpPr>
-        <p:spPr/>
-        <p:txBody>
-          <a:bodyPr/>
-          <a:lstStyle/>
+            <p:ph type="ftr" sz="quarter" idx="4"/>
+          </p:nvPr>
+        </p:nvSpPr>
+        <p:spPr>
+          <a:xfrm>
+            <a:off x="0" y="8685213"/>
+            <a:ext cx="2971800" cy="458787"/>
+          </a:xfrm>
+          <a:prstGeom prst="rect">
+            <a:avLst/>
+          </a:prstGeom>
+        </p:spPr>
+        <p:txBody>
+          <a:bodyPr vert="horz" lIns="91440" tIns="45720" rIns="91440" bIns="45720" rtlCol="0" anchor="b"/>
+          <a:lstStyle>
+            <a:lvl1pPr algn="l">
+              <a:defRPr sz="1200"/>
+            </a:lvl1pPr>
+          </a:lstStyle>
           <a:p>
             <a:endParaRPr lang="en-US"/>
           </a:p>
@@ -274,20 +338,32 @@
       </p:sp>
       <p:sp>
         <p:nvSpPr>
-          <p:cNvPr id="6" name="Slide Number Placeholder 5"/>
+          <p:cNvPr id="7" name="Slide Number Placeholder 6"/>
           <p:cNvSpPr>
             <a:spLocks noGrp="1"/>
           </p:cNvSpPr>
           <p:nvPr>
-            <p:ph type="sldNum" sz="quarter" idx="12"/>
-          </p:nvPr>
-        </p:nvSpPr>
-        <p:spPr/>
-        <p:txBody>
-          <a:bodyPr/>
-          <a:lstStyle/>
-          <a:p>
-            <a:fld id="{D96319DF-3CAB-447E-B354-609F48F77BA5}" type="slidenum">
+            <p:ph type="sldNum" sz="quarter" idx="5"/>
+          </p:nvPr>
+        </p:nvSpPr>
+        <p:spPr>
+          <a:xfrm>
+            <a:off x="3884613" y="8685213"/>
+            <a:ext cx="2971800" cy="458787"/>
+          </a:xfrm>
+          <a:prstGeom prst="rect">
+            <a:avLst/>
+          </a:prstGeom>
+        </p:spPr>
+        <p:txBody>
+          <a:bodyPr vert="horz" lIns="91440" tIns="45720" rIns="91440" bIns="45720" rtlCol="0" anchor="b"/>
+          <a:lstStyle>
+            <a:lvl1pPr algn="r">
+              <a:defRPr sz="1200"/>
+            </a:lvl1pPr>
+          </a:lstStyle>
+          <a:p>
+            <a:fld id="{24C11519-0437-43C6-8281-0C8ACADFC56B}" type="slidenum">
               <a:rPr lang="en-US" smtClean="0"/>
               <a:t>‹#›</a:t>
             </a:fld>
@@ -298,13 +374,1598 @@
     </p:spTree>
     <p:extLst>
       <p:ext uri="{BB962C8B-B14F-4D97-AF65-F5344CB8AC3E}">
-        <p14:creationId xmlns:p14="http://schemas.microsoft.com/office/powerpoint/2010/main" val="3931335184"/>
+        <p14:creationId xmlns:p14="http://schemas.microsoft.com/office/powerpoint/2010/main" val="3596665930"/>
+      </p:ext>
+    </p:extLst>
+  </p:cSld>
+  <p:clrMap bg1="lt1" tx1="dk1" bg2="lt2" tx2="dk2" accent1="accent1" accent2="accent2" accent3="accent3" accent4="accent4" accent5="accent5" accent6="accent6" hlink="hlink" folHlink="folHlink"/>
+  <p:notesStyle>
+    <a:lvl1pPr marL="0" algn="l" defTabSz="914400" rtl="0" eaLnBrk="1" latinLnBrk="0" hangingPunct="1">
+      <a:defRPr sz="1200" kern="1200">
+        <a:solidFill>
+          <a:schemeClr val="tx1"/>
+        </a:solidFill>
+        <a:latin typeface="+mn-lt"/>
+        <a:ea typeface="+mn-ea"/>
+        <a:cs typeface="+mn-cs"/>
+      </a:defRPr>
+    </a:lvl1pPr>
+    <a:lvl2pPr marL="457200" algn="l" defTabSz="914400" rtl="0" eaLnBrk="1" latinLnBrk="0" hangingPunct="1">
+      <a:defRPr sz="1200" kern="1200">
+        <a:solidFill>
+          <a:schemeClr val="tx1"/>
+        </a:solidFill>
+        <a:latin typeface="+mn-lt"/>
+        <a:ea typeface="+mn-ea"/>
+        <a:cs typeface="+mn-cs"/>
+      </a:defRPr>
+    </a:lvl2pPr>
+    <a:lvl3pPr marL="914400" algn="l" defTabSz="914400" rtl="0" eaLnBrk="1" latinLnBrk="0" hangingPunct="1">
+      <a:defRPr sz="1200" kern="1200">
+        <a:solidFill>
+          <a:schemeClr val="tx1"/>
+        </a:solidFill>
+        <a:latin typeface="+mn-lt"/>
+        <a:ea typeface="+mn-ea"/>
+        <a:cs typeface="+mn-cs"/>
+      </a:defRPr>
+    </a:lvl3pPr>
+    <a:lvl4pPr marL="1371600" algn="l" defTabSz="914400" rtl="0" eaLnBrk="1" latinLnBrk="0" hangingPunct="1">
+      <a:defRPr sz="1200" kern="1200">
+        <a:solidFill>
+          <a:schemeClr val="tx1"/>
+        </a:solidFill>
+        <a:latin typeface="+mn-lt"/>
+        <a:ea typeface="+mn-ea"/>
+        <a:cs typeface="+mn-cs"/>
+      </a:defRPr>
+    </a:lvl4pPr>
+    <a:lvl5pPr marL="1828800" algn="l" defTabSz="914400" rtl="0" eaLnBrk="1" latinLnBrk="0" hangingPunct="1">
+      <a:defRPr sz="1200" kern="1200">
+        <a:solidFill>
+          <a:schemeClr val="tx1"/>
+        </a:solidFill>
+        <a:latin typeface="+mn-lt"/>
+        <a:ea typeface="+mn-ea"/>
+        <a:cs typeface="+mn-cs"/>
+      </a:defRPr>
+    </a:lvl5pPr>
+    <a:lvl6pPr marL="2286000" algn="l" defTabSz="914400" rtl="0" eaLnBrk="1" latinLnBrk="0" hangingPunct="1">
+      <a:defRPr sz="1200" kern="1200">
+        <a:solidFill>
+          <a:schemeClr val="tx1"/>
+        </a:solidFill>
+        <a:latin typeface="+mn-lt"/>
+        <a:ea typeface="+mn-ea"/>
+        <a:cs typeface="+mn-cs"/>
+      </a:defRPr>
+    </a:lvl6pPr>
+    <a:lvl7pPr marL="2743200" algn="l" defTabSz="914400" rtl="0" eaLnBrk="1" latinLnBrk="0" hangingPunct="1">
+      <a:defRPr sz="1200" kern="1200">
+        <a:solidFill>
+          <a:schemeClr val="tx1"/>
+        </a:solidFill>
+        <a:latin typeface="+mn-lt"/>
+        <a:ea typeface="+mn-ea"/>
+        <a:cs typeface="+mn-cs"/>
+      </a:defRPr>
+    </a:lvl7pPr>
+    <a:lvl8pPr marL="3200400" algn="l" defTabSz="914400" rtl="0" eaLnBrk="1" latinLnBrk="0" hangingPunct="1">
+      <a:defRPr sz="1200" kern="1200">
+        <a:solidFill>
+          <a:schemeClr val="tx1"/>
+        </a:solidFill>
+        <a:latin typeface="+mn-lt"/>
+        <a:ea typeface="+mn-ea"/>
+        <a:cs typeface="+mn-cs"/>
+      </a:defRPr>
+    </a:lvl8pPr>
+    <a:lvl9pPr marL="3657600" algn="l" defTabSz="914400" rtl="0" eaLnBrk="1" latinLnBrk="0" hangingPunct="1">
+      <a:defRPr sz="1200" kern="1200">
+        <a:solidFill>
+          <a:schemeClr val="tx1"/>
+        </a:solidFill>
+        <a:latin typeface="+mn-lt"/>
+        <a:ea typeface="+mn-ea"/>
+        <a:cs typeface="+mn-cs"/>
+      </a:defRPr>
+    </a:lvl9pPr>
+  </p:notesStyle>
+</p:notesMaster>
+</file>
+
+<file path=ppt/notesSlides/notesSlide1.xml><?xml version="1.0" encoding="utf-8"?>
+<p:notes xmlns:a="http://schemas.openxmlformats.org/drawingml/2006/main" xmlns:r="http://schemas.openxmlformats.org/officeDocument/2006/relationships" xmlns:p="http://schemas.openxmlformats.org/presentationml/2006/main" showMasterSp="0" showMasterPhAnim="0">
+  <p:cSld>
+    <p:spTree>
+      <p:nvGrpSpPr>
+        <p:cNvPr id="1" name="Shape 64"/>
+        <p:cNvGrpSpPr/>
+        <p:nvPr/>
+      </p:nvGrpSpPr>
+      <p:grpSpPr>
+        <a:xfrm>
+          <a:off x="0" y="0"/>
+          <a:ext cx="0" cy="0"/>
+          <a:chOff x="0" y="0"/>
+          <a:chExt cx="0" cy="0"/>
+        </a:xfrm>
+      </p:grpSpPr>
+      <p:sp>
+        <p:nvSpPr>
+          <p:cNvPr id="65" name="Shape 65"/>
+          <p:cNvSpPr>
+            <a:spLocks noGrp="1" noRot="1" noChangeAspect="1"/>
+          </p:cNvSpPr>
+          <p:nvPr>
+            <p:ph type="sldImg" idx="2"/>
+          </p:nvPr>
+        </p:nvSpPr>
+        <p:spPr>
+          <a:xfrm>
+            <a:off x="381000" y="685800"/>
+            <a:ext cx="6096000" cy="3429000"/>
+          </a:xfrm>
+          <a:custGeom>
+            <a:avLst/>
+            <a:gdLst/>
+            <a:ahLst/>
+            <a:cxnLst/>
+            <a:rect l="0" t="0" r="0" b="0"/>
+            <a:pathLst>
+              <a:path w="120000" h="120000" extrusionOk="0">
+                <a:moveTo>
+                  <a:pt x="0" y="0"/>
+                </a:moveTo>
+                <a:lnTo>
+                  <a:pt x="120000" y="0"/>
+                </a:lnTo>
+                <a:lnTo>
+                  <a:pt x="120000" y="120000"/>
+                </a:lnTo>
+                <a:lnTo>
+                  <a:pt x="0" y="120000"/>
+                </a:lnTo>
+                <a:close/>
+              </a:path>
+            </a:pathLst>
+          </a:custGeom>
+        </p:spPr>
+      </p:sp>
+      <p:sp>
+        <p:nvSpPr>
+          <p:cNvPr id="66" name="Shape 66"/>
+          <p:cNvSpPr txBox="1">
+            <a:spLocks noGrp="1"/>
+          </p:cNvSpPr>
+          <p:nvPr>
+            <p:ph type="body" idx="1"/>
+          </p:nvPr>
+        </p:nvSpPr>
+        <p:spPr>
+          <a:xfrm>
+            <a:off x="685800" y="4343400"/>
+            <a:ext cx="5486400" cy="4114800"/>
+          </a:xfrm>
+          <a:prstGeom prst="rect">
+            <a:avLst/>
+          </a:prstGeom>
+        </p:spPr>
+        <p:txBody>
+          <a:bodyPr lIns="91425" tIns="91425" rIns="91425" bIns="91425" anchor="t" anchorCtr="0">
+            <a:noAutofit/>
+          </a:bodyPr>
+          <a:lstStyle/>
+          <a:p>
+            <a:pPr lvl="0">
+              <a:spcBef>
+                <a:spcPts val="0"/>
+              </a:spcBef>
+              <a:buNone/>
+            </a:pPr>
+            <a:endParaRPr dirty="0"/>
+          </a:p>
+        </p:txBody>
+      </p:sp>
+    </p:spTree>
+    <p:extLst>
+      <p:ext uri="{BB962C8B-B14F-4D97-AF65-F5344CB8AC3E}">
+        <p14:creationId xmlns:p14="http://schemas.microsoft.com/office/powerpoint/2010/main" val="3775950450"/>
       </p:ext>
     </p:extLst>
   </p:cSld>
   <p:clrMapOvr>
     <a:masterClrMapping/>
   </p:clrMapOvr>
+</p:notes>
+</file>
+
+<file path=ppt/notesSlides/notesSlide10.xml><?xml version="1.0" encoding="utf-8"?>
+<p:notes xmlns:a="http://schemas.openxmlformats.org/drawingml/2006/main" xmlns:r="http://schemas.openxmlformats.org/officeDocument/2006/relationships" xmlns:p="http://schemas.openxmlformats.org/presentationml/2006/main">
+  <p:cSld>
+    <p:spTree>
+      <p:nvGrpSpPr>
+        <p:cNvPr id="1" name=""/>
+        <p:cNvGrpSpPr/>
+        <p:nvPr/>
+      </p:nvGrpSpPr>
+      <p:grpSpPr>
+        <a:xfrm>
+          <a:off x="0" y="0"/>
+          <a:ext cx="0" cy="0"/>
+          <a:chOff x="0" y="0"/>
+          <a:chExt cx="0" cy="0"/>
+        </a:xfrm>
+      </p:grpSpPr>
+      <p:sp>
+        <p:nvSpPr>
+          <p:cNvPr id="2" name="Slide Image Placeholder 1"/>
+          <p:cNvSpPr>
+            <a:spLocks noGrp="1" noRot="1" noChangeAspect="1"/>
+          </p:cNvSpPr>
+          <p:nvPr>
+            <p:ph type="sldImg"/>
+          </p:nvPr>
+        </p:nvSpPr>
+        <p:spPr>
+          <a:xfrm>
+            <a:off x="381000" y="685800"/>
+            <a:ext cx="6096000" cy="3429000"/>
+          </a:xfrm>
+        </p:spPr>
+      </p:sp>
+      <p:sp>
+        <p:nvSpPr>
+          <p:cNvPr id="3" name="Notes Placeholder 2"/>
+          <p:cNvSpPr>
+            <a:spLocks noGrp="1"/>
+          </p:cNvSpPr>
+          <p:nvPr>
+            <p:ph type="body" idx="1"/>
+          </p:nvPr>
+        </p:nvSpPr>
+        <p:spPr/>
+        <p:txBody>
+          <a:bodyPr/>
+          <a:lstStyle/>
+          <a:p>
+            <a:endParaRPr lang="en-US" baseline="0" dirty="0"/>
+          </a:p>
+        </p:txBody>
+      </p:sp>
+    </p:spTree>
+    <p:extLst>
+      <p:ext uri="{BB962C8B-B14F-4D97-AF65-F5344CB8AC3E}">
+        <p14:creationId xmlns:p14="http://schemas.microsoft.com/office/powerpoint/2010/main" val="2314591862"/>
+      </p:ext>
+    </p:extLst>
+  </p:cSld>
+  <p:clrMapOvr>
+    <a:masterClrMapping/>
+  </p:clrMapOvr>
+</p:notes>
+</file>
+
+<file path=ppt/notesSlides/notesSlide2.xml><?xml version="1.0" encoding="utf-8"?>
+<p:notes xmlns:a="http://schemas.openxmlformats.org/drawingml/2006/main" xmlns:r="http://schemas.openxmlformats.org/officeDocument/2006/relationships" xmlns:p="http://schemas.openxmlformats.org/presentationml/2006/main">
+  <p:cSld>
+    <p:spTree>
+      <p:nvGrpSpPr>
+        <p:cNvPr id="1" name=""/>
+        <p:cNvGrpSpPr/>
+        <p:nvPr/>
+      </p:nvGrpSpPr>
+      <p:grpSpPr>
+        <a:xfrm>
+          <a:off x="0" y="0"/>
+          <a:ext cx="0" cy="0"/>
+          <a:chOff x="0" y="0"/>
+          <a:chExt cx="0" cy="0"/>
+        </a:xfrm>
+      </p:grpSpPr>
+      <p:sp>
+        <p:nvSpPr>
+          <p:cNvPr id="2" name="Slide Image Placeholder 1"/>
+          <p:cNvSpPr>
+            <a:spLocks noGrp="1" noRot="1" noChangeAspect="1"/>
+          </p:cNvSpPr>
+          <p:nvPr>
+            <p:ph type="sldImg"/>
+          </p:nvPr>
+        </p:nvSpPr>
+        <p:spPr>
+          <a:xfrm>
+            <a:off x="381000" y="685800"/>
+            <a:ext cx="6096000" cy="3429000"/>
+          </a:xfrm>
+        </p:spPr>
+      </p:sp>
+      <p:sp>
+        <p:nvSpPr>
+          <p:cNvPr id="3" name="Notes Placeholder 2"/>
+          <p:cNvSpPr>
+            <a:spLocks noGrp="1"/>
+          </p:cNvSpPr>
+          <p:nvPr>
+            <p:ph type="body" idx="1"/>
+          </p:nvPr>
+        </p:nvSpPr>
+        <p:spPr/>
+        <p:txBody>
+          <a:bodyPr/>
+          <a:lstStyle/>
+          <a:p>
+            <a:pPr marL="0" marR="0" lvl="0" indent="0" algn="l" defTabSz="914400" rtl="0" eaLnBrk="1" fontAlgn="auto" latinLnBrk="0" hangingPunct="1">
+              <a:lnSpc>
+                <a:spcPct val="100000"/>
+              </a:lnSpc>
+              <a:spcBef>
+                <a:spcPts val="0"/>
+              </a:spcBef>
+              <a:spcAft>
+                <a:spcPts val="0"/>
+              </a:spcAft>
+              <a:buClrTx/>
+              <a:buSzTx/>
+              <a:buFontTx/>
+              <a:buNone/>
+              <a:tabLst/>
+              <a:defRPr/>
+            </a:pPr>
+            <a:r>
+              <a:rPr lang="en-US" dirty="0"/>
+              <a:t>Amazon </a:t>
+            </a:r>
+            <a:r>
+              <a:rPr lang="en-US" dirty="0" err="1"/>
+              <a:t>QuickSight</a:t>
+            </a:r>
+            <a:r>
+              <a:rPr lang="en-US" dirty="0"/>
+              <a:t> is a business</a:t>
+            </a:r>
+            <a:r>
+              <a:rPr lang="en-US" baseline="0" dirty="0"/>
+              <a:t> intelligence tool designed for fast analysis on very large data. </a:t>
+            </a:r>
+            <a:r>
+              <a:rPr lang="en-US" baseline="0" dirty="0" err="1"/>
+              <a:t>QuickSight</a:t>
+            </a:r>
+            <a:r>
+              <a:rPr lang="en-US" baseline="0" dirty="0"/>
+              <a:t> facilitates the creation of visuals with a simple UI, allowing anyone to easily create visualizations and share them with others in their organization. It has powerful data processing power in SPICE, which will be discussed later. Overall, this is a helpful tool for anyone using large data sets, especially for managers or those less experienced in analytics.</a:t>
+            </a:r>
+            <a:endParaRPr lang="en-US" dirty="0"/>
+          </a:p>
+          <a:p>
+            <a:endParaRPr lang="en-US" baseline="0" dirty="0"/>
+          </a:p>
+        </p:txBody>
+      </p:sp>
+    </p:spTree>
+    <p:extLst>
+      <p:ext uri="{BB962C8B-B14F-4D97-AF65-F5344CB8AC3E}">
+        <p14:creationId xmlns:p14="http://schemas.microsoft.com/office/powerpoint/2010/main" val="3325202141"/>
+      </p:ext>
+    </p:extLst>
+  </p:cSld>
+  <p:clrMapOvr>
+    <a:masterClrMapping/>
+  </p:clrMapOvr>
+</p:notes>
+</file>
+
+<file path=ppt/notesSlides/notesSlide3.xml><?xml version="1.0" encoding="utf-8"?>
+<p:notes xmlns:a="http://schemas.openxmlformats.org/drawingml/2006/main" xmlns:r="http://schemas.openxmlformats.org/officeDocument/2006/relationships" xmlns:p="http://schemas.openxmlformats.org/presentationml/2006/main">
+  <p:cSld>
+    <p:spTree>
+      <p:nvGrpSpPr>
+        <p:cNvPr id="1" name=""/>
+        <p:cNvGrpSpPr/>
+        <p:nvPr/>
+      </p:nvGrpSpPr>
+      <p:grpSpPr>
+        <a:xfrm>
+          <a:off x="0" y="0"/>
+          <a:ext cx="0" cy="0"/>
+          <a:chOff x="0" y="0"/>
+          <a:chExt cx="0" cy="0"/>
+        </a:xfrm>
+      </p:grpSpPr>
+      <p:sp>
+        <p:nvSpPr>
+          <p:cNvPr id="2" name="Slide Image Placeholder 1"/>
+          <p:cNvSpPr>
+            <a:spLocks noGrp="1" noRot="1" noChangeAspect="1"/>
+          </p:cNvSpPr>
+          <p:nvPr>
+            <p:ph type="sldImg"/>
+          </p:nvPr>
+        </p:nvSpPr>
+        <p:spPr>
+          <a:xfrm>
+            <a:off x="381000" y="685800"/>
+            <a:ext cx="6096000" cy="3429000"/>
+          </a:xfrm>
+        </p:spPr>
+      </p:sp>
+      <p:sp>
+        <p:nvSpPr>
+          <p:cNvPr id="3" name="Notes Placeholder 2"/>
+          <p:cNvSpPr>
+            <a:spLocks noGrp="1"/>
+          </p:cNvSpPr>
+          <p:nvPr>
+            <p:ph type="body" idx="1"/>
+          </p:nvPr>
+        </p:nvSpPr>
+        <p:spPr/>
+        <p:txBody>
+          <a:bodyPr/>
+          <a:lstStyle/>
+          <a:p>
+            <a:r>
+              <a:rPr lang="en-US" dirty="0" err="1"/>
+              <a:t>QuickSight</a:t>
+            </a:r>
+            <a:r>
+              <a:rPr lang="en-US" dirty="0"/>
+              <a:t> is able</a:t>
+            </a:r>
+            <a:r>
+              <a:rPr lang="en-US" baseline="0" dirty="0"/>
+              <a:t> to draw data from a variety of sources, including CSV or excel files, MySQL, and SQL Server. It can also connect to various AWS data storage services including Redshift, RDS, Aurora and Athena. </a:t>
+            </a:r>
+            <a:r>
+              <a:rPr lang="en-US" baseline="0" dirty="0" err="1"/>
+              <a:t>QuickSight</a:t>
+            </a:r>
+            <a:r>
+              <a:rPr lang="en-US" baseline="0" dirty="0"/>
+              <a:t> documentation seems to promise future compatibility with even more data sources such as EMR and Kinesis.</a:t>
+            </a:r>
+            <a:endParaRPr lang="en-US" dirty="0"/>
+          </a:p>
+          <a:p>
+            <a:endParaRPr lang="en-US" baseline="0" dirty="0"/>
+          </a:p>
+        </p:txBody>
+      </p:sp>
+    </p:spTree>
+    <p:extLst>
+      <p:ext uri="{BB962C8B-B14F-4D97-AF65-F5344CB8AC3E}">
+        <p14:creationId xmlns:p14="http://schemas.microsoft.com/office/powerpoint/2010/main" val="1150359084"/>
+      </p:ext>
+    </p:extLst>
+  </p:cSld>
+  <p:clrMapOvr>
+    <a:masterClrMapping/>
+  </p:clrMapOvr>
+</p:notes>
+</file>
+
+<file path=ppt/notesSlides/notesSlide4.xml><?xml version="1.0" encoding="utf-8"?>
+<p:notes xmlns:a="http://schemas.openxmlformats.org/drawingml/2006/main" xmlns:r="http://schemas.openxmlformats.org/officeDocument/2006/relationships" xmlns:p="http://schemas.openxmlformats.org/presentationml/2006/main">
+  <p:cSld>
+    <p:spTree>
+      <p:nvGrpSpPr>
+        <p:cNvPr id="1" name=""/>
+        <p:cNvGrpSpPr/>
+        <p:nvPr/>
+      </p:nvGrpSpPr>
+      <p:grpSpPr>
+        <a:xfrm>
+          <a:off x="0" y="0"/>
+          <a:ext cx="0" cy="0"/>
+          <a:chOff x="0" y="0"/>
+          <a:chExt cx="0" cy="0"/>
+        </a:xfrm>
+      </p:grpSpPr>
+      <p:sp>
+        <p:nvSpPr>
+          <p:cNvPr id="2" name="Slide Image Placeholder 1"/>
+          <p:cNvSpPr>
+            <a:spLocks noGrp="1" noRot="1" noChangeAspect="1"/>
+          </p:cNvSpPr>
+          <p:nvPr>
+            <p:ph type="sldImg"/>
+          </p:nvPr>
+        </p:nvSpPr>
+        <p:spPr>
+          <a:xfrm>
+            <a:off x="381000" y="685800"/>
+            <a:ext cx="6096000" cy="3429000"/>
+          </a:xfrm>
+        </p:spPr>
+      </p:sp>
+      <p:sp>
+        <p:nvSpPr>
+          <p:cNvPr id="3" name="Notes Placeholder 2"/>
+          <p:cNvSpPr>
+            <a:spLocks noGrp="1"/>
+          </p:cNvSpPr>
+          <p:nvPr>
+            <p:ph type="body" idx="1"/>
+          </p:nvPr>
+        </p:nvSpPr>
+        <p:spPr/>
+        <p:txBody>
+          <a:bodyPr/>
+          <a:lstStyle/>
+          <a:p>
+            <a:pPr marL="0" marR="0" lvl="0" indent="0" algn="l" defTabSz="914400" rtl="0" eaLnBrk="1" fontAlgn="auto" latinLnBrk="0" hangingPunct="1">
+              <a:lnSpc>
+                <a:spcPct val="100000"/>
+              </a:lnSpc>
+              <a:spcBef>
+                <a:spcPts val="0"/>
+              </a:spcBef>
+              <a:spcAft>
+                <a:spcPts val="0"/>
+              </a:spcAft>
+              <a:buClrTx/>
+              <a:buSzTx/>
+              <a:buFontTx/>
+              <a:buNone/>
+              <a:tabLst/>
+              <a:defRPr/>
+            </a:pPr>
+            <a:r>
+              <a:rPr lang="en-US" dirty="0"/>
+              <a:t>Data</a:t>
+            </a:r>
+            <a:r>
+              <a:rPr lang="en-US" baseline="0" dirty="0"/>
+              <a:t> is imported into </a:t>
+            </a:r>
+            <a:r>
+              <a:rPr lang="en-US" baseline="0" dirty="0" err="1"/>
+              <a:t>QuickSight</a:t>
+            </a:r>
+            <a:r>
+              <a:rPr lang="en-US" baseline="0" dirty="0"/>
+              <a:t> as a data set, and once your data set is created, there is no need to re-prepare the data for future analyses. Some data manipulation is available in this tool, such as filtering, joining, or renaming data. Also, within your data set you can change data types and create calculated fields. All of these features allow the user to manipulate the data to gain insight without altering the structure of the original data they pulled in. The filtering tool is especially useful in creating visualizations for specific areas, for example: looking only at sales made in December.</a:t>
+            </a:r>
+            <a:endParaRPr lang="en-US" dirty="0"/>
+          </a:p>
+          <a:p>
+            <a:endParaRPr lang="en-US" baseline="0" dirty="0"/>
+          </a:p>
+        </p:txBody>
+      </p:sp>
+    </p:spTree>
+    <p:extLst>
+      <p:ext uri="{BB962C8B-B14F-4D97-AF65-F5344CB8AC3E}">
+        <p14:creationId xmlns:p14="http://schemas.microsoft.com/office/powerpoint/2010/main" val="3138306203"/>
+      </p:ext>
+    </p:extLst>
+  </p:cSld>
+  <p:clrMapOvr>
+    <a:masterClrMapping/>
+  </p:clrMapOvr>
+</p:notes>
+</file>
+
+<file path=ppt/notesSlides/notesSlide5.xml><?xml version="1.0" encoding="utf-8"?>
+<p:notes xmlns:a="http://schemas.openxmlformats.org/drawingml/2006/main" xmlns:r="http://schemas.openxmlformats.org/officeDocument/2006/relationships" xmlns:p="http://schemas.openxmlformats.org/presentationml/2006/main">
+  <p:cSld>
+    <p:spTree>
+      <p:nvGrpSpPr>
+        <p:cNvPr id="1" name=""/>
+        <p:cNvGrpSpPr/>
+        <p:nvPr/>
+      </p:nvGrpSpPr>
+      <p:grpSpPr>
+        <a:xfrm>
+          <a:off x="0" y="0"/>
+          <a:ext cx="0" cy="0"/>
+          <a:chOff x="0" y="0"/>
+          <a:chExt cx="0" cy="0"/>
+        </a:xfrm>
+      </p:grpSpPr>
+      <p:sp>
+        <p:nvSpPr>
+          <p:cNvPr id="2" name="Slide Image Placeholder 1"/>
+          <p:cNvSpPr>
+            <a:spLocks noGrp="1" noRot="1" noChangeAspect="1"/>
+          </p:cNvSpPr>
+          <p:nvPr>
+            <p:ph type="sldImg"/>
+          </p:nvPr>
+        </p:nvSpPr>
+        <p:spPr>
+          <a:xfrm>
+            <a:off x="381000" y="685800"/>
+            <a:ext cx="6096000" cy="3429000"/>
+          </a:xfrm>
+        </p:spPr>
+      </p:sp>
+      <p:sp>
+        <p:nvSpPr>
+          <p:cNvPr id="3" name="Notes Placeholder 2"/>
+          <p:cNvSpPr>
+            <a:spLocks noGrp="1"/>
+          </p:cNvSpPr>
+          <p:nvPr>
+            <p:ph type="body" idx="1"/>
+          </p:nvPr>
+        </p:nvSpPr>
+        <p:spPr/>
+        <p:txBody>
+          <a:bodyPr/>
+          <a:lstStyle/>
+          <a:p>
+            <a:pPr marL="0" marR="0" lvl="0" indent="0" algn="l" defTabSz="914400" rtl="0" eaLnBrk="1" fontAlgn="auto" latinLnBrk="0" hangingPunct="1">
+              <a:lnSpc>
+                <a:spcPct val="100000"/>
+              </a:lnSpc>
+              <a:spcBef>
+                <a:spcPts val="0"/>
+              </a:spcBef>
+              <a:spcAft>
+                <a:spcPts val="0"/>
+              </a:spcAft>
+              <a:buClrTx/>
+              <a:buSzTx/>
+              <a:buFontTx/>
+              <a:buNone/>
+              <a:tabLst/>
+              <a:defRPr/>
+            </a:pPr>
+            <a:r>
+              <a:rPr lang="en-US" dirty="0"/>
+              <a:t>The simple UI is</a:t>
+            </a:r>
+            <a:r>
+              <a:rPr lang="en-US" baseline="0" dirty="0"/>
+              <a:t> easy to learn, and </a:t>
+            </a:r>
+            <a:r>
+              <a:rPr lang="en-US" baseline="0" dirty="0" err="1"/>
+              <a:t>QuickSight</a:t>
+            </a:r>
+            <a:r>
+              <a:rPr lang="en-US" baseline="0" dirty="0"/>
+              <a:t> offers some helpful tutorial videos and example data to help you get started as well. The interface mostly involves selecting which features in the data you want to look at or dragging and dropping features into the Field Wells bar. Several common chart types are available, such as bar charts, line graphs, scatter plots, and pivot tables. One of the most interesting features of </a:t>
+            </a:r>
+            <a:r>
+              <a:rPr lang="en-US" baseline="0" dirty="0" err="1"/>
+              <a:t>QuickSight</a:t>
+            </a:r>
+            <a:r>
+              <a:rPr lang="en-US" baseline="0" dirty="0"/>
+              <a:t> is Auto Graph. Auto Graph is a built-in suggestion engine that automatically creates visualizations from your selected data features, offering recommended chart types.  Visualizations made in </a:t>
+            </a:r>
+            <a:r>
+              <a:rPr lang="en-US" baseline="0" dirty="0" err="1"/>
+              <a:t>QuickSight</a:t>
+            </a:r>
+            <a:r>
+              <a:rPr lang="en-US" baseline="0" dirty="0"/>
+              <a:t> are accessible from any browser or compatible mobile devices.</a:t>
+            </a:r>
+            <a:endParaRPr lang="en-US" dirty="0"/>
+          </a:p>
+          <a:p>
+            <a:endParaRPr lang="en-US" baseline="0" dirty="0"/>
+          </a:p>
+        </p:txBody>
+      </p:sp>
+    </p:spTree>
+    <p:extLst>
+      <p:ext uri="{BB962C8B-B14F-4D97-AF65-F5344CB8AC3E}">
+        <p14:creationId xmlns:p14="http://schemas.microsoft.com/office/powerpoint/2010/main" val="542508180"/>
+      </p:ext>
+    </p:extLst>
+  </p:cSld>
+  <p:clrMapOvr>
+    <a:masterClrMapping/>
+  </p:clrMapOvr>
+</p:notes>
+</file>
+
+<file path=ppt/notesSlides/notesSlide6.xml><?xml version="1.0" encoding="utf-8"?>
+<p:notes xmlns:a="http://schemas.openxmlformats.org/drawingml/2006/main" xmlns:r="http://schemas.openxmlformats.org/officeDocument/2006/relationships" xmlns:p="http://schemas.openxmlformats.org/presentationml/2006/main">
+  <p:cSld>
+    <p:spTree>
+      <p:nvGrpSpPr>
+        <p:cNvPr id="1" name=""/>
+        <p:cNvGrpSpPr/>
+        <p:nvPr/>
+      </p:nvGrpSpPr>
+      <p:grpSpPr>
+        <a:xfrm>
+          <a:off x="0" y="0"/>
+          <a:ext cx="0" cy="0"/>
+          <a:chOff x="0" y="0"/>
+          <a:chExt cx="0" cy="0"/>
+        </a:xfrm>
+      </p:grpSpPr>
+      <p:sp>
+        <p:nvSpPr>
+          <p:cNvPr id="2" name="Slide Image Placeholder 1"/>
+          <p:cNvSpPr>
+            <a:spLocks noGrp="1" noRot="1" noChangeAspect="1"/>
+          </p:cNvSpPr>
+          <p:nvPr>
+            <p:ph type="sldImg"/>
+          </p:nvPr>
+        </p:nvSpPr>
+        <p:spPr>
+          <a:xfrm>
+            <a:off x="381000" y="685800"/>
+            <a:ext cx="6096000" cy="3429000"/>
+          </a:xfrm>
+        </p:spPr>
+      </p:sp>
+      <p:sp>
+        <p:nvSpPr>
+          <p:cNvPr id="3" name="Notes Placeholder 2"/>
+          <p:cNvSpPr>
+            <a:spLocks noGrp="1"/>
+          </p:cNvSpPr>
+          <p:nvPr>
+            <p:ph type="body" idx="1"/>
+          </p:nvPr>
+        </p:nvSpPr>
+        <p:spPr/>
+        <p:txBody>
+          <a:bodyPr/>
+          <a:lstStyle/>
+          <a:p>
+            <a:r>
+              <a:rPr lang="en-US" dirty="0"/>
+              <a:t>A</a:t>
+            </a:r>
+            <a:r>
+              <a:rPr lang="en-US" baseline="0" dirty="0"/>
+              <a:t> story</a:t>
+            </a:r>
+            <a:r>
+              <a:rPr lang="en-US" dirty="0"/>
+              <a:t> in </a:t>
+            </a:r>
+            <a:r>
+              <a:rPr lang="en-US" dirty="0" err="1"/>
+              <a:t>QuickSight</a:t>
+            </a:r>
+            <a:r>
+              <a:rPr lang="en-US" dirty="0"/>
+              <a:t> is</a:t>
+            </a:r>
+            <a:r>
+              <a:rPr lang="en-US" baseline="0" dirty="0"/>
+              <a:t> a</a:t>
+            </a:r>
+            <a:r>
+              <a:rPr lang="en-US" dirty="0"/>
+              <a:t> simple</a:t>
+            </a:r>
+            <a:r>
+              <a:rPr lang="en-US" baseline="0" dirty="0"/>
+              <a:t> format </a:t>
+            </a:r>
+            <a:r>
+              <a:rPr lang="en-US" dirty="0"/>
+              <a:t>to share interactive analyses within your</a:t>
+            </a:r>
+            <a:r>
+              <a:rPr lang="en-US" baseline="0" dirty="0"/>
+              <a:t> organization. You can combine your visualizations into dashboards and put your dashboards into stories and securely share them with coworkers or clients.</a:t>
+            </a:r>
+            <a:endParaRPr lang="en-US" dirty="0"/>
+          </a:p>
+          <a:p>
+            <a:endParaRPr lang="en-US" baseline="0" dirty="0"/>
+          </a:p>
+        </p:txBody>
+      </p:sp>
+    </p:spTree>
+    <p:extLst>
+      <p:ext uri="{BB962C8B-B14F-4D97-AF65-F5344CB8AC3E}">
+        <p14:creationId xmlns:p14="http://schemas.microsoft.com/office/powerpoint/2010/main" val="4144202761"/>
+      </p:ext>
+    </p:extLst>
+  </p:cSld>
+  <p:clrMapOvr>
+    <a:masterClrMapping/>
+  </p:clrMapOvr>
+</p:notes>
+</file>
+
+<file path=ppt/notesSlides/notesSlide7.xml><?xml version="1.0" encoding="utf-8"?>
+<p:notes xmlns:a="http://schemas.openxmlformats.org/drawingml/2006/main" xmlns:r="http://schemas.openxmlformats.org/officeDocument/2006/relationships" xmlns:p="http://schemas.openxmlformats.org/presentationml/2006/main">
+  <p:cSld>
+    <p:spTree>
+      <p:nvGrpSpPr>
+        <p:cNvPr id="1" name=""/>
+        <p:cNvGrpSpPr/>
+        <p:nvPr/>
+      </p:nvGrpSpPr>
+      <p:grpSpPr>
+        <a:xfrm>
+          <a:off x="0" y="0"/>
+          <a:ext cx="0" cy="0"/>
+          <a:chOff x="0" y="0"/>
+          <a:chExt cx="0" cy="0"/>
+        </a:xfrm>
+      </p:grpSpPr>
+      <p:sp>
+        <p:nvSpPr>
+          <p:cNvPr id="2" name="Slide Image Placeholder 1"/>
+          <p:cNvSpPr>
+            <a:spLocks noGrp="1" noRot="1" noChangeAspect="1"/>
+          </p:cNvSpPr>
+          <p:nvPr>
+            <p:ph type="sldImg"/>
+          </p:nvPr>
+        </p:nvSpPr>
+        <p:spPr>
+          <a:xfrm>
+            <a:off x="381000" y="685800"/>
+            <a:ext cx="6096000" cy="3429000"/>
+          </a:xfrm>
+        </p:spPr>
+      </p:sp>
+      <p:sp>
+        <p:nvSpPr>
+          <p:cNvPr id="3" name="Notes Placeholder 2"/>
+          <p:cNvSpPr>
+            <a:spLocks noGrp="1"/>
+          </p:cNvSpPr>
+          <p:nvPr>
+            <p:ph type="body" idx="1"/>
+          </p:nvPr>
+        </p:nvSpPr>
+        <p:spPr/>
+        <p:txBody>
+          <a:bodyPr/>
+          <a:lstStyle/>
+          <a:p>
+            <a:r>
+              <a:rPr lang="en-US" dirty="0"/>
+              <a:t>SPICE is the real</a:t>
+            </a:r>
+            <a:r>
+              <a:rPr lang="en-US" baseline="0" dirty="0"/>
+              <a:t> power behind </a:t>
+            </a:r>
+            <a:r>
+              <a:rPr lang="en-US" baseline="0" dirty="0" err="1"/>
+              <a:t>QuickSight</a:t>
+            </a:r>
+            <a:r>
+              <a:rPr lang="en-US" baseline="0" dirty="0"/>
+              <a:t>. SPICE stands for Super-fast Parallel In-memory Calculation Engine. Running in the cloud, SPICE can process huge amounts of data very quickly and automatically replicates your data to create a data set for </a:t>
+            </a:r>
+            <a:r>
+              <a:rPr lang="en-US" baseline="0" dirty="0" err="1"/>
+              <a:t>QuickSight</a:t>
+            </a:r>
+            <a:r>
+              <a:rPr lang="en-US" baseline="0" dirty="0"/>
+              <a:t>. This computational power allows many users to perform analyses simultaneously across shared data sources. Each user has access to the pooled SPICE capacity for their group, and each additional paid user increases the SPICE capacity by 10GB.  Additional SPICE capacity can be purchased as necessary and data sets can be deleted to free up extra capacity. </a:t>
+            </a:r>
+            <a:endParaRPr lang="en-US" dirty="0"/>
+          </a:p>
+          <a:p>
+            <a:endParaRPr lang="en-US" baseline="0" dirty="0"/>
+          </a:p>
+        </p:txBody>
+      </p:sp>
+    </p:spTree>
+    <p:extLst>
+      <p:ext uri="{BB962C8B-B14F-4D97-AF65-F5344CB8AC3E}">
+        <p14:creationId xmlns:p14="http://schemas.microsoft.com/office/powerpoint/2010/main" val="412534430"/>
+      </p:ext>
+    </p:extLst>
+  </p:cSld>
+  <p:clrMapOvr>
+    <a:masterClrMapping/>
+  </p:clrMapOvr>
+</p:notes>
+</file>
+
+<file path=ppt/notesSlides/notesSlide8.xml><?xml version="1.0" encoding="utf-8"?>
+<p:notes xmlns:a="http://schemas.openxmlformats.org/drawingml/2006/main" xmlns:r="http://schemas.openxmlformats.org/officeDocument/2006/relationships" xmlns:p="http://schemas.openxmlformats.org/presentationml/2006/main">
+  <p:cSld>
+    <p:spTree>
+      <p:nvGrpSpPr>
+        <p:cNvPr id="1" name=""/>
+        <p:cNvGrpSpPr/>
+        <p:nvPr/>
+      </p:nvGrpSpPr>
+      <p:grpSpPr>
+        <a:xfrm>
+          <a:off x="0" y="0"/>
+          <a:ext cx="0" cy="0"/>
+          <a:chOff x="0" y="0"/>
+          <a:chExt cx="0" cy="0"/>
+        </a:xfrm>
+      </p:grpSpPr>
+      <p:sp>
+        <p:nvSpPr>
+          <p:cNvPr id="2" name="Slide Image Placeholder 1"/>
+          <p:cNvSpPr>
+            <a:spLocks noGrp="1" noRot="1" noChangeAspect="1"/>
+          </p:cNvSpPr>
+          <p:nvPr>
+            <p:ph type="sldImg"/>
+          </p:nvPr>
+        </p:nvSpPr>
+        <p:spPr>
+          <a:xfrm>
+            <a:off x="381000" y="685800"/>
+            <a:ext cx="6096000" cy="3429000"/>
+          </a:xfrm>
+        </p:spPr>
+      </p:sp>
+      <p:sp>
+        <p:nvSpPr>
+          <p:cNvPr id="3" name="Notes Placeholder 2"/>
+          <p:cNvSpPr>
+            <a:spLocks noGrp="1"/>
+          </p:cNvSpPr>
+          <p:nvPr>
+            <p:ph type="body" idx="1"/>
+          </p:nvPr>
+        </p:nvSpPr>
+        <p:spPr/>
+        <p:txBody>
+          <a:bodyPr/>
+          <a:lstStyle/>
+          <a:p>
+            <a:r>
+              <a:rPr lang="en-US" dirty="0"/>
+              <a:t>One</a:t>
+            </a:r>
+            <a:r>
+              <a:rPr lang="en-US" baseline="0" dirty="0"/>
+              <a:t> of the most appealing aspects of </a:t>
+            </a:r>
+            <a:r>
+              <a:rPr lang="en-US" baseline="0" dirty="0" err="1"/>
+              <a:t>QuickSight</a:t>
+            </a:r>
+            <a:r>
+              <a:rPr lang="en-US" baseline="0" dirty="0"/>
+              <a:t> is its pricing. </a:t>
+            </a:r>
+            <a:r>
+              <a:rPr lang="en-US" dirty="0"/>
+              <a:t>The</a:t>
+            </a:r>
+            <a:r>
+              <a:rPr lang="en-US" baseline="0" dirty="0"/>
+              <a:t> cost is very affordable, with no maintenance fees or hardware to purchase. Also, it is free to try for the first user in a group. Signing up does require an AWS account, which also offers a free trial period. </a:t>
+            </a:r>
+            <a:endParaRPr lang="en-US" dirty="0"/>
+          </a:p>
+          <a:p>
+            <a:endParaRPr lang="en-US" baseline="0" dirty="0"/>
+          </a:p>
+        </p:txBody>
+      </p:sp>
+    </p:spTree>
+    <p:extLst>
+      <p:ext uri="{BB962C8B-B14F-4D97-AF65-F5344CB8AC3E}">
+        <p14:creationId xmlns:p14="http://schemas.microsoft.com/office/powerpoint/2010/main" val="2419673014"/>
+      </p:ext>
+    </p:extLst>
+  </p:cSld>
+  <p:clrMapOvr>
+    <a:masterClrMapping/>
+  </p:clrMapOvr>
+</p:notes>
+</file>
+
+<file path=ppt/notesSlides/notesSlide9.xml><?xml version="1.0" encoding="utf-8"?>
+<p:notes xmlns:a="http://schemas.openxmlformats.org/drawingml/2006/main" xmlns:r="http://schemas.openxmlformats.org/officeDocument/2006/relationships" xmlns:p="http://schemas.openxmlformats.org/presentationml/2006/main">
+  <p:cSld>
+    <p:spTree>
+      <p:nvGrpSpPr>
+        <p:cNvPr id="1" name=""/>
+        <p:cNvGrpSpPr/>
+        <p:nvPr/>
+      </p:nvGrpSpPr>
+      <p:grpSpPr>
+        <a:xfrm>
+          <a:off x="0" y="0"/>
+          <a:ext cx="0" cy="0"/>
+          <a:chOff x="0" y="0"/>
+          <a:chExt cx="0" cy="0"/>
+        </a:xfrm>
+      </p:grpSpPr>
+      <p:sp>
+        <p:nvSpPr>
+          <p:cNvPr id="2" name="Slide Image Placeholder 1"/>
+          <p:cNvSpPr>
+            <a:spLocks noGrp="1" noRot="1" noChangeAspect="1"/>
+          </p:cNvSpPr>
+          <p:nvPr>
+            <p:ph type="sldImg"/>
+          </p:nvPr>
+        </p:nvSpPr>
+        <p:spPr>
+          <a:xfrm>
+            <a:off x="381000" y="685800"/>
+            <a:ext cx="6096000" cy="3429000"/>
+          </a:xfrm>
+        </p:spPr>
+      </p:sp>
+      <p:sp>
+        <p:nvSpPr>
+          <p:cNvPr id="3" name="Notes Placeholder 2"/>
+          <p:cNvSpPr>
+            <a:spLocks noGrp="1"/>
+          </p:cNvSpPr>
+          <p:nvPr>
+            <p:ph type="body" idx="1"/>
+          </p:nvPr>
+        </p:nvSpPr>
+        <p:spPr/>
+        <p:txBody>
+          <a:bodyPr/>
+          <a:lstStyle/>
+          <a:p>
+            <a:r>
+              <a:rPr lang="en-US" dirty="0"/>
+              <a:t>Some of the possible</a:t>
+            </a:r>
+            <a:r>
+              <a:rPr lang="en-US" baseline="0" dirty="0"/>
+              <a:t> future features of </a:t>
+            </a:r>
+            <a:r>
+              <a:rPr lang="en-US" baseline="0" dirty="0" err="1"/>
+              <a:t>QuickSight</a:t>
+            </a:r>
+            <a:r>
+              <a:rPr lang="en-US" baseline="0" dirty="0"/>
+              <a:t> include integration with other non-AWS BI tools such as Tableau and access on Android devices. If Tableau were integrated, </a:t>
+            </a:r>
+            <a:r>
+              <a:rPr lang="en-US" baseline="0" dirty="0" err="1"/>
+              <a:t>QuickSight</a:t>
+            </a:r>
+            <a:r>
+              <a:rPr lang="en-US" baseline="0" dirty="0"/>
+              <a:t> could quickly process your data and Tableau could be used to create detailed and customizable visualizations. In conclusion, </a:t>
+            </a:r>
+            <a:r>
+              <a:rPr lang="en-US" baseline="0" dirty="0" err="1"/>
+              <a:t>QuickSight</a:t>
+            </a:r>
+            <a:r>
+              <a:rPr lang="en-US" baseline="0" dirty="0"/>
+              <a:t> is very useful if you want to quickly produce simple visualizations from large data sets.</a:t>
+            </a:r>
+            <a:endParaRPr lang="en-US" dirty="0"/>
+          </a:p>
+          <a:p>
+            <a:endParaRPr lang="en-US" baseline="0" dirty="0"/>
+          </a:p>
+        </p:txBody>
+      </p:sp>
+    </p:spTree>
+    <p:extLst>
+      <p:ext uri="{BB962C8B-B14F-4D97-AF65-F5344CB8AC3E}">
+        <p14:creationId xmlns:p14="http://schemas.microsoft.com/office/powerpoint/2010/main" val="3055983960"/>
+      </p:ext>
+    </p:extLst>
+  </p:cSld>
+  <p:clrMapOvr>
+    <a:masterClrMapping/>
+  </p:clrMapOvr>
+</p:notes>
+</file>
+
+<file path=ppt/slideLayouts/slideLayout1.xml><?xml version="1.0" encoding="utf-8"?>
+<p:sldLayout xmlns:a="http://schemas.openxmlformats.org/drawingml/2006/main" xmlns:r="http://schemas.openxmlformats.org/officeDocument/2006/relationships" xmlns:p="http://schemas.openxmlformats.org/presentationml/2006/main" showMasterSp="0" type="title" preserve="1">
+  <p:cSld name="Title Slide">
+    <p:bg>
+      <p:bgPr>
+        <a:solidFill>
+          <a:schemeClr val="bg2"/>
+        </a:solidFill>
+        <a:effectLst/>
+      </p:bgPr>
+    </p:bg>
+    <p:spTree>
+      <p:nvGrpSpPr>
+        <p:cNvPr id="1" name=""/>
+        <p:cNvGrpSpPr/>
+        <p:nvPr/>
+      </p:nvGrpSpPr>
+      <p:grpSpPr>
+        <a:xfrm>
+          <a:off x="0" y="0"/>
+          <a:ext cx="0" cy="0"/>
+          <a:chOff x="0" y="0"/>
+          <a:chExt cx="0" cy="0"/>
+        </a:xfrm>
+      </p:grpSpPr>
+      <p:sp>
+        <p:nvSpPr>
+          <p:cNvPr id="12" name="Freeform 6" title="Page Number Shape"/>
+          <p:cNvSpPr/>
+          <p:nvPr/>
+        </p:nvSpPr>
+        <p:spPr bwMode="auto">
+          <a:xfrm>
+            <a:off x="11784011" y="1189205"/>
+            <a:ext cx="407988" cy="819151"/>
+          </a:xfrm>
+          <a:custGeom>
+            <a:avLst/>
+            <a:gdLst/>
+            <a:ahLst/>
+            <a:cxnLst/>
+            <a:rect l="0" t="0" r="r" b="b"/>
+            <a:pathLst>
+              <a:path w="1799" h="3612">
+                <a:moveTo>
+                  <a:pt x="1799" y="0"/>
+                </a:moveTo>
+                <a:lnTo>
+                  <a:pt x="1799" y="3612"/>
+                </a:lnTo>
+                <a:lnTo>
+                  <a:pt x="1686" y="3609"/>
+                </a:lnTo>
+                <a:lnTo>
+                  <a:pt x="1574" y="3598"/>
+                </a:lnTo>
+                <a:lnTo>
+                  <a:pt x="1464" y="3581"/>
+                </a:lnTo>
+                <a:lnTo>
+                  <a:pt x="1357" y="3557"/>
+                </a:lnTo>
+                <a:lnTo>
+                  <a:pt x="1251" y="3527"/>
+                </a:lnTo>
+                <a:lnTo>
+                  <a:pt x="1150" y="3490"/>
+                </a:lnTo>
+                <a:lnTo>
+                  <a:pt x="1050" y="3448"/>
+                </a:lnTo>
+                <a:lnTo>
+                  <a:pt x="953" y="3401"/>
+                </a:lnTo>
+                <a:lnTo>
+                  <a:pt x="860" y="3347"/>
+                </a:lnTo>
+                <a:lnTo>
+                  <a:pt x="771" y="3289"/>
+                </a:lnTo>
+                <a:lnTo>
+                  <a:pt x="686" y="3224"/>
+                </a:lnTo>
+                <a:lnTo>
+                  <a:pt x="604" y="3156"/>
+                </a:lnTo>
+                <a:lnTo>
+                  <a:pt x="527" y="3083"/>
+                </a:lnTo>
+                <a:lnTo>
+                  <a:pt x="454" y="3005"/>
+                </a:lnTo>
+                <a:lnTo>
+                  <a:pt x="386" y="2923"/>
+                </a:lnTo>
+                <a:lnTo>
+                  <a:pt x="323" y="2838"/>
+                </a:lnTo>
+                <a:lnTo>
+                  <a:pt x="265" y="2748"/>
+                </a:lnTo>
+                <a:lnTo>
+                  <a:pt x="211" y="2655"/>
+                </a:lnTo>
+                <a:lnTo>
+                  <a:pt x="163" y="2559"/>
+                </a:lnTo>
+                <a:lnTo>
+                  <a:pt x="121" y="2459"/>
+                </a:lnTo>
+                <a:lnTo>
+                  <a:pt x="85" y="2356"/>
+                </a:lnTo>
+                <a:lnTo>
+                  <a:pt x="55" y="2251"/>
+                </a:lnTo>
+                <a:lnTo>
+                  <a:pt x="32" y="2143"/>
+                </a:lnTo>
+                <a:lnTo>
+                  <a:pt x="14" y="2033"/>
+                </a:lnTo>
+                <a:lnTo>
+                  <a:pt x="4" y="1920"/>
+                </a:lnTo>
+                <a:lnTo>
+                  <a:pt x="0" y="1806"/>
+                </a:lnTo>
+                <a:lnTo>
+                  <a:pt x="4" y="1692"/>
+                </a:lnTo>
+                <a:lnTo>
+                  <a:pt x="14" y="1580"/>
+                </a:lnTo>
+                <a:lnTo>
+                  <a:pt x="32" y="1469"/>
+                </a:lnTo>
+                <a:lnTo>
+                  <a:pt x="55" y="1362"/>
+                </a:lnTo>
+                <a:lnTo>
+                  <a:pt x="85" y="1256"/>
+                </a:lnTo>
+                <a:lnTo>
+                  <a:pt x="121" y="1154"/>
+                </a:lnTo>
+                <a:lnTo>
+                  <a:pt x="163" y="1054"/>
+                </a:lnTo>
+                <a:lnTo>
+                  <a:pt x="211" y="958"/>
+                </a:lnTo>
+                <a:lnTo>
+                  <a:pt x="265" y="864"/>
+                </a:lnTo>
+                <a:lnTo>
+                  <a:pt x="323" y="774"/>
+                </a:lnTo>
+                <a:lnTo>
+                  <a:pt x="386" y="689"/>
+                </a:lnTo>
+                <a:lnTo>
+                  <a:pt x="454" y="607"/>
+                </a:lnTo>
+                <a:lnTo>
+                  <a:pt x="527" y="529"/>
+                </a:lnTo>
+                <a:lnTo>
+                  <a:pt x="604" y="456"/>
+                </a:lnTo>
+                <a:lnTo>
+                  <a:pt x="686" y="388"/>
+                </a:lnTo>
+                <a:lnTo>
+                  <a:pt x="771" y="325"/>
+                </a:lnTo>
+                <a:lnTo>
+                  <a:pt x="860" y="266"/>
+                </a:lnTo>
+                <a:lnTo>
+                  <a:pt x="953" y="212"/>
+                </a:lnTo>
+                <a:lnTo>
+                  <a:pt x="1050" y="164"/>
+                </a:lnTo>
+                <a:lnTo>
+                  <a:pt x="1150" y="122"/>
+                </a:lnTo>
+                <a:lnTo>
+                  <a:pt x="1251" y="85"/>
+                </a:lnTo>
+                <a:lnTo>
+                  <a:pt x="1357" y="55"/>
+                </a:lnTo>
+                <a:lnTo>
+                  <a:pt x="1464" y="32"/>
+                </a:lnTo>
+                <a:lnTo>
+                  <a:pt x="1574" y="14"/>
+                </a:lnTo>
+                <a:lnTo>
+                  <a:pt x="1686" y="5"/>
+                </a:lnTo>
+                <a:lnTo>
+                  <a:pt x="1799" y="0"/>
+                </a:lnTo>
+                <a:close/>
+              </a:path>
+            </a:pathLst>
+          </a:custGeom>
+          <a:solidFill>
+            <a:schemeClr val="tx2"/>
+          </a:solidFill>
+          <a:ln w="0">
+            <a:noFill/>
+            <a:prstDash val="solid"/>
+            <a:round/>
+            <a:headEnd/>
+            <a:tailEnd/>
+          </a:ln>
+        </p:spPr>
+      </p:sp>
+      <p:sp>
+        <p:nvSpPr>
+          <p:cNvPr id="2" name="Title 1"/>
+          <p:cNvSpPr>
+            <a:spLocks noGrp="1"/>
+          </p:cNvSpPr>
+          <p:nvPr>
+            <p:ph type="ctrTitle"/>
+          </p:nvPr>
+        </p:nvSpPr>
+        <p:spPr>
+          <a:xfrm>
+            <a:off x="1088913" y="1143294"/>
+            <a:ext cx="7034363" cy="4268965"/>
+          </a:xfrm>
+        </p:spPr>
+        <p:txBody>
+          <a:bodyPr anchor="t">
+            <a:normAutofit/>
+          </a:bodyPr>
+          <a:lstStyle>
+            <a:lvl1pPr algn="l">
+              <a:lnSpc>
+                <a:spcPct val="85000"/>
+              </a:lnSpc>
+              <a:defRPr sz="7700" cap="all" baseline="0">
+                <a:solidFill>
+                  <a:schemeClr val="tx2"/>
+                </a:solidFill>
+              </a:defRPr>
+            </a:lvl1pPr>
+          </a:lstStyle>
+          <a:p>
+            <a:r>
+              <a:rPr lang="en-US"/>
+              <a:t>Click to edit Master title style</a:t>
+            </a:r>
+            <a:endParaRPr lang="en-US" dirty="0"/>
+          </a:p>
+        </p:txBody>
+      </p:sp>
+      <p:sp>
+        <p:nvSpPr>
+          <p:cNvPr id="3" name="Subtitle 2"/>
+          <p:cNvSpPr>
+            <a:spLocks noGrp="1"/>
+          </p:cNvSpPr>
+          <p:nvPr>
+            <p:ph type="subTitle" idx="1"/>
+          </p:nvPr>
+        </p:nvSpPr>
+        <p:spPr>
+          <a:xfrm>
+            <a:off x="1088913" y="5537925"/>
+            <a:ext cx="7034363" cy="706355"/>
+          </a:xfrm>
+        </p:spPr>
+        <p:txBody>
+          <a:bodyPr>
+            <a:normAutofit/>
+          </a:bodyPr>
+          <a:lstStyle>
+            <a:lvl1pPr marL="0" indent="0" algn="l">
+              <a:lnSpc>
+                <a:spcPct val="114000"/>
+              </a:lnSpc>
+              <a:spcBef>
+                <a:spcPts val="0"/>
+              </a:spcBef>
+              <a:buNone/>
+              <a:defRPr sz="2000" b="0" i="1" baseline="0">
+                <a:solidFill>
+                  <a:schemeClr val="tx2"/>
+                </a:solidFill>
+              </a:defRPr>
+            </a:lvl1pPr>
+            <a:lvl2pPr marL="457189" indent="0" algn="ctr">
+              <a:buNone/>
+              <a:defRPr sz="2000"/>
+            </a:lvl2pPr>
+            <a:lvl3pPr marL="914377" indent="0" algn="ctr">
+              <a:buNone/>
+              <a:defRPr sz="1800"/>
+            </a:lvl3pPr>
+            <a:lvl4pPr marL="1371566" indent="0" algn="ctr">
+              <a:buNone/>
+              <a:defRPr sz="1600"/>
+            </a:lvl4pPr>
+            <a:lvl5pPr marL="1828754" indent="0" algn="ctr">
+              <a:buNone/>
+              <a:defRPr sz="1600"/>
+            </a:lvl5pPr>
+            <a:lvl6pPr marL="2285943" indent="0" algn="ctr">
+              <a:buNone/>
+              <a:defRPr sz="1600"/>
+            </a:lvl6pPr>
+            <a:lvl7pPr marL="2743131" indent="0" algn="ctr">
+              <a:buNone/>
+              <a:defRPr sz="1600"/>
+            </a:lvl7pPr>
+            <a:lvl8pPr marL="3200320" indent="0" algn="ctr">
+              <a:buNone/>
+              <a:defRPr sz="1600"/>
+            </a:lvl8pPr>
+            <a:lvl9pPr marL="3657509" indent="0" algn="ctr">
+              <a:buNone/>
+              <a:defRPr sz="1600"/>
+            </a:lvl9pPr>
+          </a:lstStyle>
+          <a:p>
+            <a:r>
+              <a:rPr lang="en-US"/>
+              <a:t>Click to edit Master subtitle style</a:t>
+            </a:r>
+            <a:endParaRPr lang="en-US" dirty="0"/>
+          </a:p>
+        </p:txBody>
+      </p:sp>
+      <p:sp>
+        <p:nvSpPr>
+          <p:cNvPr id="4" name="Date Placeholder 3"/>
+          <p:cNvSpPr>
+            <a:spLocks noGrp="1"/>
+          </p:cNvSpPr>
+          <p:nvPr>
+            <p:ph type="dt" sz="half" idx="10"/>
+          </p:nvPr>
+        </p:nvSpPr>
+        <p:spPr>
+          <a:xfrm>
+            <a:off x="1088914" y="6314440"/>
+            <a:ext cx="1596623" cy="365125"/>
+          </a:xfrm>
+        </p:spPr>
+        <p:txBody>
+          <a:bodyPr/>
+          <a:lstStyle>
+            <a:lvl1pPr algn="l">
+              <a:defRPr sz="1200">
+                <a:solidFill>
+                  <a:schemeClr val="tx2"/>
+                </a:solidFill>
+              </a:defRPr>
+            </a:lvl1pPr>
+          </a:lstStyle>
+          <a:p>
+            <a:endParaRPr lang="en-US" dirty="0"/>
+          </a:p>
+        </p:txBody>
+      </p:sp>
+      <p:sp>
+        <p:nvSpPr>
+          <p:cNvPr id="5" name="Footer Placeholder 4"/>
+          <p:cNvSpPr>
+            <a:spLocks noGrp="1"/>
+          </p:cNvSpPr>
+          <p:nvPr>
+            <p:ph type="ftr" sz="quarter" idx="11"/>
+          </p:nvPr>
+        </p:nvSpPr>
+        <p:spPr>
+          <a:xfrm>
+            <a:off x="3000592" y="6314440"/>
+            <a:ext cx="5122683" cy="365125"/>
+          </a:xfrm>
+        </p:spPr>
+        <p:txBody>
+          <a:bodyPr/>
+          <a:lstStyle>
+            <a:lvl1pPr algn="l">
+              <a:defRPr b="0">
+                <a:solidFill>
+                  <a:schemeClr val="tx2"/>
+                </a:solidFill>
+              </a:defRPr>
+            </a:lvl1pPr>
+          </a:lstStyle>
+          <a:p>
+            <a:endParaRPr lang="en-US" dirty="0"/>
+          </a:p>
+        </p:txBody>
+      </p:sp>
+      <p:sp>
+        <p:nvSpPr>
+          <p:cNvPr id="6" name="Slide Number Placeholder 5"/>
+          <p:cNvSpPr>
+            <a:spLocks noGrp="1"/>
+          </p:cNvSpPr>
+          <p:nvPr>
+            <p:ph type="sldNum" sz="quarter" idx="12"/>
+          </p:nvPr>
+        </p:nvSpPr>
+        <p:spPr>
+          <a:xfrm>
+            <a:off x="11784011" y="1416216"/>
+            <a:ext cx="407988" cy="365125"/>
+          </a:xfrm>
+        </p:spPr>
+        <p:txBody>
+          <a:bodyPr/>
+          <a:lstStyle>
+            <a:lvl1pPr algn="r">
+              <a:defRPr>
+                <a:solidFill>
+                  <a:schemeClr val="bg2"/>
+                </a:solidFill>
+              </a:defRPr>
+            </a:lvl1pPr>
+          </a:lstStyle>
+          <a:p>
+            <a:fld id="{00000000-1234-1234-1234-123412341234}" type="slidenum">
+              <a:rPr lang="en" sz="1333" smtClean="0">
+                <a:solidFill>
+                  <a:schemeClr val="dk2"/>
+                </a:solidFill>
+              </a:rPr>
+              <a:pPr/>
+              <a:t>‹#›</a:t>
+            </a:fld>
+            <a:endParaRPr lang="en" sz="1333">
+              <a:solidFill>
+                <a:schemeClr val="dk2"/>
+              </a:solidFill>
+            </a:endParaRPr>
+          </a:p>
+        </p:txBody>
+      </p:sp>
+      <p:cxnSp>
+        <p:nvCxnSpPr>
+          <p:cNvPr id="9" name="Straight Connector 8" title="Verticle Rule Line"/>
+          <p:cNvCxnSpPr/>
+          <p:nvPr/>
+        </p:nvCxnSpPr>
+        <p:spPr>
+          <a:xfrm>
+            <a:off x="773855" y="1257301"/>
+            <a:ext cx="0" cy="5600700"/>
+          </a:xfrm>
+          <a:prstGeom prst="line">
+            <a:avLst/>
+          </a:prstGeom>
+          <a:ln w="25400">
+            <a:solidFill>
+              <a:schemeClr val="tx2"/>
+            </a:solidFill>
+          </a:ln>
+        </p:spPr>
+        <p:style>
+          <a:lnRef idx="1">
+            <a:schemeClr val="accent1"/>
+          </a:lnRef>
+          <a:fillRef idx="0">
+            <a:schemeClr val="accent1"/>
+          </a:fillRef>
+          <a:effectRef idx="0">
+            <a:schemeClr val="accent1"/>
+          </a:effectRef>
+          <a:fontRef idx="minor">
+            <a:schemeClr val="tx1"/>
+          </a:fontRef>
+        </p:style>
+      </p:cxnSp>
+    </p:spTree>
+    <p:extLst>
+      <p:ext uri="{BB962C8B-B14F-4D97-AF65-F5344CB8AC3E}">
+        <p14:creationId xmlns:p14="http://schemas.microsoft.com/office/powerpoint/2010/main" val="779019261"/>
+      </p:ext>
+    </p:extLst>
+  </p:cSld>
+  <p:clrMapOvr>
+    <a:overrideClrMapping bg1="dk1" tx1="lt1" bg2="dk2" tx2="lt2" accent1="accent1" accent2="accent2" accent3="accent3" accent4="accent4" accent5="accent5" accent6="accent6" hlink="hlink" folHlink="folHlink"/>
+  </p:clrMapOvr>
+  <p:extLst mod="1">
+    <p:ext uri="{DCECCB84-F9BA-43D5-87BE-67443E8EF086}">
+      <p15:sldGuideLst xmlns:p15="http://schemas.microsoft.com/office/powerpoint/2012/main">
+        <p15:guide id="1" orient="horz" pos="792">
+          <p15:clr>
+            <a:srgbClr val="FBAE40"/>
+          </p15:clr>
+        </p15:guide>
+      </p15:sldGuideLst>
+    </p:ext>
+  </p:extLst>
 </p:sldLayout>
 </file>
 
@@ -344,7 +2005,7 @@
               <a:rPr lang="en-US"/>
               <a:t>Click to edit Master title style</a:t>
             </a:r>
-            <a:endParaRPr lang="en-US"/>
+            <a:endParaRPr lang="en-US" dirty="0"/>
           </a:p>
         </p:txBody>
       </p:sp>
@@ -358,7 +2019,12 @@
             <p:ph type="body" orient="vert" idx="1"/>
           </p:nvPr>
         </p:nvSpPr>
-        <p:spPr/>
+        <p:spPr>
+          <a:xfrm>
+            <a:off x="5181601" y="640080"/>
+            <a:ext cx="6248399" cy="5584143"/>
+          </a:xfrm>
+        </p:spPr>
         <p:txBody>
           <a:bodyPr vert="eaVert"/>
           <a:lstStyle/>
@@ -366,7 +2032,7 @@
             <a:pPr lvl="0"/>
             <a:r>
               <a:rPr lang="en-US"/>
-              <a:t>Edit Master text styles</a:t>
+              <a:t>Click to edit Master text styles</a:t>
             </a:r>
           </a:p>
           <a:p>
@@ -396,7 +2062,7 @@
               <a:rPr lang="en-US"/>
               <a:t>Fifth level</a:t>
             </a:r>
-            <a:endParaRPr lang="en-US"/>
+            <a:endParaRPr lang="en-US" dirty="0"/>
           </a:p>
         </p:txBody>
       </p:sp>
@@ -415,11 +2081,7 @@
           <a:bodyPr/>
           <a:lstStyle/>
           <a:p>
-            <a:fld id="{9A63A02E-F156-4280-9EFE-F9A71E7650D4}" type="datetimeFigureOut">
-              <a:rPr lang="en-US" smtClean="0"/>
-              <a:t>4/6/2017</a:t>
-            </a:fld>
-            <a:endParaRPr lang="en-US"/>
+            <a:endParaRPr lang="en-US" dirty="0"/>
           </a:p>
         </p:txBody>
       </p:sp>
@@ -438,7 +2100,7 @@
           <a:bodyPr/>
           <a:lstStyle/>
           <a:p>
-            <a:endParaRPr lang="en-US"/>
+            <a:endParaRPr lang="en-US" dirty="0"/>
           </a:p>
         </p:txBody>
       </p:sp>
@@ -457,18 +2119,27 @@
           <a:bodyPr/>
           <a:lstStyle/>
           <a:p>
-            <a:fld id="{D96319DF-3CAB-447E-B354-609F48F77BA5}" type="slidenum">
-              <a:rPr lang="en-US" smtClean="0"/>
+            <a:fld id="{00000000-1234-1234-1234-123412341234}" type="slidenum">
+              <a:rPr lang="en" sz="1333" smtClean="0">
+                <a:solidFill>
+                  <a:schemeClr val="dk2"/>
+                </a:solidFill>
+              </a:rPr>
+              <a:pPr/>
               <a:t>‹#›</a:t>
             </a:fld>
-            <a:endParaRPr lang="en-US"/>
+            <a:endParaRPr lang="en" sz="1333">
+              <a:solidFill>
+                <a:schemeClr val="dk2"/>
+              </a:solidFill>
+            </a:endParaRPr>
           </a:p>
         </p:txBody>
       </p:sp>
     </p:spTree>
     <p:extLst>
       <p:ext uri="{BB962C8B-B14F-4D97-AF65-F5344CB8AC3E}">
-        <p14:creationId xmlns:p14="http://schemas.microsoft.com/office/powerpoint/2010/main" val="2938851341"/>
+        <p14:creationId xmlns:p14="http://schemas.microsoft.com/office/powerpoint/2010/main" val="4140321861"/>
       </p:ext>
     </p:extLst>
   </p:cSld>
@@ -479,7 +2150,7 @@
 </file>
 
 <file path=ppt/slideLayouts/slideLayout11.xml><?xml version="1.0" encoding="utf-8"?>
-<p:sldLayout xmlns:a="http://schemas.openxmlformats.org/drawingml/2006/main" xmlns:r="http://schemas.openxmlformats.org/officeDocument/2006/relationships" xmlns:p="http://schemas.openxmlformats.org/presentationml/2006/main" type="vertTitleAndTx" preserve="1">
+<p:sldLayout xmlns:a="http://schemas.openxmlformats.org/drawingml/2006/main" xmlns:r="http://schemas.openxmlformats.org/officeDocument/2006/relationships" xmlns:p="http://schemas.openxmlformats.org/presentationml/2006/main" showMasterSp="0" type="vertTitleAndTx" preserve="1">
   <p:cSld name="Vertical Title and Text">
     <p:spTree>
       <p:nvGrpSpPr>
@@ -497,6 +2168,203 @@
       </p:grpSpPr>
       <p:sp>
         <p:nvSpPr>
+          <p:cNvPr id="12" name="Freeform 6" title="Page Number Shape"/>
+          <p:cNvSpPr/>
+          <p:nvPr/>
+        </p:nvSpPr>
+        <p:spPr bwMode="auto">
+          <a:xfrm>
+            <a:off x="11784011" y="5380581"/>
+            <a:ext cx="407988" cy="819151"/>
+          </a:xfrm>
+          <a:custGeom>
+            <a:avLst/>
+            <a:gdLst/>
+            <a:ahLst/>
+            <a:cxnLst/>
+            <a:rect l="0" t="0" r="r" b="b"/>
+            <a:pathLst>
+              <a:path w="1799" h="3612">
+                <a:moveTo>
+                  <a:pt x="1799" y="0"/>
+                </a:moveTo>
+                <a:lnTo>
+                  <a:pt x="1799" y="3612"/>
+                </a:lnTo>
+                <a:lnTo>
+                  <a:pt x="1686" y="3609"/>
+                </a:lnTo>
+                <a:lnTo>
+                  <a:pt x="1574" y="3598"/>
+                </a:lnTo>
+                <a:lnTo>
+                  <a:pt x="1464" y="3581"/>
+                </a:lnTo>
+                <a:lnTo>
+                  <a:pt x="1357" y="3557"/>
+                </a:lnTo>
+                <a:lnTo>
+                  <a:pt x="1251" y="3527"/>
+                </a:lnTo>
+                <a:lnTo>
+                  <a:pt x="1150" y="3490"/>
+                </a:lnTo>
+                <a:lnTo>
+                  <a:pt x="1050" y="3448"/>
+                </a:lnTo>
+                <a:lnTo>
+                  <a:pt x="953" y="3401"/>
+                </a:lnTo>
+                <a:lnTo>
+                  <a:pt x="860" y="3347"/>
+                </a:lnTo>
+                <a:lnTo>
+                  <a:pt x="771" y="3289"/>
+                </a:lnTo>
+                <a:lnTo>
+                  <a:pt x="686" y="3224"/>
+                </a:lnTo>
+                <a:lnTo>
+                  <a:pt x="604" y="3156"/>
+                </a:lnTo>
+                <a:lnTo>
+                  <a:pt x="527" y="3083"/>
+                </a:lnTo>
+                <a:lnTo>
+                  <a:pt x="454" y="3005"/>
+                </a:lnTo>
+                <a:lnTo>
+                  <a:pt x="386" y="2923"/>
+                </a:lnTo>
+                <a:lnTo>
+                  <a:pt x="323" y="2838"/>
+                </a:lnTo>
+                <a:lnTo>
+                  <a:pt x="265" y="2748"/>
+                </a:lnTo>
+                <a:lnTo>
+                  <a:pt x="211" y="2655"/>
+                </a:lnTo>
+                <a:lnTo>
+                  <a:pt x="163" y="2559"/>
+                </a:lnTo>
+                <a:lnTo>
+                  <a:pt x="121" y="2459"/>
+                </a:lnTo>
+                <a:lnTo>
+                  <a:pt x="85" y="2356"/>
+                </a:lnTo>
+                <a:lnTo>
+                  <a:pt x="55" y="2251"/>
+                </a:lnTo>
+                <a:lnTo>
+                  <a:pt x="32" y="2143"/>
+                </a:lnTo>
+                <a:lnTo>
+                  <a:pt x="14" y="2033"/>
+                </a:lnTo>
+                <a:lnTo>
+                  <a:pt x="4" y="1920"/>
+                </a:lnTo>
+                <a:lnTo>
+                  <a:pt x="0" y="1806"/>
+                </a:lnTo>
+                <a:lnTo>
+                  <a:pt x="4" y="1692"/>
+                </a:lnTo>
+                <a:lnTo>
+                  <a:pt x="14" y="1580"/>
+                </a:lnTo>
+                <a:lnTo>
+                  <a:pt x="32" y="1469"/>
+                </a:lnTo>
+                <a:lnTo>
+                  <a:pt x="55" y="1362"/>
+                </a:lnTo>
+                <a:lnTo>
+                  <a:pt x="85" y="1256"/>
+                </a:lnTo>
+                <a:lnTo>
+                  <a:pt x="121" y="1154"/>
+                </a:lnTo>
+                <a:lnTo>
+                  <a:pt x="163" y="1054"/>
+                </a:lnTo>
+                <a:lnTo>
+                  <a:pt x="211" y="958"/>
+                </a:lnTo>
+                <a:lnTo>
+                  <a:pt x="265" y="864"/>
+                </a:lnTo>
+                <a:lnTo>
+                  <a:pt x="323" y="774"/>
+                </a:lnTo>
+                <a:lnTo>
+                  <a:pt x="386" y="689"/>
+                </a:lnTo>
+                <a:lnTo>
+                  <a:pt x="454" y="607"/>
+                </a:lnTo>
+                <a:lnTo>
+                  <a:pt x="527" y="529"/>
+                </a:lnTo>
+                <a:lnTo>
+                  <a:pt x="604" y="456"/>
+                </a:lnTo>
+                <a:lnTo>
+                  <a:pt x="686" y="388"/>
+                </a:lnTo>
+                <a:lnTo>
+                  <a:pt x="771" y="325"/>
+                </a:lnTo>
+                <a:lnTo>
+                  <a:pt x="860" y="266"/>
+                </a:lnTo>
+                <a:lnTo>
+                  <a:pt x="953" y="212"/>
+                </a:lnTo>
+                <a:lnTo>
+                  <a:pt x="1050" y="164"/>
+                </a:lnTo>
+                <a:lnTo>
+                  <a:pt x="1150" y="122"/>
+                </a:lnTo>
+                <a:lnTo>
+                  <a:pt x="1251" y="85"/>
+                </a:lnTo>
+                <a:lnTo>
+                  <a:pt x="1357" y="55"/>
+                </a:lnTo>
+                <a:lnTo>
+                  <a:pt x="1464" y="32"/>
+                </a:lnTo>
+                <a:lnTo>
+                  <a:pt x="1574" y="14"/>
+                </a:lnTo>
+                <a:lnTo>
+                  <a:pt x="1686" y="5"/>
+                </a:lnTo>
+                <a:lnTo>
+                  <a:pt x="1799" y="0"/>
+                </a:lnTo>
+                <a:close/>
+              </a:path>
+            </a:pathLst>
+          </a:custGeom>
+          <a:solidFill>
+            <a:srgbClr val="262626"/>
+          </a:solidFill>
+          <a:ln w="0">
+            <a:noFill/>
+            <a:prstDash val="solid"/>
+            <a:round/>
+            <a:headEnd/>
+            <a:tailEnd/>
+          </a:ln>
+        </p:spPr>
+      </p:sp>
+      <p:sp>
+        <p:nvSpPr>
           <p:cNvPr id="2" name="Vertical Title 1"/>
           <p:cNvSpPr>
             <a:spLocks noGrp="1"/>
@@ -507,19 +2375,23 @@
         </p:nvSpPr>
         <p:spPr>
           <a:xfrm>
-            <a:off x="8724900" y="365125"/>
-            <a:ext cx="2628900" cy="5811838"/>
+            <a:off x="7990766" y="642931"/>
+            <a:ext cx="2446671" cy="4678107"/>
           </a:xfrm>
         </p:spPr>
         <p:txBody>
           <a:bodyPr vert="eaVert"/>
-          <a:lstStyle/>
+          <a:lstStyle>
+            <a:lvl1pPr algn="l">
+              <a:defRPr/>
+            </a:lvl1pPr>
+          </a:lstStyle>
           <a:p>
             <a:r>
               <a:rPr lang="en-US"/>
               <a:t>Click to edit Master title style</a:t>
             </a:r>
-            <a:endParaRPr lang="en-US"/>
+            <a:endParaRPr lang="en-US" dirty="0"/>
           </a:p>
         </p:txBody>
       </p:sp>
@@ -535,8 +2407,8 @@
         </p:nvSpPr>
         <p:spPr>
           <a:xfrm>
-            <a:off x="838200" y="365125"/>
-            <a:ext cx="7734300" cy="5811838"/>
+            <a:off x="838201" y="642933"/>
+            <a:ext cx="7070679" cy="4678105"/>
           </a:xfrm>
         </p:spPr>
         <p:txBody>
@@ -546,7 +2418,7 @@
             <a:pPr lvl="0"/>
             <a:r>
               <a:rPr lang="en-US"/>
-              <a:t>Edit Master text styles</a:t>
+              <a:t>Click to edit Master text styles</a:t>
             </a:r>
           </a:p>
           <a:p>
@@ -576,7 +2448,7 @@
               <a:rPr lang="en-US"/>
               <a:t>Fifth level</a:t>
             </a:r>
-            <a:endParaRPr lang="en-US"/>
+            <a:endParaRPr lang="en-US" dirty="0"/>
           </a:p>
         </p:txBody>
       </p:sp>
@@ -590,16 +2462,17 @@
             <p:ph type="dt" sz="half" idx="10"/>
           </p:nvPr>
         </p:nvSpPr>
-        <p:spPr/>
+        <p:spPr>
+          <a:xfrm>
+            <a:off x="6536187" y="5927132"/>
+            <a:ext cx="3814856" cy="365125"/>
+          </a:xfrm>
+        </p:spPr>
         <p:txBody>
           <a:bodyPr/>
           <a:lstStyle/>
           <a:p>
-            <a:fld id="{9A63A02E-F156-4280-9EFE-F9A71E7650D4}" type="datetimeFigureOut">
-              <a:rPr lang="en-US" smtClean="0"/>
-              <a:t>4/6/2017</a:t>
-            </a:fld>
-            <a:endParaRPr lang="en-US"/>
+            <a:endParaRPr lang="en-US" dirty="0"/>
           </a:p>
         </p:txBody>
       </p:sp>
@@ -613,12 +2486,17 @@
             <p:ph type="ftr" sz="quarter" idx="11"/>
           </p:nvPr>
         </p:nvSpPr>
-        <p:spPr/>
+        <p:spPr>
+          <a:xfrm>
+            <a:off x="6536187" y="6315950"/>
+            <a:ext cx="3814856" cy="365125"/>
+          </a:xfrm>
+        </p:spPr>
         <p:txBody>
           <a:bodyPr/>
           <a:lstStyle/>
           <a:p>
-            <a:endParaRPr lang="en-US"/>
+            <a:endParaRPr lang="en-US" dirty="0"/>
           </a:p>
         </p:txBody>
       </p:sp>
@@ -632,35 +2510,103 @@
             <p:ph type="sldNum" sz="quarter" idx="12"/>
           </p:nvPr>
         </p:nvSpPr>
-        <p:spPr/>
+        <p:spPr>
+          <a:xfrm>
+            <a:off x="11784011" y="5607592"/>
+            <a:ext cx="407988" cy="365125"/>
+          </a:xfrm>
+        </p:spPr>
         <p:txBody>
           <a:bodyPr/>
           <a:lstStyle/>
           <a:p>
-            <a:fld id="{D96319DF-3CAB-447E-B354-609F48F77BA5}" type="slidenum">
-              <a:rPr lang="en-US" smtClean="0"/>
+            <a:fld id="{00000000-1234-1234-1234-123412341234}" type="slidenum">
+              <a:rPr lang="en" sz="1333" smtClean="0">
+                <a:solidFill>
+                  <a:schemeClr val="dk2"/>
+                </a:solidFill>
+              </a:rPr>
+              <a:pPr/>
               <a:t>‹#›</a:t>
             </a:fld>
-            <a:endParaRPr lang="en-US"/>
-          </a:p>
-        </p:txBody>
-      </p:sp>
+            <a:endParaRPr lang="en" sz="1333">
+              <a:solidFill>
+                <a:schemeClr val="dk2"/>
+              </a:solidFill>
+            </a:endParaRPr>
+          </a:p>
+        </p:txBody>
+      </p:sp>
+      <p:cxnSp>
+        <p:nvCxnSpPr>
+          <p:cNvPr id="13" name="Straight Connector 12" title="Horizontal Rule Line"/>
+          <p:cNvCxnSpPr/>
+          <p:nvPr/>
+        </p:nvCxnSpPr>
+        <p:spPr>
+          <a:xfrm>
+            <a:off x="1" y="6199731"/>
+            <a:ext cx="10260011" cy="0"/>
+          </a:xfrm>
+          <a:prstGeom prst="line">
+            <a:avLst/>
+          </a:prstGeom>
+          <a:ln w="25400">
+            <a:solidFill>
+              <a:schemeClr val="tx1">
+                <a:lumMod val="85000"/>
+                <a:lumOff val="15000"/>
+              </a:schemeClr>
+            </a:solidFill>
+          </a:ln>
+        </p:spPr>
+        <p:style>
+          <a:lnRef idx="1">
+            <a:schemeClr val="accent1"/>
+          </a:lnRef>
+          <a:fillRef idx="0">
+            <a:schemeClr val="accent1"/>
+          </a:fillRef>
+          <a:effectRef idx="0">
+            <a:schemeClr val="accent1"/>
+          </a:effectRef>
+          <a:fontRef idx="minor">
+            <a:schemeClr val="tx1"/>
+          </a:fontRef>
+        </p:style>
+      </p:cxnSp>
     </p:spTree>
     <p:extLst>
       <p:ext uri="{BB962C8B-B14F-4D97-AF65-F5344CB8AC3E}">
-        <p14:creationId xmlns:p14="http://schemas.microsoft.com/office/powerpoint/2010/main" val="2244883384"/>
+        <p14:creationId xmlns:p14="http://schemas.microsoft.com/office/powerpoint/2010/main" val="2098791072"/>
       </p:ext>
     </p:extLst>
   </p:cSld>
   <p:clrMapOvr>
     <a:masterClrMapping/>
   </p:clrMapOvr>
+  <p:extLst mod="1">
+    <p:ext uri="{DCECCB84-F9BA-43D5-87BE-67443E8EF086}">
+      <p15:sldGuideLst xmlns:p15="http://schemas.microsoft.com/office/powerpoint/2012/main">
+        <p15:guide id="1" pos="6456">
+          <p15:clr>
+            <a:srgbClr val="FBAE40"/>
+          </p15:clr>
+        </p15:guide>
+      </p15:sldGuideLst>
+    </p:ext>
+  </p:extLst>
 </p:sldLayout>
 </file>
 
 <file path=ppt/slideLayouts/slideLayout2.xml><?xml version="1.0" encoding="utf-8"?>
 <p:sldLayout xmlns:a="http://schemas.openxmlformats.org/drawingml/2006/main" xmlns:r="http://schemas.openxmlformats.org/officeDocument/2006/relationships" xmlns:p="http://schemas.openxmlformats.org/presentationml/2006/main" type="obj" preserve="1">
   <p:cSld name="Title and Content">
+    <p:bg>
+      <p:bgRef idx="1001">
+        <a:schemeClr val="bg2"/>
+      </p:bgRef>
+    </p:bg>
     <p:spTree>
       <p:nvGrpSpPr>
         <p:cNvPr id="1" name=""/>
@@ -694,7 +2640,7 @@
               <a:rPr lang="en-US"/>
               <a:t>Click to edit Master title style</a:t>
             </a:r>
-            <a:endParaRPr lang="en-US"/>
+            <a:endParaRPr lang="en-US" dirty="0"/>
           </a:p>
         </p:txBody>
       </p:sp>
@@ -716,7 +2662,7 @@
             <a:pPr lvl="0"/>
             <a:r>
               <a:rPr lang="en-US"/>
-              <a:t>Edit Master text styles</a:t>
+              <a:t>Click to edit Master text styles</a:t>
             </a:r>
           </a:p>
           <a:p>
@@ -746,7 +2692,7 @@
               <a:rPr lang="en-US"/>
               <a:t>Fifth level</a:t>
             </a:r>
-            <a:endParaRPr lang="en-US"/>
+            <a:endParaRPr lang="en-US" dirty="0"/>
           </a:p>
         </p:txBody>
       </p:sp>
@@ -765,11 +2711,7 @@
           <a:bodyPr/>
           <a:lstStyle/>
           <a:p>
-            <a:fld id="{9A63A02E-F156-4280-9EFE-F9A71E7650D4}" type="datetimeFigureOut">
-              <a:rPr lang="en-US" smtClean="0"/>
-              <a:t>4/6/2017</a:t>
-            </a:fld>
-            <a:endParaRPr lang="en-US"/>
+            <a:endParaRPr lang="en-US" dirty="0"/>
           </a:p>
         </p:txBody>
       </p:sp>
@@ -788,7 +2730,7 @@
           <a:bodyPr/>
           <a:lstStyle/>
           <a:p>
-            <a:endParaRPr lang="en-US"/>
+            <a:endParaRPr lang="en-US" dirty="0"/>
           </a:p>
         </p:txBody>
       </p:sp>
@@ -807,30 +2749,47 @@
           <a:bodyPr/>
           <a:lstStyle/>
           <a:p>
-            <a:fld id="{D96319DF-3CAB-447E-B354-609F48F77BA5}" type="slidenum">
-              <a:rPr lang="en-US" smtClean="0"/>
+            <a:fld id="{00000000-1234-1234-1234-123412341234}" type="slidenum">
+              <a:rPr lang="en" sz="1333" smtClean="0">
+                <a:solidFill>
+                  <a:schemeClr val="dk2"/>
+                </a:solidFill>
+              </a:rPr>
+              <a:pPr/>
               <a:t>‹#›</a:t>
             </a:fld>
-            <a:endParaRPr lang="en-US"/>
+            <a:endParaRPr lang="en" sz="1333">
+              <a:solidFill>
+                <a:schemeClr val="dk2"/>
+              </a:solidFill>
+            </a:endParaRPr>
           </a:p>
         </p:txBody>
       </p:sp>
     </p:spTree>
     <p:extLst>
       <p:ext uri="{BB962C8B-B14F-4D97-AF65-F5344CB8AC3E}">
-        <p14:creationId xmlns:p14="http://schemas.microsoft.com/office/powerpoint/2010/main" val="3271108132"/>
+        <p14:creationId xmlns:p14="http://schemas.microsoft.com/office/powerpoint/2010/main" val="483825325"/>
       </p:ext>
     </p:extLst>
   </p:cSld>
   <p:clrMapOvr>
-    <a:masterClrMapping/>
+    <a:overrideClrMapping bg1="dk1" tx1="lt1" bg2="dk2" tx2="lt2" accent1="accent1" accent2="accent2" accent3="accent3" accent4="accent4" accent5="accent5" accent6="accent6" hlink="hlink" folHlink="folHlink"/>
   </p:clrMapOvr>
 </p:sldLayout>
 </file>
 
 <file path=ppt/slideLayouts/slideLayout3.xml><?xml version="1.0" encoding="utf-8"?>
-<p:sldLayout xmlns:a="http://schemas.openxmlformats.org/drawingml/2006/main" xmlns:r="http://schemas.openxmlformats.org/officeDocument/2006/relationships" xmlns:p="http://schemas.openxmlformats.org/presentationml/2006/main" type="secHead" preserve="1">
+<p:sldLayout xmlns:a="http://schemas.openxmlformats.org/drawingml/2006/main" xmlns:r="http://schemas.openxmlformats.org/officeDocument/2006/relationships" xmlns:p="http://schemas.openxmlformats.org/presentationml/2006/main" showMasterSp="0" type="secHead" preserve="1">
   <p:cSld name="Section Header">
+    <p:bg>
+      <p:bgPr>
+        <a:solidFill>
+          <a:schemeClr val="bg2"/>
+        </a:solidFill>
+        <a:effectLst/>
+      </p:bgPr>
+    </p:bg>
     <p:spTree>
       <p:nvGrpSpPr>
         <p:cNvPr id="1" name=""/>
@@ -847,6 +2806,206 @@
       </p:grpSpPr>
       <p:sp>
         <p:nvSpPr>
+          <p:cNvPr id="7" name="Freeform 6" title="Page Number Shape"/>
+          <p:cNvSpPr/>
+          <p:nvPr/>
+        </p:nvSpPr>
+        <p:spPr bwMode="auto">
+          <a:xfrm>
+            <a:off x="11784011" y="1393749"/>
+            <a:ext cx="407988" cy="819151"/>
+          </a:xfrm>
+          <a:custGeom>
+            <a:avLst/>
+            <a:gdLst/>
+            <a:ahLst/>
+            <a:cxnLst/>
+            <a:rect l="0" t="0" r="r" b="b"/>
+            <a:pathLst>
+              <a:path w="1799" h="3612">
+                <a:moveTo>
+                  <a:pt x="1799" y="0"/>
+                </a:moveTo>
+                <a:lnTo>
+                  <a:pt x="1799" y="3612"/>
+                </a:lnTo>
+                <a:lnTo>
+                  <a:pt x="1686" y="3609"/>
+                </a:lnTo>
+                <a:lnTo>
+                  <a:pt x="1574" y="3598"/>
+                </a:lnTo>
+                <a:lnTo>
+                  <a:pt x="1464" y="3581"/>
+                </a:lnTo>
+                <a:lnTo>
+                  <a:pt x="1357" y="3557"/>
+                </a:lnTo>
+                <a:lnTo>
+                  <a:pt x="1251" y="3527"/>
+                </a:lnTo>
+                <a:lnTo>
+                  <a:pt x="1150" y="3490"/>
+                </a:lnTo>
+                <a:lnTo>
+                  <a:pt x="1050" y="3448"/>
+                </a:lnTo>
+                <a:lnTo>
+                  <a:pt x="953" y="3401"/>
+                </a:lnTo>
+                <a:lnTo>
+                  <a:pt x="860" y="3347"/>
+                </a:lnTo>
+                <a:lnTo>
+                  <a:pt x="771" y="3289"/>
+                </a:lnTo>
+                <a:lnTo>
+                  <a:pt x="686" y="3224"/>
+                </a:lnTo>
+                <a:lnTo>
+                  <a:pt x="604" y="3156"/>
+                </a:lnTo>
+                <a:lnTo>
+                  <a:pt x="527" y="3083"/>
+                </a:lnTo>
+                <a:lnTo>
+                  <a:pt x="454" y="3005"/>
+                </a:lnTo>
+                <a:lnTo>
+                  <a:pt x="386" y="2923"/>
+                </a:lnTo>
+                <a:lnTo>
+                  <a:pt x="323" y="2838"/>
+                </a:lnTo>
+                <a:lnTo>
+                  <a:pt x="265" y="2748"/>
+                </a:lnTo>
+                <a:lnTo>
+                  <a:pt x="211" y="2655"/>
+                </a:lnTo>
+                <a:lnTo>
+                  <a:pt x="163" y="2559"/>
+                </a:lnTo>
+                <a:lnTo>
+                  <a:pt x="121" y="2459"/>
+                </a:lnTo>
+                <a:lnTo>
+                  <a:pt x="85" y="2356"/>
+                </a:lnTo>
+                <a:lnTo>
+                  <a:pt x="55" y="2251"/>
+                </a:lnTo>
+                <a:lnTo>
+                  <a:pt x="32" y="2143"/>
+                </a:lnTo>
+                <a:lnTo>
+                  <a:pt x="14" y="2033"/>
+                </a:lnTo>
+                <a:lnTo>
+                  <a:pt x="4" y="1920"/>
+                </a:lnTo>
+                <a:lnTo>
+                  <a:pt x="0" y="1806"/>
+                </a:lnTo>
+                <a:lnTo>
+                  <a:pt x="4" y="1692"/>
+                </a:lnTo>
+                <a:lnTo>
+                  <a:pt x="14" y="1580"/>
+                </a:lnTo>
+                <a:lnTo>
+                  <a:pt x="32" y="1469"/>
+                </a:lnTo>
+                <a:lnTo>
+                  <a:pt x="55" y="1362"/>
+                </a:lnTo>
+                <a:lnTo>
+                  <a:pt x="85" y="1256"/>
+                </a:lnTo>
+                <a:lnTo>
+                  <a:pt x="121" y="1154"/>
+                </a:lnTo>
+                <a:lnTo>
+                  <a:pt x="163" y="1054"/>
+                </a:lnTo>
+                <a:lnTo>
+                  <a:pt x="211" y="958"/>
+                </a:lnTo>
+                <a:lnTo>
+                  <a:pt x="265" y="864"/>
+                </a:lnTo>
+                <a:lnTo>
+                  <a:pt x="323" y="774"/>
+                </a:lnTo>
+                <a:lnTo>
+                  <a:pt x="386" y="689"/>
+                </a:lnTo>
+                <a:lnTo>
+                  <a:pt x="454" y="607"/>
+                </a:lnTo>
+                <a:lnTo>
+                  <a:pt x="527" y="529"/>
+                </a:lnTo>
+                <a:lnTo>
+                  <a:pt x="604" y="456"/>
+                </a:lnTo>
+                <a:lnTo>
+                  <a:pt x="686" y="388"/>
+                </a:lnTo>
+                <a:lnTo>
+                  <a:pt x="771" y="325"/>
+                </a:lnTo>
+                <a:lnTo>
+                  <a:pt x="860" y="266"/>
+                </a:lnTo>
+                <a:lnTo>
+                  <a:pt x="953" y="212"/>
+                </a:lnTo>
+                <a:lnTo>
+                  <a:pt x="1050" y="164"/>
+                </a:lnTo>
+                <a:lnTo>
+                  <a:pt x="1150" y="122"/>
+                </a:lnTo>
+                <a:lnTo>
+                  <a:pt x="1251" y="85"/>
+                </a:lnTo>
+                <a:lnTo>
+                  <a:pt x="1357" y="55"/>
+                </a:lnTo>
+                <a:lnTo>
+                  <a:pt x="1464" y="32"/>
+                </a:lnTo>
+                <a:lnTo>
+                  <a:pt x="1574" y="14"/>
+                </a:lnTo>
+                <a:lnTo>
+                  <a:pt x="1686" y="5"/>
+                </a:lnTo>
+                <a:lnTo>
+                  <a:pt x="1799" y="0"/>
+                </a:lnTo>
+                <a:close/>
+              </a:path>
+            </a:pathLst>
+          </a:custGeom>
+          <a:solidFill>
+            <a:schemeClr val="tx1">
+              <a:lumMod val="85000"/>
+              <a:lumOff val="15000"/>
+            </a:schemeClr>
+          </a:solidFill>
+          <a:ln w="0">
+            <a:noFill/>
+            <a:prstDash val="solid"/>
+            <a:round/>
+            <a:headEnd/>
+            <a:tailEnd/>
+          </a:ln>
+        </p:spPr>
+      </p:sp>
+      <p:sp>
+        <p:nvSpPr>
           <p:cNvPr id="2" name="Title 1"/>
           <p:cNvSpPr>
             <a:spLocks noGrp="1"/>
@@ -857,15 +3016,27 @@
         </p:nvSpPr>
         <p:spPr>
           <a:xfrm>
-            <a:off x="831850" y="1709738"/>
-            <a:ext cx="10515600" cy="2852737"/>
+            <a:off x="1947674" y="2571724"/>
+            <a:ext cx="8296655" cy="3286153"/>
           </a:xfrm>
         </p:spPr>
         <p:txBody>
-          <a:bodyPr anchor="b"/>
+          <a:bodyPr anchor="t">
+            <a:normAutofit/>
+          </a:bodyPr>
           <a:lstStyle>
             <a:lvl1pPr>
-              <a:defRPr sz="6000"/>
+              <a:lnSpc>
+                <a:spcPct val="85000"/>
+              </a:lnSpc>
+              <a:defRPr sz="7700" cap="all" baseline="0">
+                <a:solidFill>
+                  <a:schemeClr val="tx1">
+                    <a:lumMod val="85000"/>
+                    <a:lumOff val="15000"/>
+                  </a:schemeClr>
+                </a:solidFill>
+              </a:defRPr>
             </a:lvl1pPr>
           </a:lstStyle>
           <a:p>
@@ -873,7 +3044,7 @@
               <a:rPr lang="en-US"/>
               <a:t>Click to edit Master title style</a:t>
             </a:r>
-            <a:endParaRPr lang="en-US"/>
+            <a:endParaRPr lang="en-US" dirty="0"/>
           </a:p>
         </p:txBody>
       </p:sp>
@@ -889,24 +3060,33 @@
         </p:nvSpPr>
         <p:spPr>
           <a:xfrm>
-            <a:off x="831850" y="4589463"/>
-            <a:ext cx="10515600" cy="1500187"/>
+            <a:off x="1947673" y="1393749"/>
+            <a:ext cx="8401429" cy="819151"/>
           </a:xfrm>
         </p:spPr>
         <p:txBody>
-          <a:bodyPr/>
+          <a:bodyPr anchor="ctr">
+            <a:normAutofit/>
+          </a:bodyPr>
           <a:lstStyle>
-            <a:lvl1pPr marL="0" indent="0">
+            <a:lvl1pPr marL="0" indent="0" algn="r">
+              <a:lnSpc>
+                <a:spcPct val="113000"/>
+              </a:lnSpc>
+              <a:spcBef>
+                <a:spcPts val="0"/>
+              </a:spcBef>
               <a:buNone/>
-              <a:defRPr sz="2400">
-                <a:solidFill>
-                  <a:schemeClr val="tx1">
-                    <a:tint val="75000"/>
+              <a:defRPr sz="2000" b="0" i="1" baseline="0">
+                <a:solidFill>
+                  <a:schemeClr val="tx1">
+                    <a:lumMod val="85000"/>
+                    <a:lumOff val="15000"/>
                   </a:schemeClr>
                 </a:solidFill>
               </a:defRPr>
             </a:lvl1pPr>
-            <a:lvl2pPr marL="457200" indent="0">
+            <a:lvl2pPr marL="457189" indent="0">
               <a:buNone/>
               <a:defRPr sz="2000">
                 <a:solidFill>
@@ -916,7 +3096,7 @@
                 </a:solidFill>
               </a:defRPr>
             </a:lvl2pPr>
-            <a:lvl3pPr marL="914400" indent="0">
+            <a:lvl3pPr marL="914377" indent="0">
               <a:buNone/>
               <a:defRPr sz="1800">
                 <a:solidFill>
@@ -926,7 +3106,7 @@
                 </a:solidFill>
               </a:defRPr>
             </a:lvl3pPr>
-            <a:lvl4pPr marL="1371600" indent="0">
+            <a:lvl4pPr marL="1371566" indent="0">
               <a:buNone/>
               <a:defRPr sz="1600">
                 <a:solidFill>
@@ -936,7 +3116,7 @@
                 </a:solidFill>
               </a:defRPr>
             </a:lvl4pPr>
-            <a:lvl5pPr marL="1828800" indent="0">
+            <a:lvl5pPr marL="1828754" indent="0">
               <a:buNone/>
               <a:defRPr sz="1600">
                 <a:solidFill>
@@ -946,7 +3126,7 @@
                 </a:solidFill>
               </a:defRPr>
             </a:lvl5pPr>
-            <a:lvl6pPr marL="2286000" indent="0">
+            <a:lvl6pPr marL="2285943" indent="0">
               <a:buNone/>
               <a:defRPr sz="1600">
                 <a:solidFill>
@@ -956,7 +3136,7 @@
                 </a:solidFill>
               </a:defRPr>
             </a:lvl6pPr>
-            <a:lvl7pPr marL="2743200" indent="0">
+            <a:lvl7pPr marL="2743131" indent="0">
               <a:buNone/>
               <a:defRPr sz="1600">
                 <a:solidFill>
@@ -966,7 +3146,7 @@
                 </a:solidFill>
               </a:defRPr>
             </a:lvl7pPr>
-            <a:lvl8pPr marL="3200400" indent="0">
+            <a:lvl8pPr marL="3200320" indent="0">
               <a:buNone/>
               <a:defRPr sz="1600">
                 <a:solidFill>
@@ -976,7 +3156,7 @@
                 </a:solidFill>
               </a:defRPr>
             </a:lvl8pPr>
-            <a:lvl9pPr marL="3657600" indent="0">
+            <a:lvl9pPr marL="3657509" indent="0">
               <a:buNone/>
               <a:defRPr sz="1600">
                 <a:solidFill>
@@ -991,7 +3171,7 @@
             <a:pPr lvl="0"/>
             <a:r>
               <a:rPr lang="en-US"/>
-              <a:t>Edit Master text styles</a:t>
+              <a:t>Click to edit Master text styles</a:t>
             </a:r>
           </a:p>
         </p:txBody>
@@ -1006,16 +3186,28 @@
             <p:ph type="dt" sz="half" idx="10"/>
           </p:nvPr>
         </p:nvSpPr>
-        <p:spPr/>
+        <p:spPr>
+          <a:xfrm>
+            <a:off x="8742955" y="6314440"/>
+            <a:ext cx="1596623" cy="365125"/>
+          </a:xfrm>
+        </p:spPr>
         <p:txBody>
           <a:bodyPr/>
-          <a:lstStyle/>
-          <a:p>
-            <a:fld id="{9A63A02E-F156-4280-9EFE-F9A71E7650D4}" type="datetimeFigureOut">
-              <a:rPr lang="en-US" smtClean="0"/>
-              <a:t>4/6/2017</a:t>
-            </a:fld>
-            <a:endParaRPr lang="en-US"/>
+          <a:lstStyle>
+            <a:lvl1pPr>
+              <a:defRPr sz="1200">
+                <a:solidFill>
+                  <a:schemeClr val="tx1">
+                    <a:lumMod val="85000"/>
+                    <a:lumOff val="15000"/>
+                  </a:schemeClr>
+                </a:solidFill>
+              </a:defRPr>
+            </a:lvl1pPr>
+          </a:lstStyle>
+          <a:p>
+            <a:endParaRPr lang="en-US" dirty="0"/>
           </a:p>
         </p:txBody>
       </p:sp>
@@ -1029,12 +3221,28 @@
             <p:ph type="ftr" sz="quarter" idx="11"/>
           </p:nvPr>
         </p:nvSpPr>
-        <p:spPr/>
+        <p:spPr>
+          <a:xfrm>
+            <a:off x="1947673" y="6314440"/>
+            <a:ext cx="6480227" cy="365125"/>
+          </a:xfrm>
+        </p:spPr>
         <p:txBody>
           <a:bodyPr/>
-          <a:lstStyle/>
-          <a:p>
-            <a:endParaRPr lang="en-US"/>
+          <a:lstStyle>
+            <a:lvl1pPr>
+              <a:defRPr b="0">
+                <a:solidFill>
+                  <a:schemeClr val="tx1">
+                    <a:lumMod val="85000"/>
+                    <a:lumOff val="15000"/>
+                  </a:schemeClr>
+                </a:solidFill>
+              </a:defRPr>
+            </a:lvl1pPr>
+          </a:lstStyle>
+          <a:p>
+            <a:endParaRPr lang="en-US" dirty="0"/>
           </a:p>
         </p:txBody>
       </p:sp>
@@ -1048,29 +3256,100 @@
             <p:ph type="sldNum" sz="quarter" idx="12"/>
           </p:nvPr>
         </p:nvSpPr>
-        <p:spPr/>
+        <p:spPr>
+          <a:xfrm>
+            <a:off x="11784011" y="1620760"/>
+            <a:ext cx="407988" cy="365125"/>
+          </a:xfrm>
+        </p:spPr>
         <p:txBody>
           <a:bodyPr/>
-          <a:lstStyle/>
-          <a:p>
-            <a:fld id="{D96319DF-3CAB-447E-B354-609F48F77BA5}" type="slidenum">
-              <a:rPr lang="en-US" smtClean="0"/>
+          <a:lstStyle>
+            <a:lvl1pPr>
+              <a:defRPr>
+                <a:solidFill>
+                  <a:schemeClr val="bg2"/>
+                </a:solidFill>
+              </a:defRPr>
+            </a:lvl1pPr>
+          </a:lstStyle>
+          <a:p>
+            <a:fld id="{00000000-1234-1234-1234-123412341234}" type="slidenum">
+              <a:rPr lang="en" sz="1333" smtClean="0">
+                <a:solidFill>
+                  <a:schemeClr val="dk2"/>
+                </a:solidFill>
+              </a:rPr>
+              <a:pPr/>
               <a:t>‹#›</a:t>
             </a:fld>
-            <a:endParaRPr lang="en-US"/>
-          </a:p>
-        </p:txBody>
-      </p:sp>
+            <a:endParaRPr lang="en" sz="1333">
+              <a:solidFill>
+                <a:schemeClr val="dk2"/>
+              </a:solidFill>
+            </a:endParaRPr>
+          </a:p>
+        </p:txBody>
+      </p:sp>
+      <p:cxnSp>
+        <p:nvCxnSpPr>
+          <p:cNvPr id="10" name="Straight Connector 9" title="Horizontal Rule Line"/>
+          <p:cNvCxnSpPr/>
+          <p:nvPr/>
+        </p:nvCxnSpPr>
+        <p:spPr>
+          <a:xfrm flipH="1">
+            <a:off x="2" y="6178167"/>
+            <a:ext cx="10244327" cy="0"/>
+          </a:xfrm>
+          <a:prstGeom prst="line">
+            <a:avLst/>
+          </a:prstGeom>
+          <a:ln w="25400">
+            <a:solidFill>
+              <a:schemeClr val="tx1">
+                <a:lumMod val="85000"/>
+                <a:lumOff val="15000"/>
+              </a:schemeClr>
+            </a:solidFill>
+          </a:ln>
+        </p:spPr>
+        <p:style>
+          <a:lnRef idx="1">
+            <a:schemeClr val="accent1"/>
+          </a:lnRef>
+          <a:fillRef idx="0">
+            <a:schemeClr val="accent1"/>
+          </a:fillRef>
+          <a:effectRef idx="0">
+            <a:schemeClr val="accent1"/>
+          </a:effectRef>
+          <a:fontRef idx="minor">
+            <a:schemeClr val="tx1"/>
+          </a:fontRef>
+        </p:style>
+      </p:cxnSp>
     </p:spTree>
     <p:extLst>
       <p:ext uri="{BB962C8B-B14F-4D97-AF65-F5344CB8AC3E}">
-        <p14:creationId xmlns:p14="http://schemas.microsoft.com/office/powerpoint/2010/main" val="113281583"/>
+        <p14:creationId xmlns:p14="http://schemas.microsoft.com/office/powerpoint/2010/main" val="3455509690"/>
       </p:ext>
     </p:extLst>
   </p:cSld>
   <p:clrMapOvr>
     <a:masterClrMapping/>
   </p:clrMapOvr>
+  <p:extLst mod="1">
+    <p:ext uri="{DCECCB84-F9BA-43D5-87BE-67443E8EF086}">
+      <p15:sldGuideLst xmlns:p15="http://schemas.microsoft.com/office/powerpoint/2012/main">
+        <p15:guide id="1" pos="6456">
+          <p15:clr>
+            <a:srgbClr val="FBAE40"/>
+          </p15:clr>
+        </p15:guide>
+      </p15:sldGuideLst>
+    </p:ext>
+  </p:extLst>
 </p:sldLayout>
 </file>
 
@@ -1110,7 +3389,7 @@
               <a:rPr lang="en-US"/>
               <a:t>Click to edit Master title style</a:t>
             </a:r>
-            <a:endParaRPr lang="en-US"/>
+            <a:endParaRPr lang="en-US" dirty="0"/>
           </a:p>
         </p:txBody>
       </p:sp>
@@ -1126,8 +3405,8 @@
         </p:nvSpPr>
         <p:spPr>
           <a:xfrm>
-            <a:off x="838200" y="1825625"/>
-            <a:ext cx="5181600" cy="4351338"/>
+            <a:off x="5181600" y="540628"/>
+            <a:ext cx="6248400" cy="2488947"/>
           </a:xfrm>
         </p:spPr>
         <p:txBody>
@@ -1137,7 +3416,7 @@
             <a:pPr lvl="0"/>
             <a:r>
               <a:rPr lang="en-US"/>
-              <a:t>Edit Master text styles</a:t>
+              <a:t>Click to edit Master text styles</a:t>
             </a:r>
           </a:p>
           <a:p>
@@ -1167,7 +3446,7 @@
               <a:rPr lang="en-US"/>
               <a:t>Fifth level</a:t>
             </a:r>
-            <a:endParaRPr lang="en-US"/>
+            <a:endParaRPr lang="en-US" dirty="0"/>
           </a:p>
         </p:txBody>
       </p:sp>
@@ -1183,8 +3462,8 @@
         </p:nvSpPr>
         <p:spPr>
           <a:xfrm>
-            <a:off x="6172200" y="1825625"/>
-            <a:ext cx="5181600" cy="4351338"/>
+            <a:off x="5181600" y="3712467"/>
+            <a:ext cx="6248400" cy="2482228"/>
           </a:xfrm>
         </p:spPr>
         <p:txBody>
@@ -1194,7 +3473,7 @@
             <a:pPr lvl="0"/>
             <a:r>
               <a:rPr lang="en-US"/>
-              <a:t>Edit Master text styles</a:t>
+              <a:t>Click to edit Master text styles</a:t>
             </a:r>
           </a:p>
           <a:p>
@@ -1224,7 +3503,7 @@
               <a:rPr lang="en-US"/>
               <a:t>Fifth level</a:t>
             </a:r>
-            <a:endParaRPr lang="en-US"/>
+            <a:endParaRPr lang="en-US" dirty="0"/>
           </a:p>
         </p:txBody>
       </p:sp>
@@ -1243,11 +3522,7 @@
           <a:bodyPr/>
           <a:lstStyle/>
           <a:p>
-            <a:fld id="{9A63A02E-F156-4280-9EFE-F9A71E7650D4}" type="datetimeFigureOut">
-              <a:rPr lang="en-US" smtClean="0"/>
-              <a:t>4/6/2017</a:t>
-            </a:fld>
-            <a:endParaRPr lang="en-US"/>
+            <a:endParaRPr lang="en-US" dirty="0"/>
           </a:p>
         </p:txBody>
       </p:sp>
@@ -1266,7 +3541,7 @@
           <a:bodyPr/>
           <a:lstStyle/>
           <a:p>
-            <a:endParaRPr lang="en-US"/>
+            <a:endParaRPr lang="en-US" dirty="0"/>
           </a:p>
         </p:txBody>
       </p:sp>
@@ -1285,18 +3560,27 @@
           <a:bodyPr/>
           <a:lstStyle/>
           <a:p>
-            <a:fld id="{D96319DF-3CAB-447E-B354-609F48F77BA5}" type="slidenum">
-              <a:rPr lang="en-US" smtClean="0"/>
+            <a:fld id="{00000000-1234-1234-1234-123412341234}" type="slidenum">
+              <a:rPr lang="en" sz="1333" smtClean="0">
+                <a:solidFill>
+                  <a:schemeClr val="dk2"/>
+                </a:solidFill>
+              </a:rPr>
+              <a:pPr/>
               <a:t>‹#›</a:t>
             </a:fld>
-            <a:endParaRPr lang="en-US"/>
+            <a:endParaRPr lang="en" sz="1333">
+              <a:solidFill>
+                <a:schemeClr val="dk2"/>
+              </a:solidFill>
+            </a:endParaRPr>
           </a:p>
         </p:txBody>
       </p:sp>
     </p:spTree>
     <p:extLst>
       <p:ext uri="{BB962C8B-B14F-4D97-AF65-F5344CB8AC3E}">
-        <p14:creationId xmlns:p14="http://schemas.microsoft.com/office/powerpoint/2010/main" val="1357083929"/>
+        <p14:creationId xmlns:p14="http://schemas.microsoft.com/office/powerpoint/2010/main" val="1825750164"/>
       </p:ext>
     </p:extLst>
   </p:cSld>
@@ -1335,8 +3619,8 @@
         </p:nvSpPr>
         <p:spPr>
           <a:xfrm>
-            <a:off x="839788" y="365125"/>
-            <a:ext cx="10515600" cy="1325563"/>
+            <a:off x="762000" y="557784"/>
+            <a:ext cx="3831336" cy="4956048"/>
           </a:xfrm>
         </p:spPr>
         <p:txBody>
@@ -1347,7 +3631,7 @@
               <a:rPr lang="en-US"/>
               <a:t>Click to edit Master title style</a:t>
             </a:r>
-            <a:endParaRPr lang="en-US"/>
+            <a:endParaRPr lang="en-US" dirty="0"/>
           </a:p>
         </p:txBody>
       </p:sp>
@@ -1363,46 +3647,61 @@
         </p:nvSpPr>
         <p:spPr>
           <a:xfrm>
-            <a:off x="839788" y="1681163"/>
-            <a:ext cx="5157787" cy="823912"/>
+            <a:off x="5181600" y="558065"/>
+            <a:ext cx="6245352" cy="914400"/>
           </a:xfrm>
         </p:spPr>
         <p:txBody>
-          <a:bodyPr anchor="b"/>
+          <a:bodyPr anchor="b">
+            <a:normAutofit/>
+          </a:bodyPr>
           <a:lstStyle>
             <a:lvl1pPr marL="0" indent="0">
+              <a:lnSpc>
+                <a:spcPct val="113000"/>
+              </a:lnSpc>
+              <a:spcBef>
+                <a:spcPts val="0"/>
+              </a:spcBef>
               <a:buNone/>
-              <a:defRPr sz="2400" b="1"/>
+              <a:defRPr sz="2400" b="0" i="1" baseline="0">
+                <a:solidFill>
+                  <a:schemeClr val="tx1">
+                    <a:lumMod val="85000"/>
+                    <a:lumOff val="15000"/>
+                  </a:schemeClr>
+                </a:solidFill>
+              </a:defRPr>
             </a:lvl1pPr>
-            <a:lvl2pPr marL="457200" indent="0">
+            <a:lvl2pPr marL="457189" indent="0">
               <a:buNone/>
               <a:defRPr sz="2000" b="1"/>
             </a:lvl2pPr>
-            <a:lvl3pPr marL="914400" indent="0">
+            <a:lvl3pPr marL="914377" indent="0">
               <a:buNone/>
               <a:defRPr sz="1800" b="1"/>
             </a:lvl3pPr>
-            <a:lvl4pPr marL="1371600" indent="0">
+            <a:lvl4pPr marL="1371566" indent="0">
               <a:buNone/>
               <a:defRPr sz="1600" b="1"/>
             </a:lvl4pPr>
-            <a:lvl5pPr marL="1828800" indent="0">
+            <a:lvl5pPr marL="1828754" indent="0">
               <a:buNone/>
               <a:defRPr sz="1600" b="1"/>
             </a:lvl5pPr>
-            <a:lvl6pPr marL="2286000" indent="0">
+            <a:lvl6pPr marL="2285943" indent="0">
               <a:buNone/>
               <a:defRPr sz="1600" b="1"/>
             </a:lvl6pPr>
-            <a:lvl7pPr marL="2743200" indent="0">
+            <a:lvl7pPr marL="2743131" indent="0">
               <a:buNone/>
               <a:defRPr sz="1600" b="1"/>
             </a:lvl7pPr>
-            <a:lvl8pPr marL="3200400" indent="0">
+            <a:lvl8pPr marL="3200320" indent="0">
               <a:buNone/>
               <a:defRPr sz="1600" b="1"/>
             </a:lvl8pPr>
-            <a:lvl9pPr marL="3657600" indent="0">
+            <a:lvl9pPr marL="3657509" indent="0">
               <a:buNone/>
               <a:defRPr sz="1600" b="1"/>
             </a:lvl9pPr>
@@ -1411,7 +3710,7 @@
             <a:pPr lvl="0"/>
             <a:r>
               <a:rPr lang="en-US"/>
-              <a:t>Edit Master text styles</a:t>
+              <a:t>Click to edit Master text styles</a:t>
             </a:r>
           </a:p>
         </p:txBody>
@@ -1428,8 +3727,8 @@
         </p:nvSpPr>
         <p:spPr>
           <a:xfrm>
-            <a:off x="839788" y="2505075"/>
-            <a:ext cx="5157787" cy="3684588"/>
+            <a:off x="5181600" y="1526671"/>
+            <a:ext cx="6245352" cy="1755648"/>
           </a:xfrm>
         </p:spPr>
         <p:txBody>
@@ -1439,7 +3738,7 @@
             <a:pPr lvl="0"/>
             <a:r>
               <a:rPr lang="en-US"/>
-              <a:t>Edit Master text styles</a:t>
+              <a:t>Click to edit Master text styles</a:t>
             </a:r>
           </a:p>
           <a:p>
@@ -1469,7 +3768,7 @@
               <a:rPr lang="en-US"/>
               <a:t>Fifth level</a:t>
             </a:r>
-            <a:endParaRPr lang="en-US"/>
+            <a:endParaRPr lang="en-US" dirty="0"/>
           </a:p>
         </p:txBody>
       </p:sp>
@@ -1485,46 +3784,55 @@
         </p:nvSpPr>
         <p:spPr>
           <a:xfrm>
-            <a:off x="6172200" y="1681163"/>
-            <a:ext cx="5183188" cy="823912"/>
+            <a:off x="5181600" y="3700827"/>
+            <a:ext cx="6248400" cy="914400"/>
           </a:xfrm>
         </p:spPr>
         <p:txBody>
-          <a:bodyPr anchor="b"/>
+          <a:bodyPr anchor="b">
+            <a:normAutofit/>
+          </a:bodyPr>
           <a:lstStyle>
             <a:lvl1pPr marL="0" indent="0">
               <a:buNone/>
-              <a:defRPr sz="2400" b="1"/>
+              <a:defRPr sz="2400" b="0" i="1" baseline="0">
+                <a:solidFill>
+                  <a:schemeClr val="tx1">
+                    <a:lumMod val="85000"/>
+                    <a:lumOff val="15000"/>
+                  </a:schemeClr>
+                </a:solidFill>
+              </a:defRPr>
             </a:lvl1pPr>
-            <a:lvl2pPr marL="457200" indent="0">
+            <a:lvl2pPr marL="457189" indent="0">
               <a:buNone/>
               <a:defRPr sz="2000" b="1"/>
             </a:lvl2pPr>
-            <a:lvl3pPr marL="914400" indent="0">
+            <a:lvl3pPr marL="914377" indent="0">
               <a:buNone/>
               <a:defRPr sz="1800" b="1"/>
             </a:lvl3pPr>
-            <a:lvl4pPr marL="1371600" indent="0">
+            <a:lvl4pPr marL="1371566" indent="0">
               <a:buNone/>
               <a:defRPr sz="1600" b="1"/>
             </a:lvl4pPr>
-            <a:lvl5pPr marL="1828800" indent="0">
+            <a:lvl5pPr marL="1828754" indent="0">
               <a:buNone/>
               <a:defRPr sz="1600" b="1"/>
             </a:lvl5pPr>
-            <a:lvl6pPr marL="2286000" indent="0">
+            <a:lvl6pPr marL="2285943" indent="0">
               <a:buNone/>
               <a:defRPr sz="1600" b="1"/>
             </a:lvl6pPr>
-            <a:lvl7pPr marL="2743200" indent="0">
+            <a:lvl7pPr marL="2743131" indent="0">
               <a:buNone/>
               <a:defRPr sz="1600" b="1"/>
             </a:lvl7pPr>
-            <a:lvl8pPr marL="3200400" indent="0">
+            <a:lvl8pPr marL="3200320" indent="0">
               <a:buNone/>
               <a:defRPr sz="1600" b="1"/>
             </a:lvl8pPr>
-            <a:lvl9pPr marL="3657600" indent="0">
+            <a:lvl9pPr marL="3657509" indent="0">
               <a:buNone/>
               <a:defRPr sz="1600" b="1"/>
             </a:lvl9pPr>
@@ -1533,7 +3841,7 @@
             <a:pPr lvl="0"/>
             <a:r>
               <a:rPr lang="en-US"/>
-              <a:t>Edit Master text styles</a:t>
+              <a:t>Click to edit Master text styles</a:t>
             </a:r>
           </a:p>
         </p:txBody>
@@ -1550,8 +3858,8 @@
         </p:nvSpPr>
         <p:spPr>
           <a:xfrm>
-            <a:off x="6172200" y="2505075"/>
-            <a:ext cx="5183188" cy="3684588"/>
+            <a:off x="5181600" y="4669432"/>
+            <a:ext cx="6245352" cy="1755648"/>
           </a:xfrm>
         </p:spPr>
         <p:txBody>
@@ -1561,7 +3869,7 @@
             <a:pPr lvl="0"/>
             <a:r>
               <a:rPr lang="en-US"/>
-              <a:t>Edit Master text styles</a:t>
+              <a:t>Click to edit Master text styles</a:t>
             </a:r>
           </a:p>
           <a:p>
@@ -1591,7 +3899,7 @@
               <a:rPr lang="en-US"/>
               <a:t>Fifth level</a:t>
             </a:r>
-            <a:endParaRPr lang="en-US"/>
+            <a:endParaRPr lang="en-US" dirty="0"/>
           </a:p>
         </p:txBody>
       </p:sp>
@@ -1610,11 +3918,7 @@
           <a:bodyPr/>
           <a:lstStyle/>
           <a:p>
-            <a:fld id="{9A63A02E-F156-4280-9EFE-F9A71E7650D4}" type="datetimeFigureOut">
-              <a:rPr lang="en-US" smtClean="0"/>
-              <a:t>4/6/2017</a:t>
-            </a:fld>
-            <a:endParaRPr lang="en-US"/>
+            <a:endParaRPr lang="en-US" dirty="0"/>
           </a:p>
         </p:txBody>
       </p:sp>
@@ -1633,7 +3937,7 @@
           <a:bodyPr/>
           <a:lstStyle/>
           <a:p>
-            <a:endParaRPr lang="en-US"/>
+            <a:endParaRPr lang="en-US" dirty="0"/>
           </a:p>
         </p:txBody>
       </p:sp>
@@ -1652,18 +3956,27 @@
           <a:bodyPr/>
           <a:lstStyle/>
           <a:p>
-            <a:fld id="{D96319DF-3CAB-447E-B354-609F48F77BA5}" type="slidenum">
-              <a:rPr lang="en-US" smtClean="0"/>
+            <a:fld id="{00000000-1234-1234-1234-123412341234}" type="slidenum">
+              <a:rPr lang="en" sz="1333" smtClean="0">
+                <a:solidFill>
+                  <a:schemeClr val="dk2"/>
+                </a:solidFill>
+              </a:rPr>
+              <a:pPr/>
               <a:t>‹#›</a:t>
             </a:fld>
-            <a:endParaRPr lang="en-US"/>
+            <a:endParaRPr lang="en" sz="1333">
+              <a:solidFill>
+                <a:schemeClr val="dk2"/>
+              </a:solidFill>
+            </a:endParaRPr>
           </a:p>
         </p:txBody>
       </p:sp>
     </p:spTree>
     <p:extLst>
       <p:ext uri="{BB962C8B-B14F-4D97-AF65-F5344CB8AC3E}">
-        <p14:creationId xmlns:p14="http://schemas.microsoft.com/office/powerpoint/2010/main" val="880031768"/>
+        <p14:creationId xmlns:p14="http://schemas.microsoft.com/office/powerpoint/2010/main" val="2549309010"/>
       </p:ext>
     </p:extLst>
   </p:cSld>
@@ -1709,7 +4022,7 @@
               <a:rPr lang="en-US"/>
               <a:t>Click to edit Master title style</a:t>
             </a:r>
-            <a:endParaRPr lang="en-US"/>
+            <a:endParaRPr lang="en-US" dirty="0"/>
           </a:p>
         </p:txBody>
       </p:sp>
@@ -1728,11 +4041,7 @@
           <a:bodyPr/>
           <a:lstStyle/>
           <a:p>
-            <a:fld id="{9A63A02E-F156-4280-9EFE-F9A71E7650D4}" type="datetimeFigureOut">
-              <a:rPr lang="en-US" smtClean="0"/>
-              <a:t>4/6/2017</a:t>
-            </a:fld>
-            <a:endParaRPr lang="en-US"/>
+            <a:endParaRPr lang="en-US" dirty="0"/>
           </a:p>
         </p:txBody>
       </p:sp>
@@ -1751,7 +4060,7 @@
           <a:bodyPr/>
           <a:lstStyle/>
           <a:p>
-            <a:endParaRPr lang="en-US"/>
+            <a:endParaRPr lang="en-US" dirty="0"/>
           </a:p>
         </p:txBody>
       </p:sp>
@@ -1770,18 +4079,27 @@
           <a:bodyPr/>
           <a:lstStyle/>
           <a:p>
-            <a:fld id="{D96319DF-3CAB-447E-B354-609F48F77BA5}" type="slidenum">
-              <a:rPr lang="en-US" smtClean="0"/>
+            <a:fld id="{00000000-1234-1234-1234-123412341234}" type="slidenum">
+              <a:rPr lang="en" sz="1333" smtClean="0">
+                <a:solidFill>
+                  <a:schemeClr val="dk2"/>
+                </a:solidFill>
+              </a:rPr>
+              <a:pPr/>
               <a:t>‹#›</a:t>
             </a:fld>
-            <a:endParaRPr lang="en-US"/>
+            <a:endParaRPr lang="en" sz="1333">
+              <a:solidFill>
+                <a:schemeClr val="dk2"/>
+              </a:solidFill>
+            </a:endParaRPr>
           </a:p>
         </p:txBody>
       </p:sp>
     </p:spTree>
     <p:extLst>
       <p:ext uri="{BB962C8B-B14F-4D97-AF65-F5344CB8AC3E}">
-        <p14:creationId xmlns:p14="http://schemas.microsoft.com/office/powerpoint/2010/main" val="820859357"/>
+        <p14:creationId xmlns:p14="http://schemas.microsoft.com/office/powerpoint/2010/main" val="3093215901"/>
       </p:ext>
     </p:extLst>
   </p:cSld>
@@ -1823,11 +4141,7 @@
           <a:bodyPr/>
           <a:lstStyle/>
           <a:p>
-            <a:fld id="{9A63A02E-F156-4280-9EFE-F9A71E7650D4}" type="datetimeFigureOut">
-              <a:rPr lang="en-US" smtClean="0"/>
-              <a:t>4/6/2017</a:t>
-            </a:fld>
-            <a:endParaRPr lang="en-US"/>
+            <a:endParaRPr lang="en-US" dirty="0"/>
           </a:p>
         </p:txBody>
       </p:sp>
@@ -1846,7 +4160,7 @@
           <a:bodyPr/>
           <a:lstStyle/>
           <a:p>
-            <a:endParaRPr lang="en-US"/>
+            <a:endParaRPr lang="en-US" dirty="0"/>
           </a:p>
         </p:txBody>
       </p:sp>
@@ -1865,18 +4179,19 @@
           <a:bodyPr/>
           <a:lstStyle/>
           <a:p>
-            <a:fld id="{D96319DF-3CAB-447E-B354-609F48F77BA5}" type="slidenum">
-              <a:rPr lang="en-US" smtClean="0"/>
+            <a:fld id="{00000000-1234-1234-1234-123412341234}" type="slidenum">
+              <a:rPr lang="en" smtClean="0"/>
+              <a:pPr/>
               <a:t>‹#›</a:t>
             </a:fld>
-            <a:endParaRPr lang="en-US"/>
+            <a:endParaRPr lang="en"/>
           </a:p>
         </p:txBody>
       </p:sp>
     </p:spTree>
     <p:extLst>
       <p:ext uri="{BB962C8B-B14F-4D97-AF65-F5344CB8AC3E}">
-        <p14:creationId xmlns:p14="http://schemas.microsoft.com/office/powerpoint/2010/main" val="3161846882"/>
+        <p14:creationId xmlns:p14="http://schemas.microsoft.com/office/powerpoint/2010/main" val="2250727918"/>
       </p:ext>
     </p:extLst>
   </p:cSld>
@@ -1915,15 +4230,20 @@
         </p:nvSpPr>
         <p:spPr>
           <a:xfrm>
-            <a:off x="839788" y="457200"/>
-            <a:ext cx="3932237" cy="1600200"/>
+            <a:off x="762000" y="555479"/>
+            <a:ext cx="3838776" cy="1921023"/>
           </a:xfrm>
         </p:spPr>
         <p:txBody>
-          <a:bodyPr anchor="b"/>
+          <a:bodyPr anchor="t">
+            <a:noAutofit/>
+          </a:bodyPr>
           <a:lstStyle>
             <a:lvl1pPr>
-              <a:defRPr sz="3200"/>
+              <a:lnSpc>
+                <a:spcPct val="93000"/>
+              </a:lnSpc>
+              <a:defRPr sz="4000"/>
             </a:lvl1pPr>
           </a:lstStyle>
           <a:p>
@@ -1931,7 +4251,7 @@
               <a:rPr lang="en-US"/>
               <a:t>Click to edit Master title style</a:t>
             </a:r>
-            <a:endParaRPr lang="en-US"/>
+            <a:endParaRPr lang="en-US" dirty="0"/>
           </a:p>
         </p:txBody>
       </p:sp>
@@ -1947,46 +4267,61 @@
         </p:nvSpPr>
         <p:spPr>
           <a:xfrm>
-            <a:off x="5183188" y="987425"/>
-            <a:ext cx="6172200" cy="4873625"/>
+            <a:off x="5181600" y="564147"/>
+            <a:ext cx="6248400" cy="5622644"/>
           </a:xfrm>
         </p:spPr>
         <p:txBody>
           <a:bodyPr/>
           <a:lstStyle>
             <a:lvl1pPr>
-              <a:defRPr sz="3200"/>
+              <a:lnSpc>
+                <a:spcPct val="112000"/>
+              </a:lnSpc>
+              <a:defRPr sz="2000"/>
             </a:lvl1pPr>
             <a:lvl2pPr>
-              <a:defRPr sz="2800"/>
+              <a:lnSpc>
+                <a:spcPct val="112000"/>
+              </a:lnSpc>
+              <a:defRPr sz="1800"/>
             </a:lvl2pPr>
             <a:lvl3pPr>
-              <a:defRPr sz="2400"/>
+              <a:lnSpc>
+                <a:spcPct val="112000"/>
+              </a:lnSpc>
+              <a:defRPr sz="1600"/>
             </a:lvl3pPr>
             <a:lvl4pPr>
-              <a:defRPr sz="2000"/>
+              <a:lnSpc>
+                <a:spcPct val="112000"/>
+              </a:lnSpc>
+              <a:defRPr sz="1400"/>
             </a:lvl4pPr>
             <a:lvl5pPr>
-              <a:defRPr sz="2000"/>
+              <a:lnSpc>
+                <a:spcPct val="112000"/>
+              </a:lnSpc>
+              <a:defRPr sz="1400"/>
             </a:lvl5pPr>
             <a:lvl6pPr>
-              <a:defRPr sz="2000"/>
+              <a:defRPr sz="1400"/>
             </a:lvl6pPr>
             <a:lvl7pPr>
-              <a:defRPr sz="2000"/>
+              <a:defRPr sz="1400"/>
             </a:lvl7pPr>
             <a:lvl8pPr>
-              <a:defRPr sz="2000"/>
+              <a:defRPr sz="1400"/>
             </a:lvl8pPr>
             <a:lvl9pPr>
-              <a:defRPr sz="2000"/>
+              <a:defRPr sz="1400"/>
             </a:lvl9pPr>
           </a:lstStyle>
           <a:p>
             <a:pPr lvl="0"/>
             <a:r>
               <a:rPr lang="en-US"/>
-              <a:t>Edit Master text styles</a:t>
+              <a:t>Click to edit Master text styles</a:t>
             </a:r>
           </a:p>
           <a:p>
@@ -2016,7 +4351,7 @@
               <a:rPr lang="en-US"/>
               <a:t>Fifth level</a:t>
             </a:r>
-            <a:endParaRPr lang="en-US"/>
+            <a:endParaRPr lang="en-US" dirty="0"/>
           </a:p>
         </p:txBody>
       </p:sp>
@@ -2032,46 +4367,49 @@
         </p:nvSpPr>
         <p:spPr>
           <a:xfrm>
-            <a:off x="839788" y="2057400"/>
-            <a:ext cx="3932237" cy="3811588"/>
+            <a:off x="762000" y="2621513"/>
+            <a:ext cx="3838776" cy="3239537"/>
           </a:xfrm>
         </p:spPr>
         <p:txBody>
           <a:bodyPr/>
           <a:lstStyle>
-            <a:lvl1pPr marL="0" indent="0">
+            <a:lvl1pPr marL="0" indent="0" algn="r">
+              <a:lnSpc>
+                <a:spcPct val="125000"/>
+              </a:lnSpc>
               <a:buNone/>
               <a:defRPr sz="1600"/>
             </a:lvl1pPr>
-            <a:lvl2pPr marL="457200" indent="0">
+            <a:lvl2pPr marL="457189" indent="0">
               <a:buNone/>
               <a:defRPr sz="1400"/>
             </a:lvl2pPr>
-            <a:lvl3pPr marL="914400" indent="0">
+            <a:lvl3pPr marL="914377" indent="0">
               <a:buNone/>
               <a:defRPr sz="1200"/>
             </a:lvl3pPr>
-            <a:lvl4pPr marL="1371600" indent="0">
+            <a:lvl4pPr marL="1371566" indent="0">
               <a:buNone/>
               <a:defRPr sz="1000"/>
             </a:lvl4pPr>
-            <a:lvl5pPr marL="1828800" indent="0">
+            <a:lvl5pPr marL="1828754" indent="0">
               <a:buNone/>
               <a:defRPr sz="1000"/>
             </a:lvl5pPr>
-            <a:lvl6pPr marL="2286000" indent="0">
+            <a:lvl6pPr marL="2285943" indent="0">
               <a:buNone/>
               <a:defRPr sz="1000"/>
             </a:lvl6pPr>
-            <a:lvl7pPr marL="2743200" indent="0">
+            <a:lvl7pPr marL="2743131" indent="0">
               <a:buNone/>
               <a:defRPr sz="1000"/>
             </a:lvl7pPr>
-            <a:lvl8pPr marL="3200400" indent="0">
+            <a:lvl8pPr marL="3200320" indent="0">
               <a:buNone/>
               <a:defRPr sz="1000"/>
             </a:lvl8pPr>
-            <a:lvl9pPr marL="3657600" indent="0">
+            <a:lvl9pPr marL="3657509" indent="0">
               <a:buNone/>
               <a:defRPr sz="1000"/>
             </a:lvl9pPr>
@@ -2080,7 +4418,7 @@
             <a:pPr lvl="0"/>
             <a:r>
               <a:rPr lang="en-US"/>
-              <a:t>Edit Master text styles</a:t>
+              <a:t>Click to edit Master text styles</a:t>
             </a:r>
           </a:p>
         </p:txBody>
@@ -2100,11 +4438,7 @@
           <a:bodyPr/>
           <a:lstStyle/>
           <a:p>
-            <a:fld id="{9A63A02E-F156-4280-9EFE-F9A71E7650D4}" type="datetimeFigureOut">
-              <a:rPr lang="en-US" smtClean="0"/>
-              <a:t>4/6/2017</a:t>
-            </a:fld>
-            <a:endParaRPr lang="en-US"/>
+            <a:endParaRPr lang="en-US" dirty="0"/>
           </a:p>
         </p:txBody>
       </p:sp>
@@ -2123,7 +4457,7 @@
           <a:bodyPr/>
           <a:lstStyle/>
           <a:p>
-            <a:endParaRPr lang="en-US"/>
+            <a:endParaRPr lang="en-US" dirty="0"/>
           </a:p>
         </p:txBody>
       </p:sp>
@@ -2142,18 +4476,27 @@
           <a:bodyPr/>
           <a:lstStyle/>
           <a:p>
-            <a:fld id="{D96319DF-3CAB-447E-B354-609F48F77BA5}" type="slidenum">
-              <a:rPr lang="en-US" smtClean="0"/>
+            <a:fld id="{00000000-1234-1234-1234-123412341234}" type="slidenum">
+              <a:rPr lang="en" sz="1333" smtClean="0">
+                <a:solidFill>
+                  <a:schemeClr val="dk2"/>
+                </a:solidFill>
+              </a:rPr>
+              <a:pPr/>
               <a:t>‹#›</a:t>
             </a:fld>
-            <a:endParaRPr lang="en-US"/>
+            <a:endParaRPr lang="en" sz="1333">
+              <a:solidFill>
+                <a:schemeClr val="dk2"/>
+              </a:solidFill>
+            </a:endParaRPr>
           </a:p>
         </p:txBody>
       </p:sp>
     </p:spTree>
     <p:extLst>
       <p:ext uri="{BB962C8B-B14F-4D97-AF65-F5344CB8AC3E}">
-        <p14:creationId xmlns:p14="http://schemas.microsoft.com/office/powerpoint/2010/main" val="2140636517"/>
+        <p14:creationId xmlns:p14="http://schemas.microsoft.com/office/powerpoint/2010/main" val="4286826510"/>
       </p:ext>
     </p:extLst>
   </p:cSld>
@@ -2192,15 +4535,20 @@
         </p:nvSpPr>
         <p:spPr>
           <a:xfrm>
-            <a:off x="839788" y="457200"/>
-            <a:ext cx="3932237" cy="1600200"/>
+            <a:off x="758952" y="557262"/>
+            <a:ext cx="3840480" cy="1919239"/>
           </a:xfrm>
         </p:spPr>
         <p:txBody>
-          <a:bodyPr anchor="b"/>
+          <a:bodyPr anchor="t">
+            <a:noAutofit/>
+          </a:bodyPr>
           <a:lstStyle>
             <a:lvl1pPr>
-              <a:defRPr sz="3200"/>
+              <a:lnSpc>
+                <a:spcPct val="93000"/>
+              </a:lnSpc>
+              <a:defRPr sz="4000" baseline="0"/>
             </a:lvl1pPr>
           </a:lstStyle>
           <a:p>
@@ -2208,7 +4556,7 @@
               <a:rPr lang="en-US"/>
               <a:t>Click to edit Master title style</a:t>
             </a:r>
-            <a:endParaRPr lang="en-US"/>
+            <a:endParaRPr lang="en-US" dirty="0"/>
           </a:p>
         </p:txBody>
       </p:sp>
@@ -2216,7 +4564,7 @@
         <p:nvSpPr>
           <p:cNvPr id="3" name="Picture Placeholder 2"/>
           <p:cNvSpPr>
-            <a:spLocks noGrp="1"/>
+            <a:spLocks noGrp="1" noChangeAspect="1"/>
           </p:cNvSpPr>
           <p:nvPr>
             <p:ph type="pic" idx="1"/>
@@ -2224,52 +4572,56 @@
         </p:nvSpPr>
         <p:spPr>
           <a:xfrm>
-            <a:off x="5183188" y="987425"/>
-            <a:ext cx="6172200" cy="4873625"/>
+            <a:off x="5257800" y="2"/>
+            <a:ext cx="6172200" cy="6857999"/>
           </a:xfrm>
         </p:spPr>
         <p:txBody>
-          <a:bodyPr/>
+          <a:bodyPr anchor="t"/>
           <a:lstStyle>
             <a:lvl1pPr marL="0" indent="0">
               <a:buNone/>
               <a:defRPr sz="3200"/>
             </a:lvl1pPr>
-            <a:lvl2pPr marL="457200" indent="0">
+            <a:lvl2pPr marL="457189" indent="0">
               <a:buNone/>
               <a:defRPr sz="2800"/>
             </a:lvl2pPr>
-            <a:lvl3pPr marL="914400" indent="0">
+            <a:lvl3pPr marL="914377" indent="0">
               <a:buNone/>
               <a:defRPr sz="2400"/>
             </a:lvl3pPr>
-            <a:lvl4pPr marL="1371600" indent="0">
+            <a:lvl4pPr marL="1371566" indent="0">
               <a:buNone/>
               <a:defRPr sz="2000"/>
             </a:lvl4pPr>
-            <a:lvl5pPr marL="1828800" indent="0">
+            <a:lvl5pPr marL="1828754" indent="0">
               <a:buNone/>
               <a:defRPr sz="2000"/>
             </a:lvl5pPr>
-            <a:lvl6pPr marL="2286000" indent="0">
+            <a:lvl6pPr marL="2285943" indent="0">
               <a:buNone/>
               <a:defRPr sz="2000"/>
             </a:lvl6pPr>
-            <a:lvl7pPr marL="2743200" indent="0">
+            <a:lvl7pPr marL="2743131" indent="0">
               <a:buNone/>
               <a:defRPr sz="2000"/>
             </a:lvl7pPr>
-            <a:lvl8pPr marL="3200400" indent="0">
+            <a:lvl8pPr marL="3200320" indent="0">
               <a:buNone/>
               <a:defRPr sz="2000"/>
             </a:lvl8pPr>
-            <a:lvl9pPr marL="3657600" indent="0">
+            <a:lvl9pPr marL="3657509" indent="0">
               <a:buNone/>
               <a:defRPr sz="2000"/>
             </a:lvl9pPr>
           </a:lstStyle>
           <a:p>
-            <a:endParaRPr lang="en-US"/>
+            <a:r>
+              <a:rPr lang="en-US"/>
+              <a:t>Drag picture to placeholder or click icon to add</a:t>
+            </a:r>
+            <a:endParaRPr lang="en-US" dirty="0"/>
           </a:p>
         </p:txBody>
       </p:sp>
@@ -2285,46 +4637,49 @@
         </p:nvSpPr>
         <p:spPr>
           <a:xfrm>
-            <a:off x="839788" y="2057400"/>
-            <a:ext cx="3932237" cy="3811588"/>
+            <a:off x="758952" y="2621512"/>
+            <a:ext cx="3840480" cy="3236976"/>
           </a:xfrm>
         </p:spPr>
         <p:txBody>
           <a:bodyPr/>
           <a:lstStyle>
-            <a:lvl1pPr marL="0" indent="0">
+            <a:lvl1pPr marL="0" indent="0" algn="r">
+              <a:lnSpc>
+                <a:spcPct val="125000"/>
+              </a:lnSpc>
               <a:buNone/>
               <a:defRPr sz="1600"/>
             </a:lvl1pPr>
-            <a:lvl2pPr marL="457200" indent="0">
+            <a:lvl2pPr marL="457189" indent="0">
               <a:buNone/>
               <a:defRPr sz="1400"/>
             </a:lvl2pPr>
-            <a:lvl3pPr marL="914400" indent="0">
+            <a:lvl3pPr marL="914377" indent="0">
               <a:buNone/>
               <a:defRPr sz="1200"/>
             </a:lvl3pPr>
-            <a:lvl4pPr marL="1371600" indent="0">
+            <a:lvl4pPr marL="1371566" indent="0">
               <a:buNone/>
               <a:defRPr sz="1000"/>
             </a:lvl4pPr>
-            <a:lvl5pPr marL="1828800" indent="0">
+            <a:lvl5pPr marL="1828754" indent="0">
               <a:buNone/>
               <a:defRPr sz="1000"/>
             </a:lvl5pPr>
-            <a:lvl6pPr marL="2286000" indent="0">
+            <a:lvl6pPr marL="2285943" indent="0">
               <a:buNone/>
               <a:defRPr sz="1000"/>
             </a:lvl6pPr>
-            <a:lvl7pPr marL="2743200" indent="0">
+            <a:lvl7pPr marL="2743131" indent="0">
               <a:buNone/>
               <a:defRPr sz="1000"/>
             </a:lvl7pPr>
-            <a:lvl8pPr marL="3200400" indent="0">
+            <a:lvl8pPr marL="3200320" indent="0">
               <a:buNone/>
               <a:defRPr sz="1000"/>
             </a:lvl8pPr>
-            <a:lvl9pPr marL="3657600" indent="0">
+            <a:lvl9pPr marL="3657509" indent="0">
               <a:buNone/>
               <a:defRPr sz="1000"/>
             </a:lvl9pPr>
@@ -2333,7 +4688,7 @@
             <a:pPr lvl="0"/>
             <a:r>
               <a:rPr lang="en-US"/>
-              <a:t>Edit Master text styles</a:t>
+              <a:t>Click to edit Master text styles</a:t>
             </a:r>
           </a:p>
         </p:txBody>
@@ -2353,11 +4708,7 @@
           <a:bodyPr/>
           <a:lstStyle/>
           <a:p>
-            <a:fld id="{9A63A02E-F156-4280-9EFE-F9A71E7650D4}" type="datetimeFigureOut">
-              <a:rPr lang="en-US" smtClean="0"/>
-              <a:t>4/6/2017</a:t>
-            </a:fld>
-            <a:endParaRPr lang="en-US"/>
+            <a:endParaRPr lang="en-US" dirty="0"/>
           </a:p>
         </p:txBody>
       </p:sp>
@@ -2376,7 +4727,7 @@
           <a:bodyPr/>
           <a:lstStyle/>
           <a:p>
-            <a:endParaRPr lang="en-US"/>
+            <a:endParaRPr lang="en-US" dirty="0"/>
           </a:p>
         </p:txBody>
       </p:sp>
@@ -2395,18 +4746,27 @@
           <a:bodyPr/>
           <a:lstStyle/>
           <a:p>
-            <a:fld id="{D96319DF-3CAB-447E-B354-609F48F77BA5}" type="slidenum">
-              <a:rPr lang="en-US" smtClean="0"/>
+            <a:fld id="{00000000-1234-1234-1234-123412341234}" type="slidenum">
+              <a:rPr lang="en" sz="1333" smtClean="0">
+                <a:solidFill>
+                  <a:schemeClr val="dk2"/>
+                </a:solidFill>
+              </a:rPr>
+              <a:pPr/>
               <a:t>‹#›</a:t>
             </a:fld>
-            <a:endParaRPr lang="en-US"/>
+            <a:endParaRPr lang="en" sz="1333">
+              <a:solidFill>
+                <a:schemeClr val="dk2"/>
+              </a:solidFill>
+            </a:endParaRPr>
           </a:p>
         </p:txBody>
       </p:sp>
     </p:spTree>
     <p:extLst>
       <p:ext uri="{BB962C8B-B14F-4D97-AF65-F5344CB8AC3E}">
-        <p14:creationId xmlns:p14="http://schemas.microsoft.com/office/powerpoint/2010/main" val="399906546"/>
+        <p14:creationId xmlns:p14="http://schemas.microsoft.com/office/powerpoint/2010/main" val="2744211563"/>
       </p:ext>
     </p:extLst>
   </p:cSld>
@@ -2420,9 +4780,12 @@
 <p:sldMaster xmlns:a="http://schemas.openxmlformats.org/drawingml/2006/main" xmlns:r="http://schemas.openxmlformats.org/officeDocument/2006/relationships" xmlns:p="http://schemas.openxmlformats.org/presentationml/2006/main">
   <p:cSld>
     <p:bg>
-      <p:bgRef idx="1001">
-        <a:schemeClr val="bg1"/>
-      </p:bgRef>
+      <p:bgPr>
+        <a:solidFill>
+          <a:schemeClr val="bg2"/>
+        </a:solidFill>
+        <a:effectLst/>
+      </p:bgPr>
     </p:bg>
     <p:spTree>
       <p:nvGrpSpPr>
@@ -2440,6 +4803,206 @@
       </p:grpSpPr>
       <p:sp>
         <p:nvSpPr>
+          <p:cNvPr id="20" name="Freeform 6" title="Page Number Shape"/>
+          <p:cNvSpPr/>
+          <p:nvPr/>
+        </p:nvSpPr>
+        <p:spPr bwMode="auto">
+          <a:xfrm>
+            <a:off x="11784011" y="5380581"/>
+            <a:ext cx="407988" cy="819151"/>
+          </a:xfrm>
+          <a:custGeom>
+            <a:avLst/>
+            <a:gdLst/>
+            <a:ahLst/>
+            <a:cxnLst/>
+            <a:rect l="0" t="0" r="r" b="b"/>
+            <a:pathLst>
+              <a:path w="1799" h="3612">
+                <a:moveTo>
+                  <a:pt x="1799" y="0"/>
+                </a:moveTo>
+                <a:lnTo>
+                  <a:pt x="1799" y="3612"/>
+                </a:lnTo>
+                <a:lnTo>
+                  <a:pt x="1686" y="3609"/>
+                </a:lnTo>
+                <a:lnTo>
+                  <a:pt x="1574" y="3598"/>
+                </a:lnTo>
+                <a:lnTo>
+                  <a:pt x="1464" y="3581"/>
+                </a:lnTo>
+                <a:lnTo>
+                  <a:pt x="1357" y="3557"/>
+                </a:lnTo>
+                <a:lnTo>
+                  <a:pt x="1251" y="3527"/>
+                </a:lnTo>
+                <a:lnTo>
+                  <a:pt x="1150" y="3490"/>
+                </a:lnTo>
+                <a:lnTo>
+                  <a:pt x="1050" y="3448"/>
+                </a:lnTo>
+                <a:lnTo>
+                  <a:pt x="953" y="3401"/>
+                </a:lnTo>
+                <a:lnTo>
+                  <a:pt x="860" y="3347"/>
+                </a:lnTo>
+                <a:lnTo>
+                  <a:pt x="771" y="3289"/>
+                </a:lnTo>
+                <a:lnTo>
+                  <a:pt x="686" y="3224"/>
+                </a:lnTo>
+                <a:lnTo>
+                  <a:pt x="604" y="3156"/>
+                </a:lnTo>
+                <a:lnTo>
+                  <a:pt x="527" y="3083"/>
+                </a:lnTo>
+                <a:lnTo>
+                  <a:pt x="454" y="3005"/>
+                </a:lnTo>
+                <a:lnTo>
+                  <a:pt x="386" y="2923"/>
+                </a:lnTo>
+                <a:lnTo>
+                  <a:pt x="323" y="2838"/>
+                </a:lnTo>
+                <a:lnTo>
+                  <a:pt x="265" y="2748"/>
+                </a:lnTo>
+                <a:lnTo>
+                  <a:pt x="211" y="2655"/>
+                </a:lnTo>
+                <a:lnTo>
+                  <a:pt x="163" y="2559"/>
+                </a:lnTo>
+                <a:lnTo>
+                  <a:pt x="121" y="2459"/>
+                </a:lnTo>
+                <a:lnTo>
+                  <a:pt x="85" y="2356"/>
+                </a:lnTo>
+                <a:lnTo>
+                  <a:pt x="55" y="2251"/>
+                </a:lnTo>
+                <a:lnTo>
+                  <a:pt x="32" y="2143"/>
+                </a:lnTo>
+                <a:lnTo>
+                  <a:pt x="14" y="2033"/>
+                </a:lnTo>
+                <a:lnTo>
+                  <a:pt x="4" y="1920"/>
+                </a:lnTo>
+                <a:lnTo>
+                  <a:pt x="0" y="1806"/>
+                </a:lnTo>
+                <a:lnTo>
+                  <a:pt x="4" y="1692"/>
+                </a:lnTo>
+                <a:lnTo>
+                  <a:pt x="14" y="1580"/>
+                </a:lnTo>
+                <a:lnTo>
+                  <a:pt x="32" y="1469"/>
+                </a:lnTo>
+                <a:lnTo>
+                  <a:pt x="55" y="1362"/>
+                </a:lnTo>
+                <a:lnTo>
+                  <a:pt x="85" y="1256"/>
+                </a:lnTo>
+                <a:lnTo>
+                  <a:pt x="121" y="1154"/>
+                </a:lnTo>
+                <a:lnTo>
+                  <a:pt x="163" y="1054"/>
+                </a:lnTo>
+                <a:lnTo>
+                  <a:pt x="211" y="958"/>
+                </a:lnTo>
+                <a:lnTo>
+                  <a:pt x="265" y="864"/>
+                </a:lnTo>
+                <a:lnTo>
+                  <a:pt x="323" y="774"/>
+                </a:lnTo>
+                <a:lnTo>
+                  <a:pt x="386" y="689"/>
+                </a:lnTo>
+                <a:lnTo>
+                  <a:pt x="454" y="607"/>
+                </a:lnTo>
+                <a:lnTo>
+                  <a:pt x="527" y="529"/>
+                </a:lnTo>
+                <a:lnTo>
+                  <a:pt x="604" y="456"/>
+                </a:lnTo>
+                <a:lnTo>
+                  <a:pt x="686" y="388"/>
+                </a:lnTo>
+                <a:lnTo>
+                  <a:pt x="771" y="325"/>
+                </a:lnTo>
+                <a:lnTo>
+                  <a:pt x="860" y="266"/>
+                </a:lnTo>
+                <a:lnTo>
+                  <a:pt x="953" y="212"/>
+                </a:lnTo>
+                <a:lnTo>
+                  <a:pt x="1050" y="164"/>
+                </a:lnTo>
+                <a:lnTo>
+                  <a:pt x="1150" y="122"/>
+                </a:lnTo>
+                <a:lnTo>
+                  <a:pt x="1251" y="85"/>
+                </a:lnTo>
+                <a:lnTo>
+                  <a:pt x="1357" y="55"/>
+                </a:lnTo>
+                <a:lnTo>
+                  <a:pt x="1464" y="32"/>
+                </a:lnTo>
+                <a:lnTo>
+                  <a:pt x="1574" y="14"/>
+                </a:lnTo>
+                <a:lnTo>
+                  <a:pt x="1686" y="5"/>
+                </a:lnTo>
+                <a:lnTo>
+                  <a:pt x="1799" y="0"/>
+                </a:lnTo>
+                <a:close/>
+              </a:path>
+            </a:pathLst>
+          </a:custGeom>
+          <a:solidFill>
+            <a:schemeClr val="tx1">
+              <a:lumMod val="85000"/>
+              <a:lumOff val="15000"/>
+            </a:schemeClr>
+          </a:solidFill>
+          <a:ln w="0">
+            <a:noFill/>
+            <a:prstDash val="solid"/>
+            <a:round/>
+            <a:headEnd/>
+            <a:tailEnd/>
+          </a:ln>
+        </p:spPr>
+      </p:sp>
+      <p:sp>
+        <p:nvSpPr>
           <p:cNvPr id="2" name="Title Placeholder 1"/>
           <p:cNvSpPr>
             <a:spLocks noGrp="1"/>
@@ -2450,15 +5013,15 @@
         </p:nvSpPr>
         <p:spPr>
           <a:xfrm>
-            <a:off x="838200" y="365125"/>
-            <a:ext cx="10515600" cy="1325563"/>
+            <a:off x="762000" y="559679"/>
+            <a:ext cx="3833907" cy="4952492"/>
           </a:xfrm>
           <a:prstGeom prst="rect">
             <a:avLst/>
           </a:prstGeom>
         </p:spPr>
         <p:txBody>
-          <a:bodyPr vert="horz" lIns="91440" tIns="45720" rIns="91440" bIns="45720" rtlCol="0" anchor="ctr">
+          <a:bodyPr vert="horz" lIns="91440" tIns="45720" rIns="91440" bIns="45720" rtlCol="0" anchor="t">
             <a:normAutofit/>
           </a:bodyPr>
           <a:lstStyle/>
@@ -2467,7 +5030,7 @@
               <a:rPr lang="en-US"/>
               <a:t>Click to edit Master title style</a:t>
             </a:r>
-            <a:endParaRPr lang="en-US"/>
+            <a:endParaRPr lang="en-US" dirty="0"/>
           </a:p>
         </p:txBody>
       </p:sp>
@@ -2483,8 +5046,8 @@
         </p:nvSpPr>
         <p:spPr>
           <a:xfrm>
-            <a:off x="838200" y="1825625"/>
-            <a:ext cx="10515600" cy="4351338"/>
+            <a:off x="5181601" y="569067"/>
+            <a:ext cx="6248399" cy="5655156"/>
           </a:xfrm>
           <a:prstGeom prst="rect">
             <a:avLst/>
@@ -2499,7 +5062,7 @@
             <a:pPr lvl="0"/>
             <a:r>
               <a:rPr lang="en-US"/>
-              <a:t>Edit Master text styles</a:t>
+              <a:t>Click to edit Master text styles</a:t>
             </a:r>
           </a:p>
           <a:p>
@@ -2529,7 +5092,7 @@
               <a:rPr lang="en-US"/>
               <a:t>Fifth level</a:t>
             </a:r>
-            <a:endParaRPr lang="en-US"/>
+            <a:endParaRPr lang="en-US" dirty="0"/>
           </a:p>
         </p:txBody>
       </p:sp>
@@ -2545,32 +5108,30 @@
         </p:nvSpPr>
         <p:spPr>
           <a:xfrm>
-            <a:off x="838200" y="6356350"/>
-            <a:ext cx="2743200" cy="365125"/>
+            <a:off x="762001" y="5930060"/>
+            <a:ext cx="3814856" cy="365125"/>
           </a:xfrm>
           <a:prstGeom prst="rect">
             <a:avLst/>
           </a:prstGeom>
         </p:spPr>
         <p:txBody>
-          <a:bodyPr vert="horz" lIns="91440" tIns="45720" rIns="91440" bIns="45720" rtlCol="0" anchor="ctr"/>
+          <a:bodyPr vert="horz" lIns="91440" tIns="45720" rIns="91440" bIns="45720" rtlCol="0" anchor="t"/>
           <a:lstStyle>
-            <a:lvl1pPr algn="l">
-              <a:defRPr sz="1200">
-                <a:solidFill>
-                  <a:schemeClr val="tx1">
-                    <a:tint val="75000"/>
-                  </a:schemeClr>
-                </a:solidFill>
+            <a:lvl1pPr algn="r">
+              <a:defRPr sz="1000" b="0" i="1" baseline="0">
+                <a:solidFill>
+                  <a:schemeClr val="tx1">
+                    <a:lumMod val="85000"/>
+                    <a:lumOff val="15000"/>
+                  </a:schemeClr>
+                </a:solidFill>
+                <a:latin typeface="+mj-lt"/>
               </a:defRPr>
             </a:lvl1pPr>
           </a:lstStyle>
           <a:p>
-            <a:fld id="{9A63A02E-F156-4280-9EFE-F9A71E7650D4}" type="datetimeFigureOut">
-              <a:rPr lang="en-US" smtClean="0"/>
-              <a:t>4/6/2017</a:t>
-            </a:fld>
-            <a:endParaRPr lang="en-US"/>
+            <a:endParaRPr lang="en-US" dirty="0"/>
           </a:p>
         </p:txBody>
       </p:sp>
@@ -2586,28 +5147,30 @@
         </p:nvSpPr>
         <p:spPr>
           <a:xfrm>
-            <a:off x="4038600" y="6356350"/>
-            <a:ext cx="4114800" cy="365125"/>
+            <a:off x="762001" y="6314440"/>
+            <a:ext cx="3814856" cy="365125"/>
           </a:xfrm>
           <a:prstGeom prst="rect">
             <a:avLst/>
           </a:prstGeom>
         </p:spPr>
         <p:txBody>
-          <a:bodyPr vert="horz" lIns="91440" tIns="45720" rIns="91440" bIns="45720" rtlCol="0" anchor="ctr"/>
+          <a:bodyPr vert="horz" lIns="91440" tIns="45720" rIns="91440" bIns="45720" rtlCol="0" anchor="t"/>
           <a:lstStyle>
-            <a:lvl1pPr algn="ctr">
-              <a:defRPr sz="1200">
-                <a:solidFill>
-                  <a:schemeClr val="tx1">
-                    <a:tint val="75000"/>
-                  </a:schemeClr>
-                </a:solidFill>
+            <a:lvl1pPr algn="r">
+              <a:defRPr sz="1200" b="1" i="1" baseline="0">
+                <a:solidFill>
+                  <a:schemeClr val="tx1">
+                    <a:lumMod val="85000"/>
+                    <a:lumOff val="15000"/>
+                  </a:schemeClr>
+                </a:solidFill>
+                <a:latin typeface="+mj-lt"/>
               </a:defRPr>
             </a:lvl1pPr>
           </a:lstStyle>
           <a:p>
-            <a:endParaRPr lang="en-US"/>
+            <a:endParaRPr lang="en-US" dirty="0"/>
           </a:p>
         </p:txBody>
       </p:sp>
@@ -2623,8 +5186,8 @@
         </p:nvSpPr>
         <p:spPr>
           <a:xfrm>
-            <a:off x="8610600" y="6356350"/>
-            <a:ext cx="2743200" cy="365125"/>
+            <a:off x="11784011" y="5607592"/>
+            <a:ext cx="407988" cy="365125"/>
           </a:xfrm>
           <a:prstGeom prst="rect">
             <a:avLst/>
@@ -2634,48 +5197,95 @@
           <a:bodyPr vert="horz" lIns="91440" tIns="45720" rIns="91440" bIns="45720" rtlCol="0" anchor="ctr"/>
           <a:lstStyle>
             <a:lvl1pPr algn="r">
-              <a:defRPr sz="1200">
-                <a:solidFill>
-                  <a:schemeClr val="tx1">
-                    <a:tint val="75000"/>
-                  </a:schemeClr>
-                </a:solidFill>
+              <a:defRPr sz="1200" b="0" i="1" baseline="0">
+                <a:solidFill>
+                  <a:schemeClr val="bg2"/>
+                </a:solidFill>
+                <a:latin typeface="+mj-lt"/>
               </a:defRPr>
             </a:lvl1pPr>
           </a:lstStyle>
           <a:p>
-            <a:fld id="{D96319DF-3CAB-447E-B354-609F48F77BA5}" type="slidenum">
-              <a:rPr lang="en-US" smtClean="0"/>
+            <a:fld id="{00000000-1234-1234-1234-123412341234}" type="slidenum">
+              <a:rPr lang="en" sz="1333" smtClean="0">
+                <a:solidFill>
+                  <a:schemeClr val="dk2"/>
+                </a:solidFill>
+              </a:rPr>
+              <a:pPr/>
               <a:t>‹#›</a:t>
             </a:fld>
-            <a:endParaRPr lang="en-US"/>
-          </a:p>
-        </p:txBody>
-      </p:sp>
+            <a:endParaRPr lang="en" sz="1333">
+              <a:solidFill>
+                <a:schemeClr val="dk2"/>
+              </a:solidFill>
+            </a:endParaRPr>
+          </a:p>
+        </p:txBody>
+      </p:sp>
+      <p:cxnSp>
+        <p:nvCxnSpPr>
+          <p:cNvPr id="10" name="Straight Connector 9" title="Horizontal Rule Line"/>
+          <p:cNvCxnSpPr/>
+          <p:nvPr/>
+        </p:nvCxnSpPr>
+        <p:spPr>
+          <a:xfrm>
+            <a:off x="0" y="6199731"/>
+            <a:ext cx="4495800" cy="0"/>
+          </a:xfrm>
+          <a:prstGeom prst="line">
+            <a:avLst/>
+          </a:prstGeom>
+          <a:ln w="25400">
+            <a:solidFill>
+              <a:schemeClr val="tx1">
+                <a:lumMod val="85000"/>
+                <a:lumOff val="15000"/>
+              </a:schemeClr>
+            </a:solidFill>
+          </a:ln>
+        </p:spPr>
+        <p:style>
+          <a:lnRef idx="1">
+            <a:schemeClr val="accent1"/>
+          </a:lnRef>
+          <a:fillRef idx="0">
+            <a:schemeClr val="accent1"/>
+          </a:fillRef>
+          <a:effectRef idx="0">
+            <a:schemeClr val="accent1"/>
+          </a:effectRef>
+          <a:fontRef idx="minor">
+            <a:schemeClr val="tx1"/>
+          </a:fontRef>
+        </p:style>
+      </p:cxnSp>
     </p:spTree>
     <p:extLst>
       <p:ext uri="{BB962C8B-B14F-4D97-AF65-F5344CB8AC3E}">
-        <p14:creationId xmlns:p14="http://schemas.microsoft.com/office/powerpoint/2010/main" val="3555097595"/>
+        <p14:creationId xmlns:p14="http://schemas.microsoft.com/office/powerpoint/2010/main" val="73443714"/>
       </p:ext>
     </p:extLst>
   </p:cSld>
   <p:clrMap bg1="lt1" tx1="dk1" bg2="lt2" tx2="dk2" accent1="accent1" accent2="accent2" accent3="accent3" accent4="accent4" accent5="accent5" accent6="accent6" hlink="hlink" folHlink="folHlink"/>
   <p:sldLayoutIdLst>
-    <p:sldLayoutId id="2147483649" r:id="rId1"/>
-    <p:sldLayoutId id="2147483650" r:id="rId2"/>
-    <p:sldLayoutId id="2147483651" r:id="rId3"/>
-    <p:sldLayoutId id="2147483652" r:id="rId4"/>
-    <p:sldLayoutId id="2147483653" r:id="rId5"/>
-    <p:sldLayoutId id="2147483654" r:id="rId6"/>
-    <p:sldLayoutId id="2147483655" r:id="rId7"/>
-    <p:sldLayoutId id="2147483656" r:id="rId8"/>
-    <p:sldLayoutId id="2147483657" r:id="rId9"/>
-    <p:sldLayoutId id="2147483658" r:id="rId10"/>
-    <p:sldLayoutId id="2147483659" r:id="rId11"/>
+    <p:sldLayoutId id="2147483661" r:id="rId1"/>
+    <p:sldLayoutId id="2147483662" r:id="rId2"/>
+    <p:sldLayoutId id="2147483663" r:id="rId3"/>
+    <p:sldLayoutId id="2147483664" r:id="rId4"/>
+    <p:sldLayoutId id="2147483665" r:id="rId5"/>
+    <p:sldLayoutId id="2147483666" r:id="rId6"/>
+    <p:sldLayoutId id="2147483667" r:id="rId7"/>
+    <p:sldLayoutId id="2147483668" r:id="rId8"/>
+    <p:sldLayoutId id="2147483669" r:id="rId9"/>
+    <p:sldLayoutId id="2147483670" r:id="rId10"/>
+    <p:sldLayoutId id="2147483671" r:id="rId11"/>
   </p:sldLayoutIdLst>
+  <p:hf hdr="0" ftr="0" dt="0"/>
   <p:txStyles>
     <p:titleStyle>
-      <a:lvl1pPr algn="l" defTabSz="914400" rtl="0" eaLnBrk="1" latinLnBrk="0" hangingPunct="1">
+      <a:lvl1pPr algn="r" defTabSz="914377" rtl="0" eaLnBrk="1" latinLnBrk="0" hangingPunct="1">
         <a:lnSpc>
           <a:spcPct val="90000"/>
         </a:lnSpc>
@@ -2683,9 +5293,12 @@
           <a:spcPct val="0"/>
         </a:spcBef>
         <a:buNone/>
-        <a:defRPr sz="4400" kern="1200">
+        <a:defRPr sz="5000" b="0" i="1" kern="1200" baseline="0">
           <a:solidFill>
-            <a:schemeClr val="tx1"/>
+            <a:schemeClr val="tx1">
+              <a:lumMod val="85000"/>
+              <a:lumOff val="15000"/>
+            </a:schemeClr>
           </a:solidFill>
           <a:latin typeface="+mj-lt"/>
           <a:ea typeface="+mj-ea"/>
@@ -2694,162 +5307,189 @@
       </a:lvl1pPr>
     </p:titleStyle>
     <p:bodyStyle>
-      <a:lvl1pPr marL="228600" indent="-228600" algn="l" defTabSz="914400" rtl="0" eaLnBrk="1" latinLnBrk="0" hangingPunct="1">
+      <a:lvl1pPr marL="283457" indent="-283457" algn="l" defTabSz="914377" rtl="0" eaLnBrk="1" latinLnBrk="0" hangingPunct="1">
         <a:lnSpc>
-          <a:spcPct val="90000"/>
+          <a:spcPct val="112000"/>
         </a:lnSpc>
         <a:spcBef>
-          <a:spcPts val="1000"/>
+          <a:spcPts val="900"/>
         </a:spcBef>
         <a:buFont typeface="Arial" panose="020B0604020202020204" pitchFamily="34" charset="0"/>
         <a:buChar char="•"/>
-        <a:defRPr sz="2800" kern="1200">
+        <a:defRPr sz="2000" kern="1200" baseline="0">
           <a:solidFill>
-            <a:schemeClr val="tx1"/>
+            <a:schemeClr val="tx1">
+              <a:lumMod val="85000"/>
+              <a:lumOff val="15000"/>
+            </a:schemeClr>
           </a:solidFill>
           <a:latin typeface="+mn-lt"/>
           <a:ea typeface="+mn-ea"/>
           <a:cs typeface="+mn-cs"/>
         </a:defRPr>
       </a:lvl1pPr>
-      <a:lvl2pPr marL="685800" indent="-228600" algn="l" defTabSz="914400" rtl="0" eaLnBrk="1" latinLnBrk="0" hangingPunct="1">
+      <a:lvl2pPr marL="283457" indent="-283457" algn="l" defTabSz="914377" rtl="0" eaLnBrk="1" latinLnBrk="0" hangingPunct="1">
         <a:lnSpc>
-          <a:spcPct val="90000"/>
+          <a:spcPct val="112000"/>
         </a:lnSpc>
         <a:spcBef>
-          <a:spcPts val="500"/>
+          <a:spcPts val="900"/>
         </a:spcBef>
-        <a:buFont typeface="Arial" panose="020B0604020202020204" pitchFamily="34" charset="0"/>
-        <a:buChar char="•"/>
-        <a:defRPr sz="2400" kern="1200">
+        <a:buFont typeface="Corbel" panose="020B0503020204020204" pitchFamily="34" charset="0"/>
+        <a:buChar char="–"/>
+        <a:defRPr sz="1800" kern="1200" baseline="0">
           <a:solidFill>
-            <a:schemeClr val="tx1"/>
+            <a:schemeClr val="tx1">
+              <a:lumMod val="85000"/>
+              <a:lumOff val="15000"/>
+            </a:schemeClr>
           </a:solidFill>
           <a:latin typeface="+mn-lt"/>
           <a:ea typeface="+mn-ea"/>
           <a:cs typeface="+mn-cs"/>
         </a:defRPr>
       </a:lvl2pPr>
-      <a:lvl3pPr marL="1143000" indent="-228600" algn="l" defTabSz="914400" rtl="0" eaLnBrk="1" latinLnBrk="0" hangingPunct="1">
+      <a:lvl3pPr marL="283457" indent="-283457" algn="l" defTabSz="914377" rtl="0" eaLnBrk="1" latinLnBrk="0" hangingPunct="1">
         <a:lnSpc>
-          <a:spcPct val="90000"/>
+          <a:spcPct val="112000"/>
         </a:lnSpc>
         <a:spcBef>
-          <a:spcPts val="500"/>
+          <a:spcPts val="900"/>
         </a:spcBef>
         <a:buFont typeface="Arial" panose="020B0604020202020204" pitchFamily="34" charset="0"/>
         <a:buChar char="•"/>
-        <a:defRPr sz="2000" kern="1200">
+        <a:defRPr sz="1600" kern="1200" baseline="0">
           <a:solidFill>
-            <a:schemeClr val="tx1"/>
+            <a:schemeClr val="tx1">
+              <a:lumMod val="85000"/>
+              <a:lumOff val="15000"/>
+            </a:schemeClr>
           </a:solidFill>
           <a:latin typeface="+mn-lt"/>
           <a:ea typeface="+mn-ea"/>
           <a:cs typeface="+mn-cs"/>
         </a:defRPr>
       </a:lvl3pPr>
-      <a:lvl4pPr marL="1600200" indent="-228600" algn="l" defTabSz="914400" rtl="0" eaLnBrk="1" latinLnBrk="0" hangingPunct="1">
+      <a:lvl4pPr marL="283457" indent="-283457" algn="l" defTabSz="914377" rtl="0" eaLnBrk="1" latinLnBrk="0" hangingPunct="1">
         <a:lnSpc>
-          <a:spcPct val="90000"/>
+          <a:spcPct val="112000"/>
         </a:lnSpc>
         <a:spcBef>
-          <a:spcPts val="500"/>
+          <a:spcPts val="900"/>
         </a:spcBef>
-        <a:buFont typeface="Arial" panose="020B0604020202020204" pitchFamily="34" charset="0"/>
-        <a:buChar char="•"/>
-        <a:defRPr sz="1800" kern="1200">
+        <a:buFont typeface="Corbel" panose="020B0503020204020204" pitchFamily="34" charset="0"/>
+        <a:buChar char="–"/>
+        <a:defRPr sz="1400" kern="1200" baseline="0">
           <a:solidFill>
-            <a:schemeClr val="tx1"/>
+            <a:schemeClr val="tx1">
+              <a:lumMod val="85000"/>
+              <a:lumOff val="15000"/>
+            </a:schemeClr>
           </a:solidFill>
           <a:latin typeface="+mn-lt"/>
           <a:ea typeface="+mn-ea"/>
           <a:cs typeface="+mn-cs"/>
         </a:defRPr>
       </a:lvl4pPr>
-      <a:lvl5pPr marL="2057400" indent="-228600" algn="l" defTabSz="914400" rtl="0" eaLnBrk="1" latinLnBrk="0" hangingPunct="1">
+      <a:lvl5pPr marL="283457" indent="-283457" algn="l" defTabSz="914377" rtl="0" eaLnBrk="1" latinLnBrk="0" hangingPunct="1">
         <a:lnSpc>
-          <a:spcPct val="90000"/>
+          <a:spcPct val="112000"/>
         </a:lnSpc>
         <a:spcBef>
-          <a:spcPts val="500"/>
+          <a:spcPts val="900"/>
         </a:spcBef>
         <a:buFont typeface="Arial" panose="020B0604020202020204" pitchFamily="34" charset="0"/>
         <a:buChar char="•"/>
-        <a:defRPr sz="1800" kern="1200">
+        <a:defRPr sz="1400" i="1" kern="1200" baseline="0">
           <a:solidFill>
-            <a:schemeClr val="tx1"/>
+            <a:schemeClr val="tx1">
+              <a:lumMod val="85000"/>
+              <a:lumOff val="15000"/>
+            </a:schemeClr>
           </a:solidFill>
           <a:latin typeface="+mn-lt"/>
           <a:ea typeface="+mn-ea"/>
           <a:cs typeface="+mn-cs"/>
         </a:defRPr>
       </a:lvl5pPr>
-      <a:lvl6pPr marL="2514600" indent="-228600" algn="l" defTabSz="914400" rtl="0" eaLnBrk="1" latinLnBrk="0" hangingPunct="1">
+      <a:lvl6pPr marL="283457" indent="-283457" algn="l" defTabSz="914377" rtl="0" eaLnBrk="1" latinLnBrk="0" hangingPunct="1">
         <a:lnSpc>
-          <a:spcPct val="90000"/>
+          <a:spcPct val="112000"/>
         </a:lnSpc>
         <a:spcBef>
-          <a:spcPts val="500"/>
+          <a:spcPts val="1300"/>
         </a:spcBef>
-        <a:buFont typeface="Arial" panose="020B0604020202020204" pitchFamily="34" charset="0"/>
-        <a:buChar char="•"/>
-        <a:defRPr sz="1800" kern="1200">
+        <a:buFont typeface="Corbel" panose="020B0503020204020204" pitchFamily="34" charset="0"/>
+        <a:buChar char="–"/>
+        <a:defRPr sz="1400" kern="1200">
           <a:solidFill>
-            <a:schemeClr val="tx1"/>
+            <a:schemeClr val="tx1">
+              <a:lumMod val="85000"/>
+              <a:lumOff val="15000"/>
+            </a:schemeClr>
           </a:solidFill>
           <a:latin typeface="+mn-lt"/>
           <a:ea typeface="+mn-ea"/>
           <a:cs typeface="+mn-cs"/>
         </a:defRPr>
       </a:lvl6pPr>
-      <a:lvl7pPr marL="2971800" indent="-228600" algn="l" defTabSz="914400" rtl="0" eaLnBrk="1" latinLnBrk="0" hangingPunct="1">
+      <a:lvl7pPr marL="283457" indent="-283457" algn="l" defTabSz="914377" rtl="0" eaLnBrk="1" latinLnBrk="0" hangingPunct="1">
         <a:lnSpc>
-          <a:spcPct val="90000"/>
+          <a:spcPct val="112000"/>
         </a:lnSpc>
         <a:spcBef>
-          <a:spcPts val="500"/>
+          <a:spcPts val="1300"/>
         </a:spcBef>
         <a:buFont typeface="Arial" panose="020B0604020202020204" pitchFamily="34" charset="0"/>
         <a:buChar char="•"/>
-        <a:defRPr sz="1800" kern="1200">
+        <a:defRPr sz="1400" i="1" kern="1200">
           <a:solidFill>
-            <a:schemeClr val="tx1"/>
+            <a:schemeClr val="tx1">
+              <a:lumMod val="85000"/>
+              <a:lumOff val="15000"/>
+            </a:schemeClr>
           </a:solidFill>
           <a:latin typeface="+mn-lt"/>
           <a:ea typeface="+mn-ea"/>
           <a:cs typeface="+mn-cs"/>
         </a:defRPr>
       </a:lvl7pPr>
-      <a:lvl8pPr marL="3429000" indent="-228600" algn="l" defTabSz="914400" rtl="0" eaLnBrk="1" latinLnBrk="0" hangingPunct="1">
+      <a:lvl8pPr marL="283457" indent="-283457" algn="l" defTabSz="914377" rtl="0" eaLnBrk="1" latinLnBrk="0" hangingPunct="1">
         <a:lnSpc>
-          <a:spcPct val="90000"/>
+          <a:spcPct val="112000"/>
         </a:lnSpc>
         <a:spcBef>
-          <a:spcPts val="500"/>
+          <a:spcPts val="1300"/>
         </a:spcBef>
-        <a:buFont typeface="Arial" panose="020B0604020202020204" pitchFamily="34" charset="0"/>
-        <a:buChar char="•"/>
-        <a:defRPr sz="1800" kern="1200">
+        <a:buFont typeface="Corbel" panose="020B0503020204020204" pitchFamily="34" charset="0"/>
+        <a:buChar char="–"/>
+        <a:defRPr sz="1400" kern="1200">
           <a:solidFill>
-            <a:schemeClr val="tx1"/>
+            <a:schemeClr val="tx1">
+              <a:lumMod val="85000"/>
+              <a:lumOff val="15000"/>
+            </a:schemeClr>
           </a:solidFill>
           <a:latin typeface="+mn-lt"/>
           <a:ea typeface="+mn-ea"/>
           <a:cs typeface="+mn-cs"/>
         </a:defRPr>
       </a:lvl8pPr>
-      <a:lvl9pPr marL="3886200" indent="-228600" algn="l" defTabSz="914400" rtl="0" eaLnBrk="1" latinLnBrk="0" hangingPunct="1">
+      <a:lvl9pPr marL="283457" indent="-283457" algn="l" defTabSz="914377" rtl="0" eaLnBrk="1" latinLnBrk="0" hangingPunct="1">
         <a:lnSpc>
-          <a:spcPct val="90000"/>
+          <a:spcPct val="112000"/>
         </a:lnSpc>
         <a:spcBef>
-          <a:spcPts val="500"/>
+          <a:spcPts val="1300"/>
         </a:spcBef>
         <a:buFont typeface="Arial" panose="020B0604020202020204" pitchFamily="34" charset="0"/>
         <a:buChar char="•"/>
-        <a:defRPr sz="1800" kern="1200">
+        <a:defRPr sz="1400" i="1" kern="1200" baseline="0">
           <a:solidFill>
-            <a:schemeClr val="tx1"/>
+            <a:schemeClr val="tx1">
+              <a:lumMod val="85000"/>
+              <a:lumOff val="15000"/>
+            </a:schemeClr>
           </a:solidFill>
           <a:latin typeface="+mn-lt"/>
           <a:ea typeface="+mn-ea"/>
@@ -2861,7 +5501,7 @@
       <a:defPPr>
         <a:defRPr lang="en-US"/>
       </a:defPPr>
-      <a:lvl1pPr marL="0" algn="l" defTabSz="914400" rtl="0" eaLnBrk="1" latinLnBrk="0" hangingPunct="1">
+      <a:lvl1pPr marL="0" algn="l" defTabSz="914377" rtl="0" eaLnBrk="1" latinLnBrk="0" hangingPunct="1">
         <a:defRPr sz="1800" kern="1200">
           <a:solidFill>
             <a:schemeClr val="tx1"/>
@@ -2871,7 +5511,7 @@
           <a:cs typeface="+mn-cs"/>
         </a:defRPr>
       </a:lvl1pPr>
-      <a:lvl2pPr marL="457200" algn="l" defTabSz="914400" rtl="0" eaLnBrk="1" latinLnBrk="0" hangingPunct="1">
+      <a:lvl2pPr marL="457189" algn="l" defTabSz="914377" rtl="0" eaLnBrk="1" latinLnBrk="0" hangingPunct="1">
         <a:defRPr sz="1800" kern="1200">
           <a:solidFill>
             <a:schemeClr val="tx1"/>
@@ -2881,7 +5521,7 @@
           <a:cs typeface="+mn-cs"/>
         </a:defRPr>
       </a:lvl2pPr>
-      <a:lvl3pPr marL="914400" algn="l" defTabSz="914400" rtl="0" eaLnBrk="1" latinLnBrk="0" hangingPunct="1">
+      <a:lvl3pPr marL="914377" algn="l" defTabSz="914377" rtl="0" eaLnBrk="1" latinLnBrk="0" hangingPunct="1">
         <a:defRPr sz="1800" kern="1200">
           <a:solidFill>
             <a:schemeClr val="tx1"/>
@@ -2891,7 +5531,7 @@
           <a:cs typeface="+mn-cs"/>
         </a:defRPr>
       </a:lvl3pPr>
-      <a:lvl4pPr marL="1371600" algn="l" defTabSz="914400" rtl="0" eaLnBrk="1" latinLnBrk="0" hangingPunct="1">
+      <a:lvl4pPr marL="1371566" algn="l" defTabSz="914377" rtl="0" eaLnBrk="1" latinLnBrk="0" hangingPunct="1">
         <a:defRPr sz="1800" kern="1200">
           <a:solidFill>
             <a:schemeClr val="tx1"/>
@@ -2901,7 +5541,7 @@
           <a:cs typeface="+mn-cs"/>
         </a:defRPr>
       </a:lvl4pPr>
-      <a:lvl5pPr marL="1828800" algn="l" defTabSz="914400" rtl="0" eaLnBrk="1" latinLnBrk="0" hangingPunct="1">
+      <a:lvl5pPr marL="1828754" algn="l" defTabSz="914377" rtl="0" eaLnBrk="1" latinLnBrk="0" hangingPunct="1">
         <a:defRPr sz="1800" kern="1200">
           <a:solidFill>
             <a:schemeClr val="tx1"/>
@@ -2911,7 +5551,7 @@
           <a:cs typeface="+mn-cs"/>
         </a:defRPr>
       </a:lvl5pPr>
-      <a:lvl6pPr marL="2286000" algn="l" defTabSz="914400" rtl="0" eaLnBrk="1" latinLnBrk="0" hangingPunct="1">
+      <a:lvl6pPr marL="2285943" algn="l" defTabSz="914377" rtl="0" eaLnBrk="1" latinLnBrk="0" hangingPunct="1">
         <a:defRPr sz="1800" kern="1200">
           <a:solidFill>
             <a:schemeClr val="tx1"/>
@@ -2921,7 +5561,7 @@
           <a:cs typeface="+mn-cs"/>
         </a:defRPr>
       </a:lvl6pPr>
-      <a:lvl7pPr marL="2743200" algn="l" defTabSz="914400" rtl="0" eaLnBrk="1" latinLnBrk="0" hangingPunct="1">
+      <a:lvl7pPr marL="2743131" algn="l" defTabSz="914377" rtl="0" eaLnBrk="1" latinLnBrk="0" hangingPunct="1">
         <a:defRPr sz="1800" kern="1200">
           <a:solidFill>
             <a:schemeClr val="tx1"/>
@@ -2931,7 +5571,7 @@
           <a:cs typeface="+mn-cs"/>
         </a:defRPr>
       </a:lvl7pPr>
-      <a:lvl8pPr marL="3200400" algn="l" defTabSz="914400" rtl="0" eaLnBrk="1" latinLnBrk="0" hangingPunct="1">
+      <a:lvl8pPr marL="3200320" algn="l" defTabSz="914377" rtl="0" eaLnBrk="1" latinLnBrk="0" hangingPunct="1">
         <a:defRPr sz="1800" kern="1200">
           <a:solidFill>
             <a:schemeClr val="tx1"/>
@@ -2941,7 +5581,7 @@
           <a:cs typeface="+mn-cs"/>
         </a:defRPr>
       </a:lvl8pPr>
-      <a:lvl9pPr marL="3657600" algn="l" defTabSz="914400" rtl="0" eaLnBrk="1" latinLnBrk="0" hangingPunct="1">
+      <a:lvl9pPr marL="3657509" algn="l" defTabSz="914377" rtl="0" eaLnBrk="1" latinLnBrk="0" hangingPunct="1">
         <a:defRPr sz="1800" kern="1200">
           <a:solidFill>
             <a:schemeClr val="tx1"/>
@@ -2953,6 +5593,37 @@
       </a:lvl9pPr>
     </p:otherStyle>
   </p:txStyles>
+  <p:extLst mod="1">
+    <p:ext uri="{27BBF7A9-308A-43DC-89C8-2F10F3537804}">
+      <p15:sldGuideLst xmlns:p15="http://schemas.microsoft.com/office/powerpoint/2012/main">
+        <p15:guide id="1" pos="2832">
+          <p15:clr>
+            <a:srgbClr val="F26B43"/>
+          </p15:clr>
+        </p15:guide>
+        <p15:guide id="2" pos="480">
+          <p15:clr>
+            <a:srgbClr val="F26B43"/>
+          </p15:clr>
+        </p15:guide>
+        <p15:guide id="3" orient="horz" pos="432">
+          <p15:clr>
+            <a:srgbClr val="F26B43"/>
+          </p15:clr>
+        </p15:guide>
+        <p15:guide id="4" pos="7200">
+          <p15:clr>
+            <a:srgbClr val="F26B43"/>
+          </p15:clr>
+        </p15:guide>
+        <p15:guide id="5" pos="3264">
+          <p15:clr>
+            <a:srgbClr val="F26B43"/>
+          </p15:clr>
+        </p15:guide>
+      </p15:sldGuideLst>
+    </p:ext>
+  </p:extLst>
 </p:sldMaster>
 </file>
 
@@ -2961,7 +5632,7 @@
   <p:cSld>
     <p:spTree>
       <p:nvGrpSpPr>
-        <p:cNvPr id="1" name=""/>
+        <p:cNvPr id="1" name="Shape 67"/>
         <p:cNvGrpSpPr/>
         <p:nvPr/>
       </p:nvGrpSpPr>
@@ -2975,50 +5646,47 @@
       </p:grpSpPr>
       <p:sp>
         <p:nvSpPr>
-          <p:cNvPr id="2" name="Title 1"/>
-          <p:cNvSpPr>
+          <p:cNvPr id="68" name="Shape 68"/>
+          <p:cNvSpPr txBox="1">
             <a:spLocks noGrp="1"/>
           </p:cNvSpPr>
           <p:nvPr>
             <p:ph type="ctrTitle"/>
           </p:nvPr>
         </p:nvSpPr>
-        <p:spPr/>
-        <p:txBody>
-          <a:bodyPr/>
+        <p:spPr>
+          <a:xfrm>
+            <a:off x="1088913" y="2668277"/>
+            <a:ext cx="7034363" cy="1371991"/>
+          </a:xfrm>
+          <a:prstGeom prst="rect">
+            <a:avLst/>
+          </a:prstGeom>
+        </p:spPr>
+        <p:txBody>
+          <a:bodyPr vert="horz" lIns="121900" tIns="121900" rIns="121900" bIns="121900" rtlCol="0" anchor="b" anchorCtr="0">
+            <a:noAutofit/>
+          </a:bodyPr>
           <a:lstStyle/>
           <a:p>
-            <a:r>
-              <a:rPr lang="en-US" dirty="0" err="1"/>
-              <a:t>QuickSight</a:t>
-            </a:r>
-            <a:endParaRPr lang="en-US" dirty="0"/>
-          </a:p>
-        </p:txBody>
-      </p:sp>
-      <p:sp>
-        <p:nvSpPr>
-          <p:cNvPr id="3" name="Subtitle 2"/>
-          <p:cNvSpPr>
-            <a:spLocks noGrp="1"/>
-          </p:cNvSpPr>
-          <p:nvPr>
-            <p:ph type="subTitle" idx="1"/>
-          </p:nvPr>
-        </p:nvSpPr>
-        <p:spPr/>
-        <p:txBody>
-          <a:bodyPr/>
-          <a:lstStyle/>
-          <a:p>
-            <a:endParaRPr lang="en-US"/>
+            <a:pPr>
+              <a:spcBef>
+                <a:spcPts val="0"/>
+              </a:spcBef>
+            </a:pPr>
+            <a:r>
+              <a:rPr lang="en" sz="4267" i="0" cap="none" dirty="0">
+                <a:latin typeface="Impact" panose="020B0806030902050204" pitchFamily="34" charset="0"/>
+              </a:rPr>
+              <a:t>Amazon QuickSight</a:t>
+            </a:r>
           </a:p>
         </p:txBody>
       </p:sp>
     </p:spTree>
     <p:extLst>
       <p:ext uri="{BB962C8B-B14F-4D97-AF65-F5344CB8AC3E}">
-        <p14:creationId xmlns:p14="http://schemas.microsoft.com/office/powerpoint/2010/main" val="2849986730"/>
+        <p14:creationId xmlns:p14="http://schemas.microsoft.com/office/powerpoint/2010/main" val="4052743790"/>
       </p:ext>
     </p:extLst>
   </p:cSld>
@@ -3047,49 +5715,326 @@
       </p:grpSpPr>
       <p:sp>
         <p:nvSpPr>
-          <p:cNvPr id="2" name="Title 1"/>
-          <p:cNvSpPr>
+          <p:cNvPr id="7" name="Shape 81"/>
+          <p:cNvSpPr txBox="1">
             <a:spLocks noGrp="1"/>
           </p:cNvSpPr>
           <p:nvPr>
             <p:ph type="title"/>
           </p:nvPr>
         </p:nvSpPr>
-        <p:spPr/>
-        <p:txBody>
-          <a:bodyPr/>
+        <p:spPr>
+          <a:xfrm>
+            <a:off x="762000" y="559680"/>
+            <a:ext cx="10637965" cy="721816"/>
+          </a:xfrm>
+          <a:prstGeom prst="rect">
+            <a:avLst/>
+          </a:prstGeom>
+        </p:spPr>
+        <p:txBody>
+          <a:bodyPr vert="horz" lIns="121900" tIns="121900" rIns="121900" bIns="121900" rtlCol="0" anchor="t" anchorCtr="0">
+            <a:noAutofit/>
+          </a:bodyPr>
           <a:lstStyle/>
           <a:p>
-            <a:r>
-              <a:rPr lang="en-US" dirty="0"/>
-              <a:t>Example</a:t>
-            </a:r>
-          </a:p>
-        </p:txBody>
-      </p:sp>
-      <p:sp>
-        <p:nvSpPr>
-          <p:cNvPr id="3" name="Content Placeholder 2"/>
-          <p:cNvSpPr>
-            <a:spLocks noGrp="1"/>
-          </p:cNvSpPr>
-          <p:nvPr>
-            <p:ph idx="1"/>
-          </p:nvPr>
-        </p:nvSpPr>
-        <p:spPr/>
-        <p:txBody>
-          <a:bodyPr/>
-          <a:lstStyle/>
-          <a:p>
-            <a:endParaRPr lang="en-US" dirty="0"/>
+            <a:pPr algn="l">
+              <a:spcBef>
+                <a:spcPts val="0"/>
+              </a:spcBef>
+              <a:buClr>
+                <a:schemeClr val="dk1"/>
+              </a:buClr>
+              <a:buSzPct val="39285"/>
+            </a:pPr>
+            <a:r>
+              <a:rPr lang="en" sz="3733" i="0" dirty="0">
+                <a:solidFill>
+                  <a:schemeClr val="tx1">
+                    <a:lumMod val="75000"/>
+                    <a:lumOff val="25000"/>
+                  </a:schemeClr>
+                </a:solidFill>
+                <a:latin typeface="Arial" panose="020B0604020202020204" pitchFamily="34" charset="0"/>
+                <a:cs typeface="Arial" panose="020B0604020202020204" pitchFamily="34" charset="0"/>
+              </a:rPr>
+              <a:t>References</a:t>
+            </a:r>
+            <a:endParaRPr lang="en" sz="3733" i="0" dirty="0">
+              <a:solidFill>
+                <a:srgbClr val="EEB500"/>
+              </a:solidFill>
+              <a:latin typeface="Arial" panose="020B0604020202020204" pitchFamily="34" charset="0"/>
+              <a:cs typeface="Arial" panose="020B0604020202020204" pitchFamily="34" charset="0"/>
+            </a:endParaRPr>
+          </a:p>
+        </p:txBody>
+      </p:sp>
+      <p:sp>
+        <p:nvSpPr>
+          <p:cNvPr id="8" name="Shape 82"/>
+          <p:cNvSpPr txBox="1">
+            <a:spLocks/>
+          </p:cNvSpPr>
+          <p:nvPr/>
+        </p:nvSpPr>
+        <p:spPr>
+          <a:xfrm>
+            <a:off x="761287" y="1827805"/>
+            <a:ext cx="11360800" cy="4555200"/>
+          </a:xfrm>
+          <a:prstGeom prst="rect">
+            <a:avLst/>
+          </a:prstGeom>
+        </p:spPr>
+        <p:txBody>
+          <a:bodyPr vert="horz" lIns="121900" tIns="121900" rIns="121900" bIns="121900" rtlCol="0" anchor="t" anchorCtr="0">
+            <a:noAutofit/>
+          </a:bodyPr>
+          <a:lstStyle>
+            <a:lvl1pPr marL="212598" indent="-212598" algn="l" defTabSz="685800" rtl="0" eaLnBrk="1" latinLnBrk="0" hangingPunct="1">
+              <a:lnSpc>
+                <a:spcPct val="112000"/>
+              </a:lnSpc>
+              <a:spcBef>
+                <a:spcPts val="675"/>
+              </a:spcBef>
+              <a:buFont typeface="Arial" panose="020B0604020202020204" pitchFamily="34" charset="0"/>
+              <a:buChar char="•"/>
+              <a:defRPr sz="1500" kern="1200" baseline="0">
+                <a:solidFill>
+                  <a:schemeClr val="tx1">
+                    <a:lumMod val="85000"/>
+                    <a:lumOff val="15000"/>
+                  </a:schemeClr>
+                </a:solidFill>
+                <a:latin typeface="+mn-lt"/>
+                <a:ea typeface="+mn-ea"/>
+                <a:cs typeface="+mn-cs"/>
+              </a:defRPr>
+            </a:lvl1pPr>
+            <a:lvl2pPr marL="212598" indent="-212598" algn="l" defTabSz="685800" rtl="0" eaLnBrk="1" latinLnBrk="0" hangingPunct="1">
+              <a:lnSpc>
+                <a:spcPct val="112000"/>
+              </a:lnSpc>
+              <a:spcBef>
+                <a:spcPts val="675"/>
+              </a:spcBef>
+              <a:buFont typeface="Corbel" panose="020B0503020204020204" pitchFamily="34" charset="0"/>
+              <a:buChar char="–"/>
+              <a:defRPr sz="1350" kern="1200" baseline="0">
+                <a:solidFill>
+                  <a:schemeClr val="tx1">
+                    <a:lumMod val="85000"/>
+                    <a:lumOff val="15000"/>
+                  </a:schemeClr>
+                </a:solidFill>
+                <a:latin typeface="+mn-lt"/>
+                <a:ea typeface="+mn-ea"/>
+                <a:cs typeface="+mn-cs"/>
+              </a:defRPr>
+            </a:lvl2pPr>
+            <a:lvl3pPr marL="212598" indent="-212598" algn="l" defTabSz="685800" rtl="0" eaLnBrk="1" latinLnBrk="0" hangingPunct="1">
+              <a:lnSpc>
+                <a:spcPct val="112000"/>
+              </a:lnSpc>
+              <a:spcBef>
+                <a:spcPts val="675"/>
+              </a:spcBef>
+              <a:buFont typeface="Arial" panose="020B0604020202020204" pitchFamily="34" charset="0"/>
+              <a:buChar char="•"/>
+              <a:defRPr sz="1200" kern="1200" baseline="0">
+                <a:solidFill>
+                  <a:schemeClr val="tx1">
+                    <a:lumMod val="85000"/>
+                    <a:lumOff val="15000"/>
+                  </a:schemeClr>
+                </a:solidFill>
+                <a:latin typeface="+mn-lt"/>
+                <a:ea typeface="+mn-ea"/>
+                <a:cs typeface="+mn-cs"/>
+              </a:defRPr>
+            </a:lvl3pPr>
+            <a:lvl4pPr marL="212598" indent="-212598" algn="l" defTabSz="685800" rtl="0" eaLnBrk="1" latinLnBrk="0" hangingPunct="1">
+              <a:lnSpc>
+                <a:spcPct val="112000"/>
+              </a:lnSpc>
+              <a:spcBef>
+                <a:spcPts val="675"/>
+              </a:spcBef>
+              <a:buFont typeface="Corbel" panose="020B0503020204020204" pitchFamily="34" charset="0"/>
+              <a:buChar char="–"/>
+              <a:defRPr sz="1050" kern="1200" baseline="0">
+                <a:solidFill>
+                  <a:schemeClr val="tx1">
+                    <a:lumMod val="85000"/>
+                    <a:lumOff val="15000"/>
+                  </a:schemeClr>
+                </a:solidFill>
+                <a:latin typeface="+mn-lt"/>
+                <a:ea typeface="+mn-ea"/>
+                <a:cs typeface="+mn-cs"/>
+              </a:defRPr>
+            </a:lvl4pPr>
+            <a:lvl5pPr marL="212598" indent="-212598" algn="l" defTabSz="685800" rtl="0" eaLnBrk="1" latinLnBrk="0" hangingPunct="1">
+              <a:lnSpc>
+                <a:spcPct val="112000"/>
+              </a:lnSpc>
+              <a:spcBef>
+                <a:spcPts val="675"/>
+              </a:spcBef>
+              <a:buFont typeface="Arial" panose="020B0604020202020204" pitchFamily="34" charset="0"/>
+              <a:buChar char="•"/>
+              <a:defRPr sz="1050" i="1" kern="1200" baseline="0">
+                <a:solidFill>
+                  <a:schemeClr val="tx1">
+                    <a:lumMod val="85000"/>
+                    <a:lumOff val="15000"/>
+                  </a:schemeClr>
+                </a:solidFill>
+                <a:latin typeface="+mn-lt"/>
+                <a:ea typeface="+mn-ea"/>
+                <a:cs typeface="+mn-cs"/>
+              </a:defRPr>
+            </a:lvl5pPr>
+            <a:lvl6pPr marL="212598" indent="-212598" algn="l" defTabSz="685800" rtl="0" eaLnBrk="1" latinLnBrk="0" hangingPunct="1">
+              <a:lnSpc>
+                <a:spcPct val="112000"/>
+              </a:lnSpc>
+              <a:spcBef>
+                <a:spcPts val="975"/>
+              </a:spcBef>
+              <a:buFont typeface="Corbel" panose="020B0503020204020204" pitchFamily="34" charset="0"/>
+              <a:buChar char="–"/>
+              <a:defRPr sz="1050" kern="1200">
+                <a:solidFill>
+                  <a:schemeClr val="tx1">
+                    <a:lumMod val="85000"/>
+                    <a:lumOff val="15000"/>
+                  </a:schemeClr>
+                </a:solidFill>
+                <a:latin typeface="+mn-lt"/>
+                <a:ea typeface="+mn-ea"/>
+                <a:cs typeface="+mn-cs"/>
+              </a:defRPr>
+            </a:lvl6pPr>
+            <a:lvl7pPr marL="212598" indent="-212598" algn="l" defTabSz="685800" rtl="0" eaLnBrk="1" latinLnBrk="0" hangingPunct="1">
+              <a:lnSpc>
+                <a:spcPct val="112000"/>
+              </a:lnSpc>
+              <a:spcBef>
+                <a:spcPts val="975"/>
+              </a:spcBef>
+              <a:buFont typeface="Arial" panose="020B0604020202020204" pitchFamily="34" charset="0"/>
+              <a:buChar char="•"/>
+              <a:defRPr sz="1050" i="1" kern="1200">
+                <a:solidFill>
+                  <a:schemeClr val="tx1">
+                    <a:lumMod val="85000"/>
+                    <a:lumOff val="15000"/>
+                  </a:schemeClr>
+                </a:solidFill>
+                <a:latin typeface="+mn-lt"/>
+                <a:ea typeface="+mn-ea"/>
+                <a:cs typeface="+mn-cs"/>
+              </a:defRPr>
+            </a:lvl7pPr>
+            <a:lvl8pPr marL="212598" indent="-212598" algn="l" defTabSz="685800" rtl="0" eaLnBrk="1" latinLnBrk="0" hangingPunct="1">
+              <a:lnSpc>
+                <a:spcPct val="112000"/>
+              </a:lnSpc>
+              <a:spcBef>
+                <a:spcPts val="975"/>
+              </a:spcBef>
+              <a:buFont typeface="Corbel" panose="020B0503020204020204" pitchFamily="34" charset="0"/>
+              <a:buChar char="–"/>
+              <a:defRPr sz="1050" kern="1200">
+                <a:solidFill>
+                  <a:schemeClr val="tx1">
+                    <a:lumMod val="85000"/>
+                    <a:lumOff val="15000"/>
+                  </a:schemeClr>
+                </a:solidFill>
+                <a:latin typeface="+mn-lt"/>
+                <a:ea typeface="+mn-ea"/>
+                <a:cs typeface="+mn-cs"/>
+              </a:defRPr>
+            </a:lvl8pPr>
+            <a:lvl9pPr marL="212598" indent="-212598" algn="l" defTabSz="685800" rtl="0" eaLnBrk="1" latinLnBrk="0" hangingPunct="1">
+              <a:lnSpc>
+                <a:spcPct val="112000"/>
+              </a:lnSpc>
+              <a:spcBef>
+                <a:spcPts val="975"/>
+              </a:spcBef>
+              <a:buFont typeface="Arial" panose="020B0604020202020204" pitchFamily="34" charset="0"/>
+              <a:buChar char="•"/>
+              <a:defRPr sz="1050" i="1" kern="1200" baseline="0">
+                <a:solidFill>
+                  <a:schemeClr val="tx1">
+                    <a:lumMod val="85000"/>
+                    <a:lumOff val="15000"/>
+                  </a:schemeClr>
+                </a:solidFill>
+                <a:latin typeface="+mn-lt"/>
+                <a:ea typeface="+mn-ea"/>
+                <a:cs typeface="+mn-cs"/>
+              </a:defRPr>
+            </a:lvl9pPr>
+          </a:lstStyle>
+          <a:p>
+            <a:r>
+              <a:rPr lang="en-US" sz="2400" dirty="0">
+                <a:hlinkClick r:id="rId3"/>
+              </a:rPr>
+              <a:t>http://docs.aws.amazon.com/quicksight/latest/user/editions.html</a:t>
+            </a:r>
+            <a:endParaRPr lang="en-US" sz="2400" dirty="0"/>
+          </a:p>
+          <a:p>
+            <a:r>
+              <a:rPr lang="en-US" sz="2400" dirty="0">
+                <a:hlinkClick r:id="rId4"/>
+              </a:rPr>
+              <a:t>http://docs.aws.amazon.com/quicksight/latest/user/managing-spice-capacity.html</a:t>
+            </a:r>
+            <a:endParaRPr lang="en-US" sz="2400" dirty="0"/>
+          </a:p>
+          <a:p>
+            <a:r>
+              <a:rPr lang="en-US" sz="2400" dirty="0">
+                <a:hlinkClick r:id="rId5"/>
+              </a:rPr>
+              <a:t>http://docs.aws.amazon.com/quicksight/latest/user/welcome.html</a:t>
+            </a:r>
+            <a:endParaRPr lang="en-US" sz="2400" dirty="0"/>
+          </a:p>
+          <a:p>
+            <a:pPr marL="609585" indent="-304792" defTabSz="914377">
+              <a:spcBef>
+                <a:spcPts val="0"/>
+              </a:spcBef>
+              <a:buFont typeface="Arial" panose="020B0604020202020204" pitchFamily="34" charset="0"/>
+              <a:buChar char="●"/>
+            </a:pPr>
+            <a:endParaRPr lang="en" sz="3200" dirty="0">
+              <a:solidFill>
+                <a:prstClr val="white">
+                  <a:lumMod val="75000"/>
+                  <a:lumOff val="25000"/>
+                </a:prstClr>
+              </a:solidFill>
+              <a:latin typeface="Arial" panose="020B0604020202020204" pitchFamily="34" charset="0"/>
+              <a:cs typeface="Arial" panose="020B0604020202020204" pitchFamily="34" charset="0"/>
+              <a:sym typeface="Arial"/>
+            </a:endParaRPr>
           </a:p>
         </p:txBody>
       </p:sp>
     </p:spTree>
     <p:extLst>
       <p:ext uri="{BB962C8B-B14F-4D97-AF65-F5344CB8AC3E}">
-        <p14:creationId xmlns:p14="http://schemas.microsoft.com/office/powerpoint/2010/main" val="1351165930"/>
+        <p14:creationId xmlns:p14="http://schemas.microsoft.com/office/powerpoint/2010/main" val="4196826856"/>
       </p:ext>
     </p:extLst>
   </p:cSld>
@@ -3118,74 +6063,406 @@
       </p:grpSpPr>
       <p:sp>
         <p:nvSpPr>
-          <p:cNvPr id="2" name="Title 1"/>
+          <p:cNvPr id="7" name="Shape 81"/>
+          <p:cNvSpPr txBox="1">
+            <a:spLocks noGrp="1"/>
+          </p:cNvSpPr>
+          <p:nvPr>
+            <p:ph type="title"/>
+          </p:nvPr>
+        </p:nvSpPr>
+        <p:spPr>
+          <a:xfrm>
+            <a:off x="762000" y="559680"/>
+            <a:ext cx="10637965" cy="721816"/>
+          </a:xfrm>
+          <a:prstGeom prst="rect">
+            <a:avLst/>
+          </a:prstGeom>
+        </p:spPr>
+        <p:txBody>
+          <a:bodyPr vert="horz" lIns="121900" tIns="121900" rIns="121900" bIns="121900" rtlCol="0" anchor="t" anchorCtr="0">
+            <a:noAutofit/>
+          </a:bodyPr>
+          <a:lstStyle/>
+          <a:p>
+            <a:pPr algn="l">
+              <a:spcBef>
+                <a:spcPts val="0"/>
+              </a:spcBef>
+              <a:buClr>
+                <a:schemeClr val="dk1"/>
+              </a:buClr>
+              <a:buSzPct val="39285"/>
+            </a:pPr>
+            <a:r>
+              <a:rPr lang="en" sz="3733" i="0" dirty="0">
+                <a:solidFill>
+                  <a:schemeClr val="tx1">
+                    <a:lumMod val="75000"/>
+                    <a:lumOff val="25000"/>
+                  </a:schemeClr>
+                </a:solidFill>
+                <a:latin typeface="Arial" panose="020B0604020202020204" pitchFamily="34" charset="0"/>
+                <a:cs typeface="Arial" panose="020B0604020202020204" pitchFamily="34" charset="0"/>
+              </a:rPr>
+              <a:t>Amazon QuickSight Overview</a:t>
+            </a:r>
+            <a:endParaRPr lang="en" sz="3733" i="0" dirty="0">
+              <a:solidFill>
+                <a:srgbClr val="EEB500"/>
+              </a:solidFill>
+              <a:latin typeface="Arial" panose="020B0604020202020204" pitchFamily="34" charset="0"/>
+              <a:cs typeface="Arial" panose="020B0604020202020204" pitchFamily="34" charset="0"/>
+            </a:endParaRPr>
+          </a:p>
+        </p:txBody>
+      </p:sp>
+      <p:sp>
+        <p:nvSpPr>
+          <p:cNvPr id="8" name="Shape 82"/>
+          <p:cNvSpPr txBox="1">
+            <a:spLocks/>
+          </p:cNvSpPr>
+          <p:nvPr/>
+        </p:nvSpPr>
+        <p:spPr>
+          <a:xfrm>
+            <a:off x="839344" y="2095433"/>
+            <a:ext cx="11360800" cy="4555200"/>
+          </a:xfrm>
+          <a:prstGeom prst="rect">
+            <a:avLst/>
+          </a:prstGeom>
+        </p:spPr>
+        <p:txBody>
+          <a:bodyPr vert="horz" lIns="121900" tIns="121900" rIns="121900" bIns="121900" rtlCol="0" anchor="t" anchorCtr="0">
+            <a:noAutofit/>
+          </a:bodyPr>
+          <a:lstStyle>
+            <a:lvl1pPr marL="212598" indent="-212598" algn="l" defTabSz="685800" rtl="0" eaLnBrk="1" latinLnBrk="0" hangingPunct="1">
+              <a:lnSpc>
+                <a:spcPct val="112000"/>
+              </a:lnSpc>
+              <a:spcBef>
+                <a:spcPts val="675"/>
+              </a:spcBef>
+              <a:buFont typeface="Arial" panose="020B0604020202020204" pitchFamily="34" charset="0"/>
+              <a:buChar char="•"/>
+              <a:defRPr sz="1500" kern="1200" baseline="0">
+                <a:solidFill>
+                  <a:schemeClr val="tx1">
+                    <a:lumMod val="85000"/>
+                    <a:lumOff val="15000"/>
+                  </a:schemeClr>
+                </a:solidFill>
+                <a:latin typeface="+mn-lt"/>
+                <a:ea typeface="+mn-ea"/>
+                <a:cs typeface="+mn-cs"/>
+              </a:defRPr>
+            </a:lvl1pPr>
+            <a:lvl2pPr marL="212598" indent="-212598" algn="l" defTabSz="685800" rtl="0" eaLnBrk="1" latinLnBrk="0" hangingPunct="1">
+              <a:lnSpc>
+                <a:spcPct val="112000"/>
+              </a:lnSpc>
+              <a:spcBef>
+                <a:spcPts val="675"/>
+              </a:spcBef>
+              <a:buFont typeface="Corbel" panose="020B0503020204020204" pitchFamily="34" charset="0"/>
+              <a:buChar char="–"/>
+              <a:defRPr sz="1350" kern="1200" baseline="0">
+                <a:solidFill>
+                  <a:schemeClr val="tx1">
+                    <a:lumMod val="85000"/>
+                    <a:lumOff val="15000"/>
+                  </a:schemeClr>
+                </a:solidFill>
+                <a:latin typeface="+mn-lt"/>
+                <a:ea typeface="+mn-ea"/>
+                <a:cs typeface="+mn-cs"/>
+              </a:defRPr>
+            </a:lvl2pPr>
+            <a:lvl3pPr marL="212598" indent="-212598" algn="l" defTabSz="685800" rtl="0" eaLnBrk="1" latinLnBrk="0" hangingPunct="1">
+              <a:lnSpc>
+                <a:spcPct val="112000"/>
+              </a:lnSpc>
+              <a:spcBef>
+                <a:spcPts val="675"/>
+              </a:spcBef>
+              <a:buFont typeface="Arial" panose="020B0604020202020204" pitchFamily="34" charset="0"/>
+              <a:buChar char="•"/>
+              <a:defRPr sz="1200" kern="1200" baseline="0">
+                <a:solidFill>
+                  <a:schemeClr val="tx1">
+                    <a:lumMod val="85000"/>
+                    <a:lumOff val="15000"/>
+                  </a:schemeClr>
+                </a:solidFill>
+                <a:latin typeface="+mn-lt"/>
+                <a:ea typeface="+mn-ea"/>
+                <a:cs typeface="+mn-cs"/>
+              </a:defRPr>
+            </a:lvl3pPr>
+            <a:lvl4pPr marL="212598" indent="-212598" algn="l" defTabSz="685800" rtl="0" eaLnBrk="1" latinLnBrk="0" hangingPunct="1">
+              <a:lnSpc>
+                <a:spcPct val="112000"/>
+              </a:lnSpc>
+              <a:spcBef>
+                <a:spcPts val="675"/>
+              </a:spcBef>
+              <a:buFont typeface="Corbel" panose="020B0503020204020204" pitchFamily="34" charset="0"/>
+              <a:buChar char="–"/>
+              <a:defRPr sz="1050" kern="1200" baseline="0">
+                <a:solidFill>
+                  <a:schemeClr val="tx1">
+                    <a:lumMod val="85000"/>
+                    <a:lumOff val="15000"/>
+                  </a:schemeClr>
+                </a:solidFill>
+                <a:latin typeface="+mn-lt"/>
+                <a:ea typeface="+mn-ea"/>
+                <a:cs typeface="+mn-cs"/>
+              </a:defRPr>
+            </a:lvl4pPr>
+            <a:lvl5pPr marL="212598" indent="-212598" algn="l" defTabSz="685800" rtl="0" eaLnBrk="1" latinLnBrk="0" hangingPunct="1">
+              <a:lnSpc>
+                <a:spcPct val="112000"/>
+              </a:lnSpc>
+              <a:spcBef>
+                <a:spcPts val="675"/>
+              </a:spcBef>
+              <a:buFont typeface="Arial" panose="020B0604020202020204" pitchFamily="34" charset="0"/>
+              <a:buChar char="•"/>
+              <a:defRPr sz="1050" i="1" kern="1200" baseline="0">
+                <a:solidFill>
+                  <a:schemeClr val="tx1">
+                    <a:lumMod val="85000"/>
+                    <a:lumOff val="15000"/>
+                  </a:schemeClr>
+                </a:solidFill>
+                <a:latin typeface="+mn-lt"/>
+                <a:ea typeface="+mn-ea"/>
+                <a:cs typeface="+mn-cs"/>
+              </a:defRPr>
+            </a:lvl5pPr>
+            <a:lvl6pPr marL="212598" indent="-212598" algn="l" defTabSz="685800" rtl="0" eaLnBrk="1" latinLnBrk="0" hangingPunct="1">
+              <a:lnSpc>
+                <a:spcPct val="112000"/>
+              </a:lnSpc>
+              <a:spcBef>
+                <a:spcPts val="975"/>
+              </a:spcBef>
+              <a:buFont typeface="Corbel" panose="020B0503020204020204" pitchFamily="34" charset="0"/>
+              <a:buChar char="–"/>
+              <a:defRPr sz="1050" kern="1200">
+                <a:solidFill>
+                  <a:schemeClr val="tx1">
+                    <a:lumMod val="85000"/>
+                    <a:lumOff val="15000"/>
+                  </a:schemeClr>
+                </a:solidFill>
+                <a:latin typeface="+mn-lt"/>
+                <a:ea typeface="+mn-ea"/>
+                <a:cs typeface="+mn-cs"/>
+              </a:defRPr>
+            </a:lvl6pPr>
+            <a:lvl7pPr marL="212598" indent="-212598" algn="l" defTabSz="685800" rtl="0" eaLnBrk="1" latinLnBrk="0" hangingPunct="1">
+              <a:lnSpc>
+                <a:spcPct val="112000"/>
+              </a:lnSpc>
+              <a:spcBef>
+                <a:spcPts val="975"/>
+              </a:spcBef>
+              <a:buFont typeface="Arial" panose="020B0604020202020204" pitchFamily="34" charset="0"/>
+              <a:buChar char="•"/>
+              <a:defRPr sz="1050" i="1" kern="1200">
+                <a:solidFill>
+                  <a:schemeClr val="tx1">
+                    <a:lumMod val="85000"/>
+                    <a:lumOff val="15000"/>
+                  </a:schemeClr>
+                </a:solidFill>
+                <a:latin typeface="+mn-lt"/>
+                <a:ea typeface="+mn-ea"/>
+                <a:cs typeface="+mn-cs"/>
+              </a:defRPr>
+            </a:lvl7pPr>
+            <a:lvl8pPr marL="212598" indent="-212598" algn="l" defTabSz="685800" rtl="0" eaLnBrk="1" latinLnBrk="0" hangingPunct="1">
+              <a:lnSpc>
+                <a:spcPct val="112000"/>
+              </a:lnSpc>
+              <a:spcBef>
+                <a:spcPts val="975"/>
+              </a:spcBef>
+              <a:buFont typeface="Corbel" panose="020B0503020204020204" pitchFamily="34" charset="0"/>
+              <a:buChar char="–"/>
+              <a:defRPr sz="1050" kern="1200">
+                <a:solidFill>
+                  <a:schemeClr val="tx1">
+                    <a:lumMod val="85000"/>
+                    <a:lumOff val="15000"/>
+                  </a:schemeClr>
+                </a:solidFill>
+                <a:latin typeface="+mn-lt"/>
+                <a:ea typeface="+mn-ea"/>
+                <a:cs typeface="+mn-cs"/>
+              </a:defRPr>
+            </a:lvl8pPr>
+            <a:lvl9pPr marL="212598" indent="-212598" algn="l" defTabSz="685800" rtl="0" eaLnBrk="1" latinLnBrk="0" hangingPunct="1">
+              <a:lnSpc>
+                <a:spcPct val="112000"/>
+              </a:lnSpc>
+              <a:spcBef>
+                <a:spcPts val="975"/>
+              </a:spcBef>
+              <a:buFont typeface="Arial" panose="020B0604020202020204" pitchFamily="34" charset="0"/>
+              <a:buChar char="•"/>
+              <a:defRPr sz="1050" i="1" kern="1200" baseline="0">
+                <a:solidFill>
+                  <a:schemeClr val="tx1">
+                    <a:lumMod val="85000"/>
+                    <a:lumOff val="15000"/>
+                  </a:schemeClr>
+                </a:solidFill>
+                <a:latin typeface="+mn-lt"/>
+                <a:ea typeface="+mn-ea"/>
+                <a:cs typeface="+mn-cs"/>
+              </a:defRPr>
+            </a:lvl9pPr>
+          </a:lstStyle>
+          <a:p>
+            <a:pPr>
+              <a:lnSpc>
+                <a:spcPct val="150000"/>
+              </a:lnSpc>
+            </a:pPr>
+            <a:r>
+              <a:rPr lang="en-US" sz="2800" dirty="0"/>
+              <a:t>AWS BI tool to easily and quickly gain business insight from data </a:t>
+            </a:r>
+          </a:p>
+          <a:p>
+            <a:pPr>
+              <a:lnSpc>
+                <a:spcPct val="150000"/>
+              </a:lnSpc>
+            </a:pPr>
+            <a:r>
+              <a:rPr lang="en-US" sz="2800" dirty="0"/>
+              <a:t>Easily create visualizations </a:t>
+            </a:r>
+          </a:p>
+          <a:p>
+            <a:pPr>
+              <a:lnSpc>
+                <a:spcPct val="150000"/>
+              </a:lnSpc>
+            </a:pPr>
+            <a:r>
+              <a:rPr lang="en-US" sz="2800" dirty="0"/>
+              <a:t>Do ad-hoc analysis</a:t>
+            </a:r>
+          </a:p>
+          <a:p>
+            <a:pPr>
+              <a:lnSpc>
+                <a:spcPct val="150000"/>
+              </a:lnSpc>
+            </a:pPr>
+            <a:r>
+              <a:rPr lang="en-US" sz="2800" dirty="0"/>
+              <a:t>Gain insight from large data sets quickly with SPICE</a:t>
+            </a:r>
+          </a:p>
+          <a:p>
+            <a:pPr marL="609585" indent="-304792" defTabSz="914377">
+              <a:spcBef>
+                <a:spcPts val="0"/>
+              </a:spcBef>
+              <a:buFont typeface="Arial" panose="020B0604020202020204" pitchFamily="34" charset="0"/>
+              <a:buChar char="●"/>
+            </a:pPr>
+            <a:endParaRPr lang="en" sz="3200" dirty="0">
+              <a:solidFill>
+                <a:prstClr val="white">
+                  <a:lumMod val="75000"/>
+                  <a:lumOff val="25000"/>
+                </a:prstClr>
+              </a:solidFill>
+              <a:latin typeface="Arial" panose="020B0604020202020204" pitchFamily="34" charset="0"/>
+              <a:cs typeface="Arial" panose="020B0604020202020204" pitchFamily="34" charset="0"/>
+              <a:sym typeface="Arial"/>
+            </a:endParaRPr>
+          </a:p>
+        </p:txBody>
+      </p:sp>
+      <p:sp>
+        <p:nvSpPr>
+          <p:cNvPr id="2" name="AutoShape 2" descr="Image result for amazon quicksight logo"/>
           <p:cNvSpPr>
-            <a:spLocks noGrp="1"/>
-          </p:cNvSpPr>
-          <p:nvPr>
-            <p:ph type="title"/>
-          </p:nvPr>
-        </p:nvSpPr>
-        <p:spPr/>
-        <p:txBody>
-          <a:bodyPr/>
+            <a:spLocks noChangeAspect="1" noChangeArrowheads="1"/>
+          </p:cNvSpPr>
+          <p:nvPr/>
+        </p:nvSpPr>
+        <p:spPr bwMode="auto">
+          <a:xfrm>
+            <a:off x="5943599" y="3276599"/>
+            <a:ext cx="2754351" cy="2754351"/>
+          </a:xfrm>
+          <a:prstGeom prst="rect">
+            <a:avLst/>
+          </a:prstGeom>
+          <a:noFill/>
+          <a:extLst>
+            <a:ext uri="{909E8E84-426E-40DD-AFC4-6F175D3DCCD1}">
+              <a14:hiddenFill xmlns:a14="http://schemas.microsoft.com/office/drawing/2010/main">
+                <a:solidFill>
+                  <a:srgbClr val="FFFFFF"/>
+                </a:solidFill>
+              </a14:hiddenFill>
+            </a:ext>
+          </a:extLst>
+        </p:spPr>
+        <p:txBody>
+          <a:bodyPr vert="horz" wrap="square" lIns="91440" tIns="45720" rIns="91440" bIns="45720" numCol="1" anchor="t" anchorCtr="0" compatLnSpc="1">
+            <a:prstTxWarp prst="textNoShape">
+              <a:avLst/>
+            </a:prstTxWarp>
+          </a:bodyPr>
           <a:lstStyle/>
           <a:p>
-            <a:r>
-              <a:rPr lang="en-US" dirty="0" err="1"/>
-              <a:t>QuickSight</a:t>
-            </a:r>
-            <a:r>
-              <a:rPr lang="en-US" dirty="0"/>
-              <a:t> Overview</a:t>
-            </a:r>
-          </a:p>
-        </p:txBody>
-      </p:sp>
-      <p:sp>
-        <p:nvSpPr>
-          <p:cNvPr id="3" name="Content Placeholder 2"/>
-          <p:cNvSpPr>
-            <a:spLocks noGrp="1"/>
-          </p:cNvSpPr>
-          <p:nvPr>
-            <p:ph idx="1"/>
-          </p:nvPr>
-        </p:nvSpPr>
-        <p:spPr/>
-        <p:txBody>
-          <a:bodyPr/>
-          <a:lstStyle/>
-          <a:p>
-            <a:r>
-              <a:rPr lang="en-US" dirty="0"/>
-              <a:t>Recently released (2015) BI tool to easily and quickly gain business insight from data </a:t>
-            </a:r>
-          </a:p>
-          <a:p>
-            <a:r>
-              <a:rPr lang="en-US" dirty="0"/>
-              <a:t>Easily create visualizations </a:t>
-            </a:r>
-          </a:p>
-          <a:p>
-            <a:r>
-              <a:rPr lang="en-US" dirty="0"/>
-              <a:t>Do ad-hoc analysis</a:t>
-            </a:r>
-          </a:p>
-          <a:p>
-            <a:r>
-              <a:rPr lang="en-US" dirty="0"/>
-              <a:t>Gain insight from large data sets quickly with SPICE</a:t>
-            </a:r>
-          </a:p>
-        </p:txBody>
-      </p:sp>
+            <a:endParaRPr lang="en-US"/>
+          </a:p>
+        </p:txBody>
+      </p:sp>
+      <p:pic>
+        <p:nvPicPr>
+          <p:cNvPr id="3" name="Picture 2"/>
+          <p:cNvPicPr>
+            <a:picLocks noChangeAspect="1"/>
+          </p:cNvPicPr>
+          <p:nvPr/>
+        </p:nvPicPr>
+        <p:blipFill>
+          <a:blip r:embed="rId3"/>
+          <a:stretch>
+            <a:fillRect/>
+          </a:stretch>
+        </p:blipFill>
+        <p:spPr>
+          <a:xfrm>
+            <a:off x="9733670" y="4759631"/>
+            <a:ext cx="1666295" cy="1666295"/>
+          </a:xfrm>
+          <a:prstGeom prst="rect">
+            <a:avLst/>
+          </a:prstGeom>
+        </p:spPr>
+      </p:pic>
     </p:spTree>
     <p:extLst>
       <p:ext uri="{BB962C8B-B14F-4D97-AF65-F5344CB8AC3E}">
-        <p14:creationId xmlns:p14="http://schemas.microsoft.com/office/powerpoint/2010/main" val="491479012"/>
+        <p14:creationId xmlns:p14="http://schemas.microsoft.com/office/powerpoint/2010/main" val="3547429507"/>
       </p:ext>
     </p:extLst>
   </p:cSld>
@@ -3214,121 +6491,405 @@
       </p:grpSpPr>
       <p:sp>
         <p:nvSpPr>
-          <p:cNvPr id="2" name="Title 1"/>
-          <p:cNvSpPr>
+          <p:cNvPr id="7" name="Shape 81"/>
+          <p:cNvSpPr txBox="1">
             <a:spLocks noGrp="1"/>
           </p:cNvSpPr>
           <p:nvPr>
             <p:ph type="title"/>
           </p:nvPr>
         </p:nvSpPr>
-        <p:spPr/>
-        <p:txBody>
-          <a:bodyPr/>
+        <p:spPr>
+          <a:xfrm>
+            <a:off x="762000" y="559680"/>
+            <a:ext cx="10637965" cy="721816"/>
+          </a:xfrm>
+          <a:prstGeom prst="rect">
+            <a:avLst/>
+          </a:prstGeom>
+        </p:spPr>
+        <p:txBody>
+          <a:bodyPr vert="horz" lIns="121900" tIns="121900" rIns="121900" bIns="121900" rtlCol="0" anchor="t" anchorCtr="0">
+            <a:noAutofit/>
+          </a:bodyPr>
           <a:lstStyle/>
           <a:p>
-            <a:r>
-              <a:rPr lang="en-US" dirty="0"/>
-              <a:t>Database Connection</a:t>
-            </a:r>
-          </a:p>
-        </p:txBody>
-      </p:sp>
-      <p:sp>
-        <p:nvSpPr>
-          <p:cNvPr id="3" name="Content Placeholder 2"/>
-          <p:cNvSpPr>
-            <a:spLocks noGrp="1"/>
-          </p:cNvSpPr>
-          <p:nvPr>
-            <p:ph idx="1"/>
-          </p:nvPr>
-        </p:nvSpPr>
-        <p:spPr/>
-        <p:txBody>
-          <a:bodyPr/>
-          <a:lstStyle/>
-          <a:p>
-            <a:r>
-              <a:rPr lang="en-US" dirty="0" err="1"/>
+            <a:pPr algn="l">
+              <a:spcBef>
+                <a:spcPts val="0"/>
+              </a:spcBef>
+              <a:buClr>
+                <a:schemeClr val="dk1"/>
+              </a:buClr>
+              <a:buSzPct val="39285"/>
+            </a:pPr>
+            <a:r>
+              <a:rPr lang="en" sz="3733" i="0" dirty="0">
+                <a:solidFill>
+                  <a:schemeClr val="tx1">
+                    <a:lumMod val="75000"/>
+                    <a:lumOff val="25000"/>
+                  </a:schemeClr>
+                </a:solidFill>
+                <a:latin typeface="Arial" panose="020B0604020202020204" pitchFamily="34" charset="0"/>
+                <a:cs typeface="Arial" panose="020B0604020202020204" pitchFamily="34" charset="0"/>
+              </a:rPr>
+              <a:t>Database Connectivity</a:t>
+            </a:r>
+            <a:endParaRPr lang="en" sz="3733" i="0" dirty="0">
+              <a:solidFill>
+                <a:srgbClr val="EEB500"/>
+              </a:solidFill>
+              <a:latin typeface="Arial" panose="020B0604020202020204" pitchFamily="34" charset="0"/>
+              <a:cs typeface="Arial" panose="020B0604020202020204" pitchFamily="34" charset="0"/>
+            </a:endParaRPr>
+          </a:p>
+        </p:txBody>
+      </p:sp>
+      <p:sp>
+        <p:nvSpPr>
+          <p:cNvPr id="8" name="Shape 82"/>
+          <p:cNvSpPr txBox="1">
+            <a:spLocks/>
+          </p:cNvSpPr>
+          <p:nvPr/>
+        </p:nvSpPr>
+        <p:spPr>
+          <a:xfrm>
+            <a:off x="828193" y="1827805"/>
+            <a:ext cx="11360800" cy="4555200"/>
+          </a:xfrm>
+          <a:prstGeom prst="rect">
+            <a:avLst/>
+          </a:prstGeom>
+        </p:spPr>
+        <p:txBody>
+          <a:bodyPr vert="horz" lIns="121900" tIns="121900" rIns="121900" bIns="121900" rtlCol="0" anchor="t" anchorCtr="0">
+            <a:noAutofit/>
+          </a:bodyPr>
+          <a:lstStyle>
+            <a:lvl1pPr marL="212598" indent="-212598" algn="l" defTabSz="685800" rtl="0" eaLnBrk="1" latinLnBrk="0" hangingPunct="1">
+              <a:lnSpc>
+                <a:spcPct val="112000"/>
+              </a:lnSpc>
+              <a:spcBef>
+                <a:spcPts val="675"/>
+              </a:spcBef>
+              <a:buFont typeface="Arial" panose="020B0604020202020204" pitchFamily="34" charset="0"/>
+              <a:buChar char="•"/>
+              <a:defRPr sz="1500" kern="1200" baseline="0">
+                <a:solidFill>
+                  <a:schemeClr val="tx1">
+                    <a:lumMod val="85000"/>
+                    <a:lumOff val="15000"/>
+                  </a:schemeClr>
+                </a:solidFill>
+                <a:latin typeface="+mn-lt"/>
+                <a:ea typeface="+mn-ea"/>
+                <a:cs typeface="+mn-cs"/>
+              </a:defRPr>
+            </a:lvl1pPr>
+            <a:lvl2pPr marL="212598" indent="-212598" algn="l" defTabSz="685800" rtl="0" eaLnBrk="1" latinLnBrk="0" hangingPunct="1">
+              <a:lnSpc>
+                <a:spcPct val="112000"/>
+              </a:lnSpc>
+              <a:spcBef>
+                <a:spcPts val="675"/>
+              </a:spcBef>
+              <a:buFont typeface="Corbel" panose="020B0503020204020204" pitchFamily="34" charset="0"/>
+              <a:buChar char="–"/>
+              <a:defRPr sz="1350" kern="1200" baseline="0">
+                <a:solidFill>
+                  <a:schemeClr val="tx1">
+                    <a:lumMod val="85000"/>
+                    <a:lumOff val="15000"/>
+                  </a:schemeClr>
+                </a:solidFill>
+                <a:latin typeface="+mn-lt"/>
+                <a:ea typeface="+mn-ea"/>
+                <a:cs typeface="+mn-cs"/>
+              </a:defRPr>
+            </a:lvl2pPr>
+            <a:lvl3pPr marL="212598" indent="-212598" algn="l" defTabSz="685800" rtl="0" eaLnBrk="1" latinLnBrk="0" hangingPunct="1">
+              <a:lnSpc>
+                <a:spcPct val="112000"/>
+              </a:lnSpc>
+              <a:spcBef>
+                <a:spcPts val="675"/>
+              </a:spcBef>
+              <a:buFont typeface="Arial" panose="020B0604020202020204" pitchFamily="34" charset="0"/>
+              <a:buChar char="•"/>
+              <a:defRPr sz="1200" kern="1200" baseline="0">
+                <a:solidFill>
+                  <a:schemeClr val="tx1">
+                    <a:lumMod val="85000"/>
+                    <a:lumOff val="15000"/>
+                  </a:schemeClr>
+                </a:solidFill>
+                <a:latin typeface="+mn-lt"/>
+                <a:ea typeface="+mn-ea"/>
+                <a:cs typeface="+mn-cs"/>
+              </a:defRPr>
+            </a:lvl3pPr>
+            <a:lvl4pPr marL="212598" indent="-212598" algn="l" defTabSz="685800" rtl="0" eaLnBrk="1" latinLnBrk="0" hangingPunct="1">
+              <a:lnSpc>
+                <a:spcPct val="112000"/>
+              </a:lnSpc>
+              <a:spcBef>
+                <a:spcPts val="675"/>
+              </a:spcBef>
+              <a:buFont typeface="Corbel" panose="020B0503020204020204" pitchFamily="34" charset="0"/>
+              <a:buChar char="–"/>
+              <a:defRPr sz="1050" kern="1200" baseline="0">
+                <a:solidFill>
+                  <a:schemeClr val="tx1">
+                    <a:lumMod val="85000"/>
+                    <a:lumOff val="15000"/>
+                  </a:schemeClr>
+                </a:solidFill>
+                <a:latin typeface="+mn-lt"/>
+                <a:ea typeface="+mn-ea"/>
+                <a:cs typeface="+mn-cs"/>
+              </a:defRPr>
+            </a:lvl4pPr>
+            <a:lvl5pPr marL="212598" indent="-212598" algn="l" defTabSz="685800" rtl="0" eaLnBrk="1" latinLnBrk="0" hangingPunct="1">
+              <a:lnSpc>
+                <a:spcPct val="112000"/>
+              </a:lnSpc>
+              <a:spcBef>
+                <a:spcPts val="675"/>
+              </a:spcBef>
+              <a:buFont typeface="Arial" panose="020B0604020202020204" pitchFamily="34" charset="0"/>
+              <a:buChar char="•"/>
+              <a:defRPr sz="1050" i="1" kern="1200" baseline="0">
+                <a:solidFill>
+                  <a:schemeClr val="tx1">
+                    <a:lumMod val="85000"/>
+                    <a:lumOff val="15000"/>
+                  </a:schemeClr>
+                </a:solidFill>
+                <a:latin typeface="+mn-lt"/>
+                <a:ea typeface="+mn-ea"/>
+                <a:cs typeface="+mn-cs"/>
+              </a:defRPr>
+            </a:lvl5pPr>
+            <a:lvl6pPr marL="212598" indent="-212598" algn="l" defTabSz="685800" rtl="0" eaLnBrk="1" latinLnBrk="0" hangingPunct="1">
+              <a:lnSpc>
+                <a:spcPct val="112000"/>
+              </a:lnSpc>
+              <a:spcBef>
+                <a:spcPts val="975"/>
+              </a:spcBef>
+              <a:buFont typeface="Corbel" panose="020B0503020204020204" pitchFamily="34" charset="0"/>
+              <a:buChar char="–"/>
+              <a:defRPr sz="1050" kern="1200">
+                <a:solidFill>
+                  <a:schemeClr val="tx1">
+                    <a:lumMod val="85000"/>
+                    <a:lumOff val="15000"/>
+                  </a:schemeClr>
+                </a:solidFill>
+                <a:latin typeface="+mn-lt"/>
+                <a:ea typeface="+mn-ea"/>
+                <a:cs typeface="+mn-cs"/>
+              </a:defRPr>
+            </a:lvl6pPr>
+            <a:lvl7pPr marL="212598" indent="-212598" algn="l" defTabSz="685800" rtl="0" eaLnBrk="1" latinLnBrk="0" hangingPunct="1">
+              <a:lnSpc>
+                <a:spcPct val="112000"/>
+              </a:lnSpc>
+              <a:spcBef>
+                <a:spcPts val="975"/>
+              </a:spcBef>
+              <a:buFont typeface="Arial" panose="020B0604020202020204" pitchFamily="34" charset="0"/>
+              <a:buChar char="•"/>
+              <a:defRPr sz="1050" i="1" kern="1200">
+                <a:solidFill>
+                  <a:schemeClr val="tx1">
+                    <a:lumMod val="85000"/>
+                    <a:lumOff val="15000"/>
+                  </a:schemeClr>
+                </a:solidFill>
+                <a:latin typeface="+mn-lt"/>
+                <a:ea typeface="+mn-ea"/>
+                <a:cs typeface="+mn-cs"/>
+              </a:defRPr>
+            </a:lvl7pPr>
+            <a:lvl8pPr marL="212598" indent="-212598" algn="l" defTabSz="685800" rtl="0" eaLnBrk="1" latinLnBrk="0" hangingPunct="1">
+              <a:lnSpc>
+                <a:spcPct val="112000"/>
+              </a:lnSpc>
+              <a:spcBef>
+                <a:spcPts val="975"/>
+              </a:spcBef>
+              <a:buFont typeface="Corbel" panose="020B0503020204020204" pitchFamily="34" charset="0"/>
+              <a:buChar char="–"/>
+              <a:defRPr sz="1050" kern="1200">
+                <a:solidFill>
+                  <a:schemeClr val="tx1">
+                    <a:lumMod val="85000"/>
+                    <a:lumOff val="15000"/>
+                  </a:schemeClr>
+                </a:solidFill>
+                <a:latin typeface="+mn-lt"/>
+                <a:ea typeface="+mn-ea"/>
+                <a:cs typeface="+mn-cs"/>
+              </a:defRPr>
+            </a:lvl8pPr>
+            <a:lvl9pPr marL="212598" indent="-212598" algn="l" defTabSz="685800" rtl="0" eaLnBrk="1" latinLnBrk="0" hangingPunct="1">
+              <a:lnSpc>
+                <a:spcPct val="112000"/>
+              </a:lnSpc>
+              <a:spcBef>
+                <a:spcPts val="975"/>
+              </a:spcBef>
+              <a:buFont typeface="Arial" panose="020B0604020202020204" pitchFamily="34" charset="0"/>
+              <a:buChar char="•"/>
+              <a:defRPr sz="1050" i="1" kern="1200" baseline="0">
+                <a:solidFill>
+                  <a:schemeClr val="tx1">
+                    <a:lumMod val="85000"/>
+                    <a:lumOff val="15000"/>
+                  </a:schemeClr>
+                </a:solidFill>
+                <a:latin typeface="+mn-lt"/>
+                <a:ea typeface="+mn-ea"/>
+                <a:cs typeface="+mn-cs"/>
+              </a:defRPr>
+            </a:lvl9pPr>
+          </a:lstStyle>
+          <a:p>
+            <a:r>
+              <a:rPr lang="en-US" sz="2800" dirty="0" err="1"/>
               <a:t>QuickSight</a:t>
             </a:r>
             <a:r>
-              <a:rPr lang="en-US" dirty="0"/>
+              <a:rPr lang="en-US" sz="2800" dirty="0"/>
               <a:t> connects to a variety of data sources:</a:t>
             </a:r>
+            <a:endParaRPr lang="en-US" sz="2350" dirty="0"/>
+          </a:p>
+          <a:p>
+            <a:pPr lvl="7"/>
+            <a:r>
+              <a:rPr lang="en-US" sz="2100" dirty="0"/>
+              <a:t>CSV or excel files</a:t>
+            </a:r>
           </a:p>
           <a:p>
             <a:pPr lvl="1"/>
             <a:r>
-              <a:rPr lang="en-US" dirty="0"/>
-              <a:t>CSV or excel files</a:t>
+              <a:rPr lang="en-US" sz="2400" dirty="0"/>
+              <a:t>Redshift</a:t>
             </a:r>
           </a:p>
           <a:p>
             <a:pPr lvl="1"/>
             <a:r>
-              <a:rPr lang="en-US" dirty="0"/>
-              <a:t>Redshift</a:t>
+              <a:rPr lang="en-US" sz="2400" dirty="0"/>
+              <a:t>RDS</a:t>
             </a:r>
           </a:p>
           <a:p>
             <a:pPr lvl="1"/>
             <a:r>
-              <a:rPr lang="en-US" dirty="0"/>
-              <a:t>RDS</a:t>
+              <a:rPr lang="en-US" sz="2400" dirty="0"/>
+              <a:t>Aurora</a:t>
             </a:r>
           </a:p>
           <a:p>
             <a:pPr lvl="1"/>
             <a:r>
-              <a:rPr lang="en-US" dirty="0"/>
-              <a:t>Aurora</a:t>
+              <a:rPr lang="en-US" sz="2400" dirty="0"/>
+              <a:t>Athena</a:t>
             </a:r>
           </a:p>
           <a:p>
             <a:pPr lvl="1"/>
             <a:r>
-              <a:rPr lang="en-US" dirty="0"/>
-              <a:t>Athena</a:t>
+              <a:rPr lang="en-US" sz="2400" dirty="0"/>
+              <a:t>SQL Server, MySQL and PostgreSQL</a:t>
             </a:r>
           </a:p>
           <a:p>
             <a:pPr lvl="1"/>
             <a:r>
-              <a:rPr lang="en-US" dirty="0"/>
-              <a:t>SQL Server, MySQL and PostgreSQL</a:t>
-            </a:r>
-          </a:p>
-          <a:p>
-            <a:pPr lvl="1"/>
-            <a:r>
-              <a:rPr lang="en-US" dirty="0"/>
+              <a:rPr lang="en-US" sz="2400" dirty="0"/>
               <a:t>In the near future </a:t>
             </a:r>
             <a:r>
-              <a:rPr lang="en-US" dirty="0" err="1"/>
+              <a:rPr lang="en-US" sz="2400" dirty="0" err="1"/>
               <a:t>QuickSight</a:t>
             </a:r>
             <a:r>
-              <a:rPr lang="en-US" dirty="0"/>
+              <a:rPr lang="en-US" sz="2400" dirty="0"/>
               <a:t> will also connect to EMR, </a:t>
             </a:r>
             <a:r>
-              <a:rPr lang="en-US" dirty="0" err="1"/>
+              <a:rPr lang="en-US" sz="2400" dirty="0" err="1"/>
               <a:t>DynamoDB</a:t>
             </a:r>
             <a:r>
-              <a:rPr lang="en-US" dirty="0"/>
+              <a:rPr lang="en-US" sz="2400" dirty="0"/>
               <a:t> and Kinesis</a:t>
             </a:r>
           </a:p>
-        </p:txBody>
-      </p:sp>
+          <a:p>
+            <a:pPr marL="609585" indent="-304792" defTabSz="914377">
+              <a:spcBef>
+                <a:spcPts val="0"/>
+              </a:spcBef>
+              <a:buFont typeface="Arial" panose="020B0604020202020204" pitchFamily="34" charset="0"/>
+              <a:buChar char="●"/>
+            </a:pPr>
+            <a:endParaRPr lang="en" sz="3200" dirty="0">
+              <a:solidFill>
+                <a:prstClr val="white">
+                  <a:lumMod val="75000"/>
+                  <a:lumOff val="25000"/>
+                </a:prstClr>
+              </a:solidFill>
+              <a:latin typeface="Arial" panose="020B0604020202020204" pitchFamily="34" charset="0"/>
+              <a:cs typeface="Arial" panose="020B0604020202020204" pitchFamily="34" charset="0"/>
+              <a:sym typeface="Arial"/>
+            </a:endParaRPr>
+          </a:p>
+        </p:txBody>
+      </p:sp>
+      <p:pic>
+        <p:nvPicPr>
+          <p:cNvPr id="6" name="Picture 5" descr="File:&lt;strong&gt;AWS&lt;/strong&gt; Simple Icons Database Amazon RDS.svg - Wikimedia Commons"/>
+          <p:cNvPicPr>
+            <a:picLocks noChangeAspect="1"/>
+          </p:cNvPicPr>
+          <p:nvPr/>
+        </p:nvPicPr>
+        <p:blipFill>
+          <a:blip r:embed="rId3">
+            <a:extLst>
+              <a:ext uri="{28A0092B-C50C-407E-A947-70E740481C1C}">
+                <a14:useLocalDpi xmlns:a14="http://schemas.microsoft.com/office/drawing/2010/main" val="0"/>
+              </a:ext>
+            </a:extLst>
+          </a:blip>
+          <a:stretch>
+            <a:fillRect/>
+          </a:stretch>
+        </p:blipFill>
+        <p:spPr>
+          <a:xfrm>
+            <a:off x="9279673" y="2224603"/>
+            <a:ext cx="2663283" cy="2663283"/>
+          </a:xfrm>
+          <a:prstGeom prst="rect">
+            <a:avLst/>
+          </a:prstGeom>
+        </p:spPr>
+      </p:pic>
     </p:spTree>
     <p:extLst>
       <p:ext uri="{BB962C8B-B14F-4D97-AF65-F5344CB8AC3E}">
-        <p14:creationId xmlns:p14="http://schemas.microsoft.com/office/powerpoint/2010/main" val="3331489357"/>
+        <p14:creationId xmlns:p14="http://schemas.microsoft.com/office/powerpoint/2010/main" val="3727343323"/>
       </p:ext>
     </p:extLst>
   </p:cSld>
@@ -3357,114 +6918,358 @@
       </p:grpSpPr>
       <p:sp>
         <p:nvSpPr>
-          <p:cNvPr id="2" name="Title 1"/>
-          <p:cNvSpPr>
+          <p:cNvPr id="7" name="Shape 81"/>
+          <p:cNvSpPr txBox="1">
             <a:spLocks noGrp="1"/>
           </p:cNvSpPr>
           <p:nvPr>
             <p:ph type="title"/>
           </p:nvPr>
         </p:nvSpPr>
-        <p:spPr/>
-        <p:txBody>
-          <a:bodyPr/>
+        <p:spPr>
+          <a:xfrm>
+            <a:off x="762000" y="559680"/>
+            <a:ext cx="10637965" cy="721816"/>
+          </a:xfrm>
+          <a:prstGeom prst="rect">
+            <a:avLst/>
+          </a:prstGeom>
+        </p:spPr>
+        <p:txBody>
+          <a:bodyPr vert="horz" lIns="121900" tIns="121900" rIns="121900" bIns="121900" rtlCol="0" anchor="t" anchorCtr="0">
+            <a:noAutofit/>
+          </a:bodyPr>
           <a:lstStyle/>
           <a:p>
-            <a:r>
-              <a:rPr lang="en-US" dirty="0"/>
-              <a:t>Using Data in </a:t>
-            </a:r>
-            <a:r>
-              <a:rPr lang="en-US" dirty="0" err="1"/>
+            <a:pPr algn="l">
+              <a:spcBef>
+                <a:spcPts val="0"/>
+              </a:spcBef>
+              <a:buClr>
+                <a:schemeClr val="dk1"/>
+              </a:buClr>
+              <a:buSzPct val="39285"/>
+            </a:pPr>
+            <a:r>
+              <a:rPr lang="en" sz="3733" i="0" dirty="0">
+                <a:solidFill>
+                  <a:schemeClr val="tx1">
+                    <a:lumMod val="75000"/>
+                    <a:lumOff val="25000"/>
+                  </a:schemeClr>
+                </a:solidFill>
+                <a:latin typeface="Arial" panose="020B0604020202020204" pitchFamily="34" charset="0"/>
+                <a:cs typeface="Arial" panose="020B0604020202020204" pitchFamily="34" charset="0"/>
+              </a:rPr>
+              <a:t>Using Data in QuickSight</a:t>
+            </a:r>
+            <a:endParaRPr lang="en" sz="3733" i="0" dirty="0">
+              <a:solidFill>
+                <a:srgbClr val="EEB500"/>
+              </a:solidFill>
+              <a:latin typeface="Arial" panose="020B0604020202020204" pitchFamily="34" charset="0"/>
+              <a:cs typeface="Arial" panose="020B0604020202020204" pitchFamily="34" charset="0"/>
+            </a:endParaRPr>
+          </a:p>
+        </p:txBody>
+      </p:sp>
+      <p:sp>
+        <p:nvSpPr>
+          <p:cNvPr id="8" name="Shape 82"/>
+          <p:cNvSpPr txBox="1">
+            <a:spLocks/>
+          </p:cNvSpPr>
+          <p:nvPr/>
+        </p:nvSpPr>
+        <p:spPr>
+          <a:xfrm>
+            <a:off x="794737" y="1827805"/>
+            <a:ext cx="11360800" cy="4555200"/>
+          </a:xfrm>
+          <a:prstGeom prst="rect">
+            <a:avLst/>
+          </a:prstGeom>
+        </p:spPr>
+        <p:txBody>
+          <a:bodyPr vert="horz" lIns="121900" tIns="121900" rIns="121900" bIns="121900" rtlCol="0" anchor="t" anchorCtr="0">
+            <a:noAutofit/>
+          </a:bodyPr>
+          <a:lstStyle>
+            <a:lvl1pPr marL="212598" indent="-212598" algn="l" defTabSz="685800" rtl="0" eaLnBrk="1" latinLnBrk="0" hangingPunct="1">
+              <a:lnSpc>
+                <a:spcPct val="112000"/>
+              </a:lnSpc>
+              <a:spcBef>
+                <a:spcPts val="675"/>
+              </a:spcBef>
+              <a:buFont typeface="Arial" panose="020B0604020202020204" pitchFamily="34" charset="0"/>
+              <a:buChar char="•"/>
+              <a:defRPr sz="1500" kern="1200" baseline="0">
+                <a:solidFill>
+                  <a:schemeClr val="tx1">
+                    <a:lumMod val="85000"/>
+                    <a:lumOff val="15000"/>
+                  </a:schemeClr>
+                </a:solidFill>
+                <a:latin typeface="+mn-lt"/>
+                <a:ea typeface="+mn-ea"/>
+                <a:cs typeface="+mn-cs"/>
+              </a:defRPr>
+            </a:lvl1pPr>
+            <a:lvl2pPr marL="212598" indent="-212598" algn="l" defTabSz="685800" rtl="0" eaLnBrk="1" latinLnBrk="0" hangingPunct="1">
+              <a:lnSpc>
+                <a:spcPct val="112000"/>
+              </a:lnSpc>
+              <a:spcBef>
+                <a:spcPts val="675"/>
+              </a:spcBef>
+              <a:buFont typeface="Corbel" panose="020B0503020204020204" pitchFamily="34" charset="0"/>
+              <a:buChar char="–"/>
+              <a:defRPr sz="1350" kern="1200" baseline="0">
+                <a:solidFill>
+                  <a:schemeClr val="tx1">
+                    <a:lumMod val="85000"/>
+                    <a:lumOff val="15000"/>
+                  </a:schemeClr>
+                </a:solidFill>
+                <a:latin typeface="+mn-lt"/>
+                <a:ea typeface="+mn-ea"/>
+                <a:cs typeface="+mn-cs"/>
+              </a:defRPr>
+            </a:lvl2pPr>
+            <a:lvl3pPr marL="212598" indent="-212598" algn="l" defTabSz="685800" rtl="0" eaLnBrk="1" latinLnBrk="0" hangingPunct="1">
+              <a:lnSpc>
+                <a:spcPct val="112000"/>
+              </a:lnSpc>
+              <a:spcBef>
+                <a:spcPts val="675"/>
+              </a:spcBef>
+              <a:buFont typeface="Arial" panose="020B0604020202020204" pitchFamily="34" charset="0"/>
+              <a:buChar char="•"/>
+              <a:defRPr sz="1200" kern="1200" baseline="0">
+                <a:solidFill>
+                  <a:schemeClr val="tx1">
+                    <a:lumMod val="85000"/>
+                    <a:lumOff val="15000"/>
+                  </a:schemeClr>
+                </a:solidFill>
+                <a:latin typeface="+mn-lt"/>
+                <a:ea typeface="+mn-ea"/>
+                <a:cs typeface="+mn-cs"/>
+              </a:defRPr>
+            </a:lvl3pPr>
+            <a:lvl4pPr marL="212598" indent="-212598" algn="l" defTabSz="685800" rtl="0" eaLnBrk="1" latinLnBrk="0" hangingPunct="1">
+              <a:lnSpc>
+                <a:spcPct val="112000"/>
+              </a:lnSpc>
+              <a:spcBef>
+                <a:spcPts val="675"/>
+              </a:spcBef>
+              <a:buFont typeface="Corbel" panose="020B0503020204020204" pitchFamily="34" charset="0"/>
+              <a:buChar char="–"/>
+              <a:defRPr sz="1050" kern="1200" baseline="0">
+                <a:solidFill>
+                  <a:schemeClr val="tx1">
+                    <a:lumMod val="85000"/>
+                    <a:lumOff val="15000"/>
+                  </a:schemeClr>
+                </a:solidFill>
+                <a:latin typeface="+mn-lt"/>
+                <a:ea typeface="+mn-ea"/>
+                <a:cs typeface="+mn-cs"/>
+              </a:defRPr>
+            </a:lvl4pPr>
+            <a:lvl5pPr marL="212598" indent="-212598" algn="l" defTabSz="685800" rtl="0" eaLnBrk="1" latinLnBrk="0" hangingPunct="1">
+              <a:lnSpc>
+                <a:spcPct val="112000"/>
+              </a:lnSpc>
+              <a:spcBef>
+                <a:spcPts val="675"/>
+              </a:spcBef>
+              <a:buFont typeface="Arial" panose="020B0604020202020204" pitchFamily="34" charset="0"/>
+              <a:buChar char="•"/>
+              <a:defRPr sz="1050" i="1" kern="1200" baseline="0">
+                <a:solidFill>
+                  <a:schemeClr val="tx1">
+                    <a:lumMod val="85000"/>
+                    <a:lumOff val="15000"/>
+                  </a:schemeClr>
+                </a:solidFill>
+                <a:latin typeface="+mn-lt"/>
+                <a:ea typeface="+mn-ea"/>
+                <a:cs typeface="+mn-cs"/>
+              </a:defRPr>
+            </a:lvl5pPr>
+            <a:lvl6pPr marL="212598" indent="-212598" algn="l" defTabSz="685800" rtl="0" eaLnBrk="1" latinLnBrk="0" hangingPunct="1">
+              <a:lnSpc>
+                <a:spcPct val="112000"/>
+              </a:lnSpc>
+              <a:spcBef>
+                <a:spcPts val="975"/>
+              </a:spcBef>
+              <a:buFont typeface="Corbel" panose="020B0503020204020204" pitchFamily="34" charset="0"/>
+              <a:buChar char="–"/>
+              <a:defRPr sz="1050" kern="1200">
+                <a:solidFill>
+                  <a:schemeClr val="tx1">
+                    <a:lumMod val="85000"/>
+                    <a:lumOff val="15000"/>
+                  </a:schemeClr>
+                </a:solidFill>
+                <a:latin typeface="+mn-lt"/>
+                <a:ea typeface="+mn-ea"/>
+                <a:cs typeface="+mn-cs"/>
+              </a:defRPr>
+            </a:lvl6pPr>
+            <a:lvl7pPr marL="212598" indent="-212598" algn="l" defTabSz="685800" rtl="0" eaLnBrk="1" latinLnBrk="0" hangingPunct="1">
+              <a:lnSpc>
+                <a:spcPct val="112000"/>
+              </a:lnSpc>
+              <a:spcBef>
+                <a:spcPts val="975"/>
+              </a:spcBef>
+              <a:buFont typeface="Arial" panose="020B0604020202020204" pitchFamily="34" charset="0"/>
+              <a:buChar char="•"/>
+              <a:defRPr sz="1050" i="1" kern="1200">
+                <a:solidFill>
+                  <a:schemeClr val="tx1">
+                    <a:lumMod val="85000"/>
+                    <a:lumOff val="15000"/>
+                  </a:schemeClr>
+                </a:solidFill>
+                <a:latin typeface="+mn-lt"/>
+                <a:ea typeface="+mn-ea"/>
+                <a:cs typeface="+mn-cs"/>
+              </a:defRPr>
+            </a:lvl7pPr>
+            <a:lvl8pPr marL="212598" indent="-212598" algn="l" defTabSz="685800" rtl="0" eaLnBrk="1" latinLnBrk="0" hangingPunct="1">
+              <a:lnSpc>
+                <a:spcPct val="112000"/>
+              </a:lnSpc>
+              <a:spcBef>
+                <a:spcPts val="975"/>
+              </a:spcBef>
+              <a:buFont typeface="Corbel" panose="020B0503020204020204" pitchFamily="34" charset="0"/>
+              <a:buChar char="–"/>
+              <a:defRPr sz="1050" kern="1200">
+                <a:solidFill>
+                  <a:schemeClr val="tx1">
+                    <a:lumMod val="85000"/>
+                    <a:lumOff val="15000"/>
+                  </a:schemeClr>
+                </a:solidFill>
+                <a:latin typeface="+mn-lt"/>
+                <a:ea typeface="+mn-ea"/>
+                <a:cs typeface="+mn-cs"/>
+              </a:defRPr>
+            </a:lvl8pPr>
+            <a:lvl9pPr marL="212598" indent="-212598" algn="l" defTabSz="685800" rtl="0" eaLnBrk="1" latinLnBrk="0" hangingPunct="1">
+              <a:lnSpc>
+                <a:spcPct val="112000"/>
+              </a:lnSpc>
+              <a:spcBef>
+                <a:spcPts val="975"/>
+              </a:spcBef>
+              <a:buFont typeface="Arial" panose="020B0604020202020204" pitchFamily="34" charset="0"/>
+              <a:buChar char="•"/>
+              <a:defRPr sz="1050" i="1" kern="1200" baseline="0">
+                <a:solidFill>
+                  <a:schemeClr val="tx1">
+                    <a:lumMod val="85000"/>
+                    <a:lumOff val="15000"/>
+                  </a:schemeClr>
+                </a:solidFill>
+                <a:latin typeface="+mn-lt"/>
+                <a:ea typeface="+mn-ea"/>
+                <a:cs typeface="+mn-cs"/>
+              </a:defRPr>
+            </a:lvl9pPr>
+          </a:lstStyle>
+          <a:p>
+            <a:r>
+              <a:rPr lang="en-US" sz="2800" dirty="0"/>
+              <a:t>Pull your desired data into a data set within </a:t>
+            </a:r>
+            <a:r>
+              <a:rPr lang="en-US" sz="2800" dirty="0" err="1"/>
               <a:t>QuickSight</a:t>
             </a:r>
-            <a:endParaRPr lang="en-US" dirty="0"/>
-          </a:p>
-        </p:txBody>
-      </p:sp>
-      <p:sp>
-        <p:nvSpPr>
-          <p:cNvPr id="3" name="Content Placeholder 2"/>
-          <p:cNvSpPr>
-            <a:spLocks noGrp="1"/>
-          </p:cNvSpPr>
-          <p:nvPr>
-            <p:ph idx="1"/>
-          </p:nvPr>
-        </p:nvSpPr>
-        <p:spPr/>
-        <p:txBody>
-          <a:bodyPr/>
-          <a:lstStyle/>
-          <a:p>
-            <a:r>
-              <a:rPr lang="en-US" dirty="0"/>
-              <a:t>Pull your desired data into a data set within </a:t>
-            </a:r>
-            <a:r>
-              <a:rPr lang="en-US" dirty="0" err="1"/>
+            <a:r>
+              <a:rPr lang="en-US" sz="2800" dirty="0"/>
+              <a:t> with no need to re-prepare the data for each analysis you do</a:t>
+            </a:r>
+          </a:p>
+          <a:p>
+            <a:r>
+              <a:rPr lang="en-US" sz="2800" dirty="0" err="1"/>
               <a:t>QuickSight</a:t>
             </a:r>
             <a:r>
-              <a:rPr lang="en-US" dirty="0"/>
-              <a:t> with no need to re-prepare the data for each analysis you do</a:t>
-            </a:r>
-          </a:p>
-          <a:p>
-            <a:r>
-              <a:rPr lang="en-US" dirty="0" err="1"/>
-              <a:t>QuickSight</a:t>
-            </a:r>
-            <a:r>
-              <a:rPr lang="en-US" dirty="0"/>
+              <a:rPr lang="en-US" sz="2800" dirty="0"/>
               <a:t> allows some data manipulation of data sets:</a:t>
             </a:r>
           </a:p>
           <a:p>
             <a:pPr lvl="1"/>
             <a:r>
-              <a:rPr lang="en-US" dirty="0"/>
+              <a:rPr lang="en-US" sz="2400" dirty="0"/>
               <a:t>Rename fields</a:t>
             </a:r>
           </a:p>
           <a:p>
             <a:pPr lvl="1"/>
             <a:r>
-              <a:rPr lang="en-US" dirty="0"/>
+              <a:rPr lang="en-US" sz="2400" dirty="0"/>
               <a:t>Change data types</a:t>
             </a:r>
           </a:p>
           <a:p>
             <a:pPr lvl="1"/>
             <a:r>
-              <a:rPr lang="en-US" dirty="0"/>
+              <a:rPr lang="en-US" sz="2400" dirty="0"/>
               <a:t>Create calculated fields</a:t>
             </a:r>
           </a:p>
           <a:p>
             <a:pPr lvl="1"/>
             <a:r>
-              <a:rPr lang="en-US" dirty="0"/>
+              <a:rPr lang="en-US" sz="2400" dirty="0"/>
               <a:t>Apply filters</a:t>
             </a:r>
           </a:p>
           <a:p>
             <a:pPr lvl="1"/>
             <a:r>
-              <a:rPr lang="en-US" dirty="0"/>
+              <a:rPr lang="en-US" sz="2400" dirty="0"/>
               <a:t>Join tables</a:t>
             </a:r>
           </a:p>
           <a:p>
-            <a:pPr lvl="1"/>
-            <a:endParaRPr lang="en-US" dirty="0"/>
+            <a:pPr marL="609585" indent="-304792" defTabSz="914377">
+              <a:spcBef>
+                <a:spcPts val="0"/>
+              </a:spcBef>
+              <a:buFont typeface="Arial" panose="020B0604020202020204" pitchFamily="34" charset="0"/>
+              <a:buChar char="●"/>
+            </a:pPr>
+            <a:endParaRPr lang="en" sz="3200" dirty="0">
+              <a:solidFill>
+                <a:prstClr val="white">
+                  <a:lumMod val="75000"/>
+                  <a:lumOff val="25000"/>
+                </a:prstClr>
+              </a:solidFill>
+              <a:latin typeface="Arial" panose="020B0604020202020204" pitchFamily="34" charset="0"/>
+              <a:cs typeface="Arial" panose="020B0604020202020204" pitchFamily="34" charset="0"/>
+              <a:sym typeface="Arial"/>
+            </a:endParaRPr>
           </a:p>
         </p:txBody>
       </p:sp>
     </p:spTree>
     <p:extLst>
       <p:ext uri="{BB962C8B-B14F-4D97-AF65-F5344CB8AC3E}">
-        <p14:creationId xmlns:p14="http://schemas.microsoft.com/office/powerpoint/2010/main" val="3611359632"/>
+        <p14:creationId xmlns:p14="http://schemas.microsoft.com/office/powerpoint/2010/main" val="1867455187"/>
       </p:ext>
     </p:extLst>
   </p:cSld>
@@ -3493,103 +7298,352 @@
       </p:grpSpPr>
       <p:sp>
         <p:nvSpPr>
-          <p:cNvPr id="2" name="Title 1"/>
-          <p:cNvSpPr>
+          <p:cNvPr id="7" name="Shape 81"/>
+          <p:cNvSpPr txBox="1">
             <a:spLocks noGrp="1"/>
           </p:cNvSpPr>
           <p:nvPr>
             <p:ph type="title"/>
           </p:nvPr>
         </p:nvSpPr>
-        <p:spPr/>
-        <p:txBody>
-          <a:bodyPr/>
+        <p:spPr>
+          <a:xfrm>
+            <a:off x="762000" y="559680"/>
+            <a:ext cx="10637965" cy="721816"/>
+          </a:xfrm>
+          <a:prstGeom prst="rect">
+            <a:avLst/>
+          </a:prstGeom>
+        </p:spPr>
+        <p:txBody>
+          <a:bodyPr vert="horz" lIns="121900" tIns="121900" rIns="121900" bIns="121900" rtlCol="0" anchor="t" anchorCtr="0">
+            <a:noAutofit/>
+          </a:bodyPr>
           <a:lstStyle/>
           <a:p>
-            <a:r>
-              <a:rPr lang="en-US" dirty="0"/>
+            <a:pPr algn="l">
+              <a:spcBef>
+                <a:spcPts val="0"/>
+              </a:spcBef>
+              <a:buClr>
+                <a:schemeClr val="dk1"/>
+              </a:buClr>
+              <a:buSzPct val="39285"/>
+            </a:pPr>
+            <a:r>
+              <a:rPr lang="en" sz="3733" i="0" dirty="0">
+                <a:solidFill>
+                  <a:schemeClr val="tx1">
+                    <a:lumMod val="75000"/>
+                    <a:lumOff val="25000"/>
+                  </a:schemeClr>
+                </a:solidFill>
+                <a:latin typeface="Arial" panose="020B0604020202020204" pitchFamily="34" charset="0"/>
+                <a:cs typeface="Arial" panose="020B0604020202020204" pitchFamily="34" charset="0"/>
+              </a:rPr>
               <a:t>Visualization</a:t>
             </a:r>
-          </a:p>
-        </p:txBody>
-      </p:sp>
-      <p:sp>
-        <p:nvSpPr>
-          <p:cNvPr id="3" name="Content Placeholder 2"/>
-          <p:cNvSpPr>
-            <a:spLocks noGrp="1"/>
-          </p:cNvSpPr>
-          <p:nvPr>
-            <p:ph idx="1"/>
-          </p:nvPr>
-        </p:nvSpPr>
-        <p:spPr/>
-        <p:txBody>
-          <a:bodyPr/>
-          <a:lstStyle/>
-          <a:p>
-            <a:r>
-              <a:rPr lang="en-US" dirty="0"/>
-              <a:t>Use a simple drag and drop UI to create charts and dashboards</a:t>
+            <a:endParaRPr lang="en" sz="3733" i="0" dirty="0">
+              <a:solidFill>
+                <a:srgbClr val="EEB500"/>
+              </a:solidFill>
+              <a:latin typeface="Arial" panose="020B0604020202020204" pitchFamily="34" charset="0"/>
+              <a:cs typeface="Arial" panose="020B0604020202020204" pitchFamily="34" charset="0"/>
+            </a:endParaRPr>
+          </a:p>
+        </p:txBody>
+      </p:sp>
+      <p:sp>
+        <p:nvSpPr>
+          <p:cNvPr id="8" name="Shape 82"/>
+          <p:cNvSpPr txBox="1">
+            <a:spLocks/>
+          </p:cNvSpPr>
+          <p:nvPr/>
+        </p:nvSpPr>
+        <p:spPr>
+          <a:xfrm>
+            <a:off x="761287" y="1827805"/>
+            <a:ext cx="11360800" cy="4555200"/>
+          </a:xfrm>
+          <a:prstGeom prst="rect">
+            <a:avLst/>
+          </a:prstGeom>
+        </p:spPr>
+        <p:txBody>
+          <a:bodyPr vert="horz" lIns="121900" tIns="121900" rIns="121900" bIns="121900" rtlCol="0" anchor="t" anchorCtr="0">
+            <a:noAutofit/>
+          </a:bodyPr>
+          <a:lstStyle>
+            <a:lvl1pPr marL="212598" indent="-212598" algn="l" defTabSz="685800" rtl="0" eaLnBrk="1" latinLnBrk="0" hangingPunct="1">
+              <a:lnSpc>
+                <a:spcPct val="112000"/>
+              </a:lnSpc>
+              <a:spcBef>
+                <a:spcPts val="675"/>
+              </a:spcBef>
+              <a:buFont typeface="Arial" panose="020B0604020202020204" pitchFamily="34" charset="0"/>
+              <a:buChar char="•"/>
+              <a:defRPr sz="1500" kern="1200" baseline="0">
+                <a:solidFill>
+                  <a:schemeClr val="tx1">
+                    <a:lumMod val="85000"/>
+                    <a:lumOff val="15000"/>
+                  </a:schemeClr>
+                </a:solidFill>
+                <a:latin typeface="+mn-lt"/>
+                <a:ea typeface="+mn-ea"/>
+                <a:cs typeface="+mn-cs"/>
+              </a:defRPr>
+            </a:lvl1pPr>
+            <a:lvl2pPr marL="212598" indent="-212598" algn="l" defTabSz="685800" rtl="0" eaLnBrk="1" latinLnBrk="0" hangingPunct="1">
+              <a:lnSpc>
+                <a:spcPct val="112000"/>
+              </a:lnSpc>
+              <a:spcBef>
+                <a:spcPts val="675"/>
+              </a:spcBef>
+              <a:buFont typeface="Corbel" panose="020B0503020204020204" pitchFamily="34" charset="0"/>
+              <a:buChar char="–"/>
+              <a:defRPr sz="1350" kern="1200" baseline="0">
+                <a:solidFill>
+                  <a:schemeClr val="tx1">
+                    <a:lumMod val="85000"/>
+                    <a:lumOff val="15000"/>
+                  </a:schemeClr>
+                </a:solidFill>
+                <a:latin typeface="+mn-lt"/>
+                <a:ea typeface="+mn-ea"/>
+                <a:cs typeface="+mn-cs"/>
+              </a:defRPr>
+            </a:lvl2pPr>
+            <a:lvl3pPr marL="212598" indent="-212598" algn="l" defTabSz="685800" rtl="0" eaLnBrk="1" latinLnBrk="0" hangingPunct="1">
+              <a:lnSpc>
+                <a:spcPct val="112000"/>
+              </a:lnSpc>
+              <a:spcBef>
+                <a:spcPts val="675"/>
+              </a:spcBef>
+              <a:buFont typeface="Arial" panose="020B0604020202020204" pitchFamily="34" charset="0"/>
+              <a:buChar char="•"/>
+              <a:defRPr sz="1200" kern="1200" baseline="0">
+                <a:solidFill>
+                  <a:schemeClr val="tx1">
+                    <a:lumMod val="85000"/>
+                    <a:lumOff val="15000"/>
+                  </a:schemeClr>
+                </a:solidFill>
+                <a:latin typeface="+mn-lt"/>
+                <a:ea typeface="+mn-ea"/>
+                <a:cs typeface="+mn-cs"/>
+              </a:defRPr>
+            </a:lvl3pPr>
+            <a:lvl4pPr marL="212598" indent="-212598" algn="l" defTabSz="685800" rtl="0" eaLnBrk="1" latinLnBrk="0" hangingPunct="1">
+              <a:lnSpc>
+                <a:spcPct val="112000"/>
+              </a:lnSpc>
+              <a:spcBef>
+                <a:spcPts val="675"/>
+              </a:spcBef>
+              <a:buFont typeface="Corbel" panose="020B0503020204020204" pitchFamily="34" charset="0"/>
+              <a:buChar char="–"/>
+              <a:defRPr sz="1050" kern="1200" baseline="0">
+                <a:solidFill>
+                  <a:schemeClr val="tx1">
+                    <a:lumMod val="85000"/>
+                    <a:lumOff val="15000"/>
+                  </a:schemeClr>
+                </a:solidFill>
+                <a:latin typeface="+mn-lt"/>
+                <a:ea typeface="+mn-ea"/>
+                <a:cs typeface="+mn-cs"/>
+              </a:defRPr>
+            </a:lvl4pPr>
+            <a:lvl5pPr marL="212598" indent="-212598" algn="l" defTabSz="685800" rtl="0" eaLnBrk="1" latinLnBrk="0" hangingPunct="1">
+              <a:lnSpc>
+                <a:spcPct val="112000"/>
+              </a:lnSpc>
+              <a:spcBef>
+                <a:spcPts val="675"/>
+              </a:spcBef>
+              <a:buFont typeface="Arial" panose="020B0604020202020204" pitchFamily="34" charset="0"/>
+              <a:buChar char="•"/>
+              <a:defRPr sz="1050" i="1" kern="1200" baseline="0">
+                <a:solidFill>
+                  <a:schemeClr val="tx1">
+                    <a:lumMod val="85000"/>
+                    <a:lumOff val="15000"/>
+                  </a:schemeClr>
+                </a:solidFill>
+                <a:latin typeface="+mn-lt"/>
+                <a:ea typeface="+mn-ea"/>
+                <a:cs typeface="+mn-cs"/>
+              </a:defRPr>
+            </a:lvl5pPr>
+            <a:lvl6pPr marL="212598" indent="-212598" algn="l" defTabSz="685800" rtl="0" eaLnBrk="1" latinLnBrk="0" hangingPunct="1">
+              <a:lnSpc>
+                <a:spcPct val="112000"/>
+              </a:lnSpc>
+              <a:spcBef>
+                <a:spcPts val="975"/>
+              </a:spcBef>
+              <a:buFont typeface="Corbel" panose="020B0503020204020204" pitchFamily="34" charset="0"/>
+              <a:buChar char="–"/>
+              <a:defRPr sz="1050" kern="1200">
+                <a:solidFill>
+                  <a:schemeClr val="tx1">
+                    <a:lumMod val="85000"/>
+                    <a:lumOff val="15000"/>
+                  </a:schemeClr>
+                </a:solidFill>
+                <a:latin typeface="+mn-lt"/>
+                <a:ea typeface="+mn-ea"/>
+                <a:cs typeface="+mn-cs"/>
+              </a:defRPr>
+            </a:lvl6pPr>
+            <a:lvl7pPr marL="212598" indent="-212598" algn="l" defTabSz="685800" rtl="0" eaLnBrk="1" latinLnBrk="0" hangingPunct="1">
+              <a:lnSpc>
+                <a:spcPct val="112000"/>
+              </a:lnSpc>
+              <a:spcBef>
+                <a:spcPts val="975"/>
+              </a:spcBef>
+              <a:buFont typeface="Arial" panose="020B0604020202020204" pitchFamily="34" charset="0"/>
+              <a:buChar char="•"/>
+              <a:defRPr sz="1050" i="1" kern="1200">
+                <a:solidFill>
+                  <a:schemeClr val="tx1">
+                    <a:lumMod val="85000"/>
+                    <a:lumOff val="15000"/>
+                  </a:schemeClr>
+                </a:solidFill>
+                <a:latin typeface="+mn-lt"/>
+                <a:ea typeface="+mn-ea"/>
+                <a:cs typeface="+mn-cs"/>
+              </a:defRPr>
+            </a:lvl7pPr>
+            <a:lvl8pPr marL="212598" indent="-212598" algn="l" defTabSz="685800" rtl="0" eaLnBrk="1" latinLnBrk="0" hangingPunct="1">
+              <a:lnSpc>
+                <a:spcPct val="112000"/>
+              </a:lnSpc>
+              <a:spcBef>
+                <a:spcPts val="975"/>
+              </a:spcBef>
+              <a:buFont typeface="Corbel" panose="020B0503020204020204" pitchFamily="34" charset="0"/>
+              <a:buChar char="–"/>
+              <a:defRPr sz="1050" kern="1200">
+                <a:solidFill>
+                  <a:schemeClr val="tx1">
+                    <a:lumMod val="85000"/>
+                    <a:lumOff val="15000"/>
+                  </a:schemeClr>
+                </a:solidFill>
+                <a:latin typeface="+mn-lt"/>
+                <a:ea typeface="+mn-ea"/>
+                <a:cs typeface="+mn-cs"/>
+              </a:defRPr>
+            </a:lvl8pPr>
+            <a:lvl9pPr marL="212598" indent="-212598" algn="l" defTabSz="685800" rtl="0" eaLnBrk="1" latinLnBrk="0" hangingPunct="1">
+              <a:lnSpc>
+                <a:spcPct val="112000"/>
+              </a:lnSpc>
+              <a:spcBef>
+                <a:spcPts val="975"/>
+              </a:spcBef>
+              <a:buFont typeface="Arial" panose="020B0604020202020204" pitchFamily="34" charset="0"/>
+              <a:buChar char="•"/>
+              <a:defRPr sz="1050" i="1" kern="1200" baseline="0">
+                <a:solidFill>
+                  <a:schemeClr val="tx1">
+                    <a:lumMod val="85000"/>
+                    <a:lumOff val="15000"/>
+                  </a:schemeClr>
+                </a:solidFill>
+                <a:latin typeface="+mn-lt"/>
+                <a:ea typeface="+mn-ea"/>
+                <a:cs typeface="+mn-cs"/>
+              </a:defRPr>
+            </a:lvl9pPr>
+          </a:lstStyle>
+          <a:p>
+            <a:r>
+              <a:rPr lang="en-US" sz="2400" dirty="0"/>
+              <a:t>Use a simple UI to create charts and dashboards</a:t>
             </a:r>
           </a:p>
           <a:p>
             <a:pPr lvl="1"/>
             <a:r>
-              <a:rPr lang="en-US" dirty="0"/>
+              <a:rPr lang="en-US" sz="2000" dirty="0"/>
               <a:t>Create bar charts, line graphs, area charts, scatter plots, heat maps, pie graphs, tree maps and pivot tables</a:t>
             </a:r>
           </a:p>
           <a:p>
             <a:pPr lvl="1"/>
             <a:r>
-              <a:rPr lang="en-US" dirty="0"/>
+              <a:rPr lang="en-US" sz="2000" dirty="0"/>
               <a:t>Gain quick insights from charts</a:t>
             </a:r>
           </a:p>
           <a:p>
             <a:r>
-              <a:rPr lang="en-US" dirty="0"/>
+              <a:rPr lang="en-US" sz="2400" dirty="0"/>
+              <a:t>Auto Graph</a:t>
+            </a:r>
+          </a:p>
+          <a:p>
+            <a:pPr lvl="1"/>
+            <a:r>
+              <a:rPr lang="en-US" sz="2000" dirty="0"/>
+              <a:t>Built-in suggestion engine to recommend visualizations based on your data</a:t>
+            </a:r>
+          </a:p>
+          <a:p>
+            <a:pPr lvl="1"/>
+            <a:r>
+              <a:rPr lang="en-US" sz="2000" dirty="0"/>
+              <a:t>The algorithm learns which charts best match your needs and preferences</a:t>
+            </a:r>
+          </a:p>
+          <a:p>
+            <a:pPr lvl="1"/>
+            <a:r>
+              <a:rPr lang="en-US" sz="2000" dirty="0"/>
+              <a:t>Offers choices of the most appropriate graph types</a:t>
+            </a:r>
+          </a:p>
+          <a:p>
+            <a:r>
+              <a:rPr lang="en-US" sz="2400" dirty="0"/>
               <a:t>Visualizations are accessible from any browser or compatible mobile device</a:t>
             </a:r>
           </a:p>
           <a:p>
-            <a:r>
-              <a:rPr lang="en-US" dirty="0"/>
-              <a:t>Auto Graph</a:t>
-            </a:r>
-          </a:p>
-          <a:p>
-            <a:pPr lvl="1"/>
-            <a:r>
-              <a:rPr lang="en-US" dirty="0"/>
-              <a:t>Built-in suggestion engine to recommend visualizations based on your data</a:t>
-            </a:r>
-          </a:p>
-          <a:p>
-            <a:pPr lvl="1"/>
-            <a:r>
-              <a:rPr lang="en-US" dirty="0"/>
-              <a:t>The algorithm learns which charts best match your needs and preferences</a:t>
-            </a:r>
-          </a:p>
-          <a:p>
-            <a:pPr lvl="1"/>
-            <a:r>
-              <a:rPr lang="en-US" dirty="0"/>
-              <a:t>Offers choices of the most appropriate graph types</a:t>
-            </a:r>
-          </a:p>
-          <a:p>
-            <a:pPr lvl="1"/>
-            <a:endParaRPr lang="en-US" dirty="0"/>
+            <a:pPr marL="609585" indent="-304792" defTabSz="914377">
+              <a:spcBef>
+                <a:spcPts val="0"/>
+              </a:spcBef>
+              <a:buFont typeface="Arial" panose="020B0604020202020204" pitchFamily="34" charset="0"/>
+              <a:buChar char="●"/>
+            </a:pPr>
+            <a:endParaRPr lang="en" sz="3200" dirty="0">
+              <a:solidFill>
+                <a:prstClr val="white">
+                  <a:lumMod val="75000"/>
+                  <a:lumOff val="25000"/>
+                </a:prstClr>
+              </a:solidFill>
+              <a:latin typeface="Arial" panose="020B0604020202020204" pitchFamily="34" charset="0"/>
+              <a:cs typeface="Arial" panose="020B0604020202020204" pitchFamily="34" charset="0"/>
+              <a:sym typeface="Arial"/>
+            </a:endParaRPr>
           </a:p>
         </p:txBody>
       </p:sp>
     </p:spTree>
     <p:extLst>
       <p:ext uri="{BB962C8B-B14F-4D97-AF65-F5344CB8AC3E}">
-        <p14:creationId xmlns:p14="http://schemas.microsoft.com/office/powerpoint/2010/main" val="1480929476"/>
+        <p14:creationId xmlns:p14="http://schemas.microsoft.com/office/powerpoint/2010/main" val="4036963545"/>
       </p:ext>
     </p:extLst>
   </p:cSld>
@@ -3618,64 +7672,317 @@
       </p:grpSpPr>
       <p:sp>
         <p:nvSpPr>
-          <p:cNvPr id="2" name="Title 1"/>
-          <p:cNvSpPr>
+          <p:cNvPr id="7" name="Shape 81"/>
+          <p:cNvSpPr txBox="1">
             <a:spLocks noGrp="1"/>
           </p:cNvSpPr>
           <p:nvPr>
             <p:ph type="title"/>
           </p:nvPr>
         </p:nvSpPr>
-        <p:spPr/>
-        <p:txBody>
-          <a:bodyPr/>
+        <p:spPr>
+          <a:xfrm>
+            <a:off x="762000" y="559680"/>
+            <a:ext cx="10637965" cy="721816"/>
+          </a:xfrm>
+          <a:prstGeom prst="rect">
+            <a:avLst/>
+          </a:prstGeom>
+        </p:spPr>
+        <p:txBody>
+          <a:bodyPr vert="horz" lIns="121900" tIns="121900" rIns="121900" bIns="121900" rtlCol="0" anchor="t" anchorCtr="0">
+            <a:noAutofit/>
+          </a:bodyPr>
           <a:lstStyle/>
           <a:p>
-            <a:r>
-              <a:rPr lang="en-US" dirty="0"/>
+            <a:pPr algn="l">
+              <a:spcBef>
+                <a:spcPts val="0"/>
+              </a:spcBef>
+              <a:buClr>
+                <a:schemeClr val="dk1"/>
+              </a:buClr>
+              <a:buSzPct val="39285"/>
+            </a:pPr>
+            <a:r>
+              <a:rPr lang="en" sz="3733" i="0" dirty="0">
+                <a:solidFill>
+                  <a:schemeClr val="tx1">
+                    <a:lumMod val="75000"/>
+                    <a:lumOff val="25000"/>
+                  </a:schemeClr>
+                </a:solidFill>
+                <a:latin typeface="Arial" panose="020B0604020202020204" pitchFamily="34" charset="0"/>
+                <a:cs typeface="Arial" panose="020B0604020202020204" pitchFamily="34" charset="0"/>
+              </a:rPr>
               <a:t>Stories</a:t>
             </a:r>
-          </a:p>
-        </p:txBody>
-      </p:sp>
-      <p:sp>
-        <p:nvSpPr>
-          <p:cNvPr id="3" name="Content Placeholder 2"/>
-          <p:cNvSpPr>
-            <a:spLocks noGrp="1"/>
-          </p:cNvSpPr>
-          <p:nvPr>
-            <p:ph idx="1"/>
-          </p:nvPr>
-        </p:nvSpPr>
-        <p:spPr/>
-        <p:txBody>
-          <a:bodyPr/>
-          <a:lstStyle/>
-          <a:p>
-            <a:r>
-              <a:rPr lang="en-US" dirty="0"/>
+            <a:endParaRPr lang="en" sz="3733" i="0" dirty="0">
+              <a:solidFill>
+                <a:srgbClr val="EEB500"/>
+              </a:solidFill>
+              <a:latin typeface="Arial" panose="020B0604020202020204" pitchFamily="34" charset="0"/>
+              <a:cs typeface="Arial" panose="020B0604020202020204" pitchFamily="34" charset="0"/>
+            </a:endParaRPr>
+          </a:p>
+        </p:txBody>
+      </p:sp>
+      <p:sp>
+        <p:nvSpPr>
+          <p:cNvPr id="8" name="Shape 82"/>
+          <p:cNvSpPr txBox="1">
+            <a:spLocks/>
+          </p:cNvSpPr>
+          <p:nvPr/>
+        </p:nvSpPr>
+        <p:spPr>
+          <a:xfrm>
+            <a:off x="761287" y="1827805"/>
+            <a:ext cx="11360800" cy="4555200"/>
+          </a:xfrm>
+          <a:prstGeom prst="rect">
+            <a:avLst/>
+          </a:prstGeom>
+        </p:spPr>
+        <p:txBody>
+          <a:bodyPr vert="horz" lIns="121900" tIns="121900" rIns="121900" bIns="121900" rtlCol="0" anchor="t" anchorCtr="0">
+            <a:noAutofit/>
+          </a:bodyPr>
+          <a:lstStyle>
+            <a:lvl1pPr marL="212598" indent="-212598" algn="l" defTabSz="685800" rtl="0" eaLnBrk="1" latinLnBrk="0" hangingPunct="1">
+              <a:lnSpc>
+                <a:spcPct val="112000"/>
+              </a:lnSpc>
+              <a:spcBef>
+                <a:spcPts val="675"/>
+              </a:spcBef>
+              <a:buFont typeface="Arial" panose="020B0604020202020204" pitchFamily="34" charset="0"/>
+              <a:buChar char="•"/>
+              <a:defRPr sz="1500" kern="1200" baseline="0">
+                <a:solidFill>
+                  <a:schemeClr val="tx1">
+                    <a:lumMod val="85000"/>
+                    <a:lumOff val="15000"/>
+                  </a:schemeClr>
+                </a:solidFill>
+                <a:latin typeface="+mn-lt"/>
+                <a:ea typeface="+mn-ea"/>
+                <a:cs typeface="+mn-cs"/>
+              </a:defRPr>
+            </a:lvl1pPr>
+            <a:lvl2pPr marL="212598" indent="-212598" algn="l" defTabSz="685800" rtl="0" eaLnBrk="1" latinLnBrk="0" hangingPunct="1">
+              <a:lnSpc>
+                <a:spcPct val="112000"/>
+              </a:lnSpc>
+              <a:spcBef>
+                <a:spcPts val="675"/>
+              </a:spcBef>
+              <a:buFont typeface="Corbel" panose="020B0503020204020204" pitchFamily="34" charset="0"/>
+              <a:buChar char="–"/>
+              <a:defRPr sz="1350" kern="1200" baseline="0">
+                <a:solidFill>
+                  <a:schemeClr val="tx1">
+                    <a:lumMod val="85000"/>
+                    <a:lumOff val="15000"/>
+                  </a:schemeClr>
+                </a:solidFill>
+                <a:latin typeface="+mn-lt"/>
+                <a:ea typeface="+mn-ea"/>
+                <a:cs typeface="+mn-cs"/>
+              </a:defRPr>
+            </a:lvl2pPr>
+            <a:lvl3pPr marL="212598" indent="-212598" algn="l" defTabSz="685800" rtl="0" eaLnBrk="1" latinLnBrk="0" hangingPunct="1">
+              <a:lnSpc>
+                <a:spcPct val="112000"/>
+              </a:lnSpc>
+              <a:spcBef>
+                <a:spcPts val="675"/>
+              </a:spcBef>
+              <a:buFont typeface="Arial" panose="020B0604020202020204" pitchFamily="34" charset="0"/>
+              <a:buChar char="•"/>
+              <a:defRPr sz="1200" kern="1200" baseline="0">
+                <a:solidFill>
+                  <a:schemeClr val="tx1">
+                    <a:lumMod val="85000"/>
+                    <a:lumOff val="15000"/>
+                  </a:schemeClr>
+                </a:solidFill>
+                <a:latin typeface="+mn-lt"/>
+                <a:ea typeface="+mn-ea"/>
+                <a:cs typeface="+mn-cs"/>
+              </a:defRPr>
+            </a:lvl3pPr>
+            <a:lvl4pPr marL="212598" indent="-212598" algn="l" defTabSz="685800" rtl="0" eaLnBrk="1" latinLnBrk="0" hangingPunct="1">
+              <a:lnSpc>
+                <a:spcPct val="112000"/>
+              </a:lnSpc>
+              <a:spcBef>
+                <a:spcPts val="675"/>
+              </a:spcBef>
+              <a:buFont typeface="Corbel" panose="020B0503020204020204" pitchFamily="34" charset="0"/>
+              <a:buChar char="–"/>
+              <a:defRPr sz="1050" kern="1200" baseline="0">
+                <a:solidFill>
+                  <a:schemeClr val="tx1">
+                    <a:lumMod val="85000"/>
+                    <a:lumOff val="15000"/>
+                  </a:schemeClr>
+                </a:solidFill>
+                <a:latin typeface="+mn-lt"/>
+                <a:ea typeface="+mn-ea"/>
+                <a:cs typeface="+mn-cs"/>
+              </a:defRPr>
+            </a:lvl4pPr>
+            <a:lvl5pPr marL="212598" indent="-212598" algn="l" defTabSz="685800" rtl="0" eaLnBrk="1" latinLnBrk="0" hangingPunct="1">
+              <a:lnSpc>
+                <a:spcPct val="112000"/>
+              </a:lnSpc>
+              <a:spcBef>
+                <a:spcPts val="675"/>
+              </a:spcBef>
+              <a:buFont typeface="Arial" panose="020B0604020202020204" pitchFamily="34" charset="0"/>
+              <a:buChar char="•"/>
+              <a:defRPr sz="1050" i="1" kern="1200" baseline="0">
+                <a:solidFill>
+                  <a:schemeClr val="tx1">
+                    <a:lumMod val="85000"/>
+                    <a:lumOff val="15000"/>
+                  </a:schemeClr>
+                </a:solidFill>
+                <a:latin typeface="+mn-lt"/>
+                <a:ea typeface="+mn-ea"/>
+                <a:cs typeface="+mn-cs"/>
+              </a:defRPr>
+            </a:lvl5pPr>
+            <a:lvl6pPr marL="212598" indent="-212598" algn="l" defTabSz="685800" rtl="0" eaLnBrk="1" latinLnBrk="0" hangingPunct="1">
+              <a:lnSpc>
+                <a:spcPct val="112000"/>
+              </a:lnSpc>
+              <a:spcBef>
+                <a:spcPts val="975"/>
+              </a:spcBef>
+              <a:buFont typeface="Corbel" panose="020B0503020204020204" pitchFamily="34" charset="0"/>
+              <a:buChar char="–"/>
+              <a:defRPr sz="1050" kern="1200">
+                <a:solidFill>
+                  <a:schemeClr val="tx1">
+                    <a:lumMod val="85000"/>
+                    <a:lumOff val="15000"/>
+                  </a:schemeClr>
+                </a:solidFill>
+                <a:latin typeface="+mn-lt"/>
+                <a:ea typeface="+mn-ea"/>
+                <a:cs typeface="+mn-cs"/>
+              </a:defRPr>
+            </a:lvl6pPr>
+            <a:lvl7pPr marL="212598" indent="-212598" algn="l" defTabSz="685800" rtl="0" eaLnBrk="1" latinLnBrk="0" hangingPunct="1">
+              <a:lnSpc>
+                <a:spcPct val="112000"/>
+              </a:lnSpc>
+              <a:spcBef>
+                <a:spcPts val="975"/>
+              </a:spcBef>
+              <a:buFont typeface="Arial" panose="020B0604020202020204" pitchFamily="34" charset="0"/>
+              <a:buChar char="•"/>
+              <a:defRPr sz="1050" i="1" kern="1200">
+                <a:solidFill>
+                  <a:schemeClr val="tx1">
+                    <a:lumMod val="85000"/>
+                    <a:lumOff val="15000"/>
+                  </a:schemeClr>
+                </a:solidFill>
+                <a:latin typeface="+mn-lt"/>
+                <a:ea typeface="+mn-ea"/>
+                <a:cs typeface="+mn-cs"/>
+              </a:defRPr>
+            </a:lvl7pPr>
+            <a:lvl8pPr marL="212598" indent="-212598" algn="l" defTabSz="685800" rtl="0" eaLnBrk="1" latinLnBrk="0" hangingPunct="1">
+              <a:lnSpc>
+                <a:spcPct val="112000"/>
+              </a:lnSpc>
+              <a:spcBef>
+                <a:spcPts val="975"/>
+              </a:spcBef>
+              <a:buFont typeface="Corbel" panose="020B0503020204020204" pitchFamily="34" charset="0"/>
+              <a:buChar char="–"/>
+              <a:defRPr sz="1050" kern="1200">
+                <a:solidFill>
+                  <a:schemeClr val="tx1">
+                    <a:lumMod val="85000"/>
+                    <a:lumOff val="15000"/>
+                  </a:schemeClr>
+                </a:solidFill>
+                <a:latin typeface="+mn-lt"/>
+                <a:ea typeface="+mn-ea"/>
+                <a:cs typeface="+mn-cs"/>
+              </a:defRPr>
+            </a:lvl8pPr>
+            <a:lvl9pPr marL="212598" indent="-212598" algn="l" defTabSz="685800" rtl="0" eaLnBrk="1" latinLnBrk="0" hangingPunct="1">
+              <a:lnSpc>
+                <a:spcPct val="112000"/>
+              </a:lnSpc>
+              <a:spcBef>
+                <a:spcPts val="975"/>
+              </a:spcBef>
+              <a:buFont typeface="Arial" panose="020B0604020202020204" pitchFamily="34" charset="0"/>
+              <a:buChar char="•"/>
+              <a:defRPr sz="1050" i="1" kern="1200" baseline="0">
+                <a:solidFill>
+                  <a:schemeClr val="tx1">
+                    <a:lumMod val="85000"/>
+                    <a:lumOff val="15000"/>
+                  </a:schemeClr>
+                </a:solidFill>
+                <a:latin typeface="+mn-lt"/>
+                <a:ea typeface="+mn-ea"/>
+                <a:cs typeface="+mn-cs"/>
+              </a:defRPr>
+            </a:lvl9pPr>
+          </a:lstStyle>
+          <a:p>
+            <a:r>
+              <a:rPr lang="en-US" sz="2400" dirty="0"/>
               <a:t>Share analyses with interactive stories</a:t>
             </a:r>
           </a:p>
           <a:p>
             <a:r>
-              <a:rPr lang="en-US" dirty="0"/>
+              <a:rPr lang="en-US" sz="2400" dirty="0"/>
               <a:t>Combine your visualizations into dashboards</a:t>
             </a:r>
           </a:p>
           <a:p>
             <a:r>
-              <a:rPr lang="en-US" dirty="0"/>
+              <a:rPr lang="en-US" sz="2400" dirty="0"/>
               <a:t>Secure sharing with coworkers </a:t>
             </a:r>
+          </a:p>
+          <a:p>
+            <a:pPr marL="609585" indent="-304792" defTabSz="914377">
+              <a:spcBef>
+                <a:spcPts val="0"/>
+              </a:spcBef>
+              <a:buFont typeface="Arial" panose="020B0604020202020204" pitchFamily="34" charset="0"/>
+              <a:buChar char="●"/>
+            </a:pPr>
+            <a:endParaRPr lang="en" sz="3200" dirty="0">
+              <a:solidFill>
+                <a:prstClr val="white">
+                  <a:lumMod val="75000"/>
+                  <a:lumOff val="25000"/>
+                </a:prstClr>
+              </a:solidFill>
+              <a:latin typeface="Arial" panose="020B0604020202020204" pitchFamily="34" charset="0"/>
+              <a:cs typeface="Arial" panose="020B0604020202020204" pitchFamily="34" charset="0"/>
+              <a:sym typeface="Arial"/>
+            </a:endParaRPr>
           </a:p>
         </p:txBody>
       </p:sp>
     </p:spTree>
     <p:extLst>
       <p:ext uri="{BB962C8B-B14F-4D97-AF65-F5344CB8AC3E}">
-        <p14:creationId xmlns:p14="http://schemas.microsoft.com/office/powerpoint/2010/main" val="4114638142"/>
+        <p14:creationId xmlns:p14="http://schemas.microsoft.com/office/powerpoint/2010/main" val="1621781144"/>
       </p:ext>
     </p:extLst>
   </p:cSld>
@@ -3704,76 +8011,329 @@
       </p:grpSpPr>
       <p:sp>
         <p:nvSpPr>
-          <p:cNvPr id="2" name="Title 1"/>
-          <p:cNvSpPr>
+          <p:cNvPr id="7" name="Shape 81"/>
+          <p:cNvSpPr txBox="1">
             <a:spLocks noGrp="1"/>
           </p:cNvSpPr>
           <p:nvPr>
             <p:ph type="title"/>
           </p:nvPr>
         </p:nvSpPr>
-        <p:spPr/>
-        <p:txBody>
-          <a:bodyPr/>
+        <p:spPr>
+          <a:xfrm>
+            <a:off x="762000" y="559680"/>
+            <a:ext cx="10637965" cy="721816"/>
+          </a:xfrm>
+          <a:prstGeom prst="rect">
+            <a:avLst/>
+          </a:prstGeom>
+        </p:spPr>
+        <p:txBody>
+          <a:bodyPr vert="horz" lIns="121900" tIns="121900" rIns="121900" bIns="121900" rtlCol="0" anchor="t" anchorCtr="0">
+            <a:noAutofit/>
+          </a:bodyPr>
           <a:lstStyle/>
           <a:p>
-            <a:r>
-              <a:rPr lang="en-US" dirty="0"/>
+            <a:pPr algn="l">
+              <a:spcBef>
+                <a:spcPts val="0"/>
+              </a:spcBef>
+              <a:buClr>
+                <a:schemeClr val="dk1"/>
+              </a:buClr>
+              <a:buSzPct val="39285"/>
+            </a:pPr>
+            <a:r>
+              <a:rPr lang="en" sz="3733" i="0" dirty="0">
+                <a:solidFill>
+                  <a:schemeClr val="tx1">
+                    <a:lumMod val="75000"/>
+                    <a:lumOff val="25000"/>
+                  </a:schemeClr>
+                </a:solidFill>
+                <a:latin typeface="Arial" panose="020B0604020202020204" pitchFamily="34" charset="0"/>
+                <a:cs typeface="Arial" panose="020B0604020202020204" pitchFamily="34" charset="0"/>
+              </a:rPr>
               <a:t>SPICE</a:t>
             </a:r>
-          </a:p>
-        </p:txBody>
-      </p:sp>
-      <p:sp>
-        <p:nvSpPr>
-          <p:cNvPr id="3" name="Content Placeholder 2"/>
-          <p:cNvSpPr>
-            <a:spLocks noGrp="1"/>
-          </p:cNvSpPr>
-          <p:nvPr>
-            <p:ph idx="1"/>
-          </p:nvPr>
-        </p:nvSpPr>
-        <p:spPr/>
-        <p:txBody>
-          <a:bodyPr/>
-          <a:lstStyle/>
-          <a:p>
-            <a:r>
-              <a:rPr lang="en-US" dirty="0"/>
+            <a:endParaRPr lang="en" sz="3733" i="0" dirty="0">
+              <a:solidFill>
+                <a:srgbClr val="EEB500"/>
+              </a:solidFill>
+              <a:latin typeface="Arial" panose="020B0604020202020204" pitchFamily="34" charset="0"/>
+              <a:cs typeface="Arial" panose="020B0604020202020204" pitchFamily="34" charset="0"/>
+            </a:endParaRPr>
+          </a:p>
+        </p:txBody>
+      </p:sp>
+      <p:sp>
+        <p:nvSpPr>
+          <p:cNvPr id="8" name="Shape 82"/>
+          <p:cNvSpPr txBox="1">
+            <a:spLocks/>
+          </p:cNvSpPr>
+          <p:nvPr/>
+        </p:nvSpPr>
+        <p:spPr>
+          <a:xfrm>
+            <a:off x="761287" y="1827805"/>
+            <a:ext cx="11360800" cy="4555200"/>
+          </a:xfrm>
+          <a:prstGeom prst="rect">
+            <a:avLst/>
+          </a:prstGeom>
+        </p:spPr>
+        <p:txBody>
+          <a:bodyPr vert="horz" lIns="121900" tIns="121900" rIns="121900" bIns="121900" rtlCol="0" anchor="t" anchorCtr="0">
+            <a:noAutofit/>
+          </a:bodyPr>
+          <a:lstStyle>
+            <a:lvl1pPr marL="212598" indent="-212598" algn="l" defTabSz="685800" rtl="0" eaLnBrk="1" latinLnBrk="0" hangingPunct="1">
+              <a:lnSpc>
+                <a:spcPct val="112000"/>
+              </a:lnSpc>
+              <a:spcBef>
+                <a:spcPts val="675"/>
+              </a:spcBef>
+              <a:buFont typeface="Arial" panose="020B0604020202020204" pitchFamily="34" charset="0"/>
+              <a:buChar char="•"/>
+              <a:defRPr sz="1500" kern="1200" baseline="0">
+                <a:solidFill>
+                  <a:schemeClr val="tx1">
+                    <a:lumMod val="85000"/>
+                    <a:lumOff val="15000"/>
+                  </a:schemeClr>
+                </a:solidFill>
+                <a:latin typeface="+mn-lt"/>
+                <a:ea typeface="+mn-ea"/>
+                <a:cs typeface="+mn-cs"/>
+              </a:defRPr>
+            </a:lvl1pPr>
+            <a:lvl2pPr marL="212598" indent="-212598" algn="l" defTabSz="685800" rtl="0" eaLnBrk="1" latinLnBrk="0" hangingPunct="1">
+              <a:lnSpc>
+                <a:spcPct val="112000"/>
+              </a:lnSpc>
+              <a:spcBef>
+                <a:spcPts val="675"/>
+              </a:spcBef>
+              <a:buFont typeface="Corbel" panose="020B0503020204020204" pitchFamily="34" charset="0"/>
+              <a:buChar char="–"/>
+              <a:defRPr sz="1350" kern="1200" baseline="0">
+                <a:solidFill>
+                  <a:schemeClr val="tx1">
+                    <a:lumMod val="85000"/>
+                    <a:lumOff val="15000"/>
+                  </a:schemeClr>
+                </a:solidFill>
+                <a:latin typeface="+mn-lt"/>
+                <a:ea typeface="+mn-ea"/>
+                <a:cs typeface="+mn-cs"/>
+              </a:defRPr>
+            </a:lvl2pPr>
+            <a:lvl3pPr marL="212598" indent="-212598" algn="l" defTabSz="685800" rtl="0" eaLnBrk="1" latinLnBrk="0" hangingPunct="1">
+              <a:lnSpc>
+                <a:spcPct val="112000"/>
+              </a:lnSpc>
+              <a:spcBef>
+                <a:spcPts val="675"/>
+              </a:spcBef>
+              <a:buFont typeface="Arial" panose="020B0604020202020204" pitchFamily="34" charset="0"/>
+              <a:buChar char="•"/>
+              <a:defRPr sz="1200" kern="1200" baseline="0">
+                <a:solidFill>
+                  <a:schemeClr val="tx1">
+                    <a:lumMod val="85000"/>
+                    <a:lumOff val="15000"/>
+                  </a:schemeClr>
+                </a:solidFill>
+                <a:latin typeface="+mn-lt"/>
+                <a:ea typeface="+mn-ea"/>
+                <a:cs typeface="+mn-cs"/>
+              </a:defRPr>
+            </a:lvl3pPr>
+            <a:lvl4pPr marL="212598" indent="-212598" algn="l" defTabSz="685800" rtl="0" eaLnBrk="1" latinLnBrk="0" hangingPunct="1">
+              <a:lnSpc>
+                <a:spcPct val="112000"/>
+              </a:lnSpc>
+              <a:spcBef>
+                <a:spcPts val="675"/>
+              </a:spcBef>
+              <a:buFont typeface="Corbel" panose="020B0503020204020204" pitchFamily="34" charset="0"/>
+              <a:buChar char="–"/>
+              <a:defRPr sz="1050" kern="1200" baseline="0">
+                <a:solidFill>
+                  <a:schemeClr val="tx1">
+                    <a:lumMod val="85000"/>
+                    <a:lumOff val="15000"/>
+                  </a:schemeClr>
+                </a:solidFill>
+                <a:latin typeface="+mn-lt"/>
+                <a:ea typeface="+mn-ea"/>
+                <a:cs typeface="+mn-cs"/>
+              </a:defRPr>
+            </a:lvl4pPr>
+            <a:lvl5pPr marL="212598" indent="-212598" algn="l" defTabSz="685800" rtl="0" eaLnBrk="1" latinLnBrk="0" hangingPunct="1">
+              <a:lnSpc>
+                <a:spcPct val="112000"/>
+              </a:lnSpc>
+              <a:spcBef>
+                <a:spcPts val="675"/>
+              </a:spcBef>
+              <a:buFont typeface="Arial" panose="020B0604020202020204" pitchFamily="34" charset="0"/>
+              <a:buChar char="•"/>
+              <a:defRPr sz="1050" i="1" kern="1200" baseline="0">
+                <a:solidFill>
+                  <a:schemeClr val="tx1">
+                    <a:lumMod val="85000"/>
+                    <a:lumOff val="15000"/>
+                  </a:schemeClr>
+                </a:solidFill>
+                <a:latin typeface="+mn-lt"/>
+                <a:ea typeface="+mn-ea"/>
+                <a:cs typeface="+mn-cs"/>
+              </a:defRPr>
+            </a:lvl5pPr>
+            <a:lvl6pPr marL="212598" indent="-212598" algn="l" defTabSz="685800" rtl="0" eaLnBrk="1" latinLnBrk="0" hangingPunct="1">
+              <a:lnSpc>
+                <a:spcPct val="112000"/>
+              </a:lnSpc>
+              <a:spcBef>
+                <a:spcPts val="975"/>
+              </a:spcBef>
+              <a:buFont typeface="Corbel" panose="020B0503020204020204" pitchFamily="34" charset="0"/>
+              <a:buChar char="–"/>
+              <a:defRPr sz="1050" kern="1200">
+                <a:solidFill>
+                  <a:schemeClr val="tx1">
+                    <a:lumMod val="85000"/>
+                    <a:lumOff val="15000"/>
+                  </a:schemeClr>
+                </a:solidFill>
+                <a:latin typeface="+mn-lt"/>
+                <a:ea typeface="+mn-ea"/>
+                <a:cs typeface="+mn-cs"/>
+              </a:defRPr>
+            </a:lvl6pPr>
+            <a:lvl7pPr marL="212598" indent="-212598" algn="l" defTabSz="685800" rtl="0" eaLnBrk="1" latinLnBrk="0" hangingPunct="1">
+              <a:lnSpc>
+                <a:spcPct val="112000"/>
+              </a:lnSpc>
+              <a:spcBef>
+                <a:spcPts val="975"/>
+              </a:spcBef>
+              <a:buFont typeface="Arial" panose="020B0604020202020204" pitchFamily="34" charset="0"/>
+              <a:buChar char="•"/>
+              <a:defRPr sz="1050" i="1" kern="1200">
+                <a:solidFill>
+                  <a:schemeClr val="tx1">
+                    <a:lumMod val="85000"/>
+                    <a:lumOff val="15000"/>
+                  </a:schemeClr>
+                </a:solidFill>
+                <a:latin typeface="+mn-lt"/>
+                <a:ea typeface="+mn-ea"/>
+                <a:cs typeface="+mn-cs"/>
+              </a:defRPr>
+            </a:lvl7pPr>
+            <a:lvl8pPr marL="212598" indent="-212598" algn="l" defTabSz="685800" rtl="0" eaLnBrk="1" latinLnBrk="0" hangingPunct="1">
+              <a:lnSpc>
+                <a:spcPct val="112000"/>
+              </a:lnSpc>
+              <a:spcBef>
+                <a:spcPts val="975"/>
+              </a:spcBef>
+              <a:buFont typeface="Corbel" panose="020B0503020204020204" pitchFamily="34" charset="0"/>
+              <a:buChar char="–"/>
+              <a:defRPr sz="1050" kern="1200">
+                <a:solidFill>
+                  <a:schemeClr val="tx1">
+                    <a:lumMod val="85000"/>
+                    <a:lumOff val="15000"/>
+                  </a:schemeClr>
+                </a:solidFill>
+                <a:latin typeface="+mn-lt"/>
+                <a:ea typeface="+mn-ea"/>
+                <a:cs typeface="+mn-cs"/>
+              </a:defRPr>
+            </a:lvl8pPr>
+            <a:lvl9pPr marL="212598" indent="-212598" algn="l" defTabSz="685800" rtl="0" eaLnBrk="1" latinLnBrk="0" hangingPunct="1">
+              <a:lnSpc>
+                <a:spcPct val="112000"/>
+              </a:lnSpc>
+              <a:spcBef>
+                <a:spcPts val="975"/>
+              </a:spcBef>
+              <a:buFont typeface="Arial" panose="020B0604020202020204" pitchFamily="34" charset="0"/>
+              <a:buChar char="•"/>
+              <a:defRPr sz="1050" i="1" kern="1200" baseline="0">
+                <a:solidFill>
+                  <a:schemeClr val="tx1">
+                    <a:lumMod val="85000"/>
+                    <a:lumOff val="15000"/>
+                  </a:schemeClr>
+                </a:solidFill>
+                <a:latin typeface="+mn-lt"/>
+                <a:ea typeface="+mn-ea"/>
+                <a:cs typeface="+mn-cs"/>
+              </a:defRPr>
+            </a:lvl9pPr>
+          </a:lstStyle>
+          <a:p>
+            <a:r>
+              <a:rPr lang="en-US" sz="2400" dirty="0"/>
               <a:t>Super-fast, Parallel, In-memory, Calculation Engine</a:t>
             </a:r>
           </a:p>
           <a:p>
             <a:r>
-              <a:rPr lang="en-US" dirty="0"/>
+              <a:rPr lang="en-US" sz="2400" dirty="0"/>
               <a:t>Works in the cloud for fast data processing</a:t>
             </a:r>
           </a:p>
           <a:p>
             <a:r>
-              <a:rPr lang="en-US" dirty="0"/>
+              <a:rPr lang="en-US" sz="2400" dirty="0"/>
               <a:t>Uses columnar storage, in-memory technologies, machine code generation, and data compression to allow rapid responses to interactive queries on large datasets</a:t>
             </a:r>
           </a:p>
           <a:p>
             <a:r>
-              <a:rPr lang="en-US" dirty="0"/>
+              <a:rPr lang="en-US" sz="2400" dirty="0"/>
               <a:t>Automatically replicates data</a:t>
             </a:r>
           </a:p>
           <a:p>
             <a:r>
-              <a:rPr lang="en-US" dirty="0"/>
+              <a:rPr lang="en-US" sz="2400" dirty="0"/>
               <a:t>Many users can perform analysis simultaneously across data sources</a:t>
             </a:r>
+          </a:p>
+          <a:p>
+            <a:pPr marL="609585" indent="-304792" defTabSz="914377">
+              <a:spcBef>
+                <a:spcPts val="0"/>
+              </a:spcBef>
+              <a:buFont typeface="Arial" panose="020B0604020202020204" pitchFamily="34" charset="0"/>
+              <a:buChar char="●"/>
+            </a:pPr>
+            <a:endParaRPr lang="en" sz="3200" dirty="0">
+              <a:solidFill>
+                <a:prstClr val="white">
+                  <a:lumMod val="75000"/>
+                  <a:lumOff val="25000"/>
+                </a:prstClr>
+              </a:solidFill>
+              <a:latin typeface="Arial" panose="020B0604020202020204" pitchFamily="34" charset="0"/>
+              <a:cs typeface="Arial" panose="020B0604020202020204" pitchFamily="34" charset="0"/>
+              <a:sym typeface="Arial"/>
+            </a:endParaRPr>
           </a:p>
         </p:txBody>
       </p:sp>
     </p:spTree>
     <p:extLst>
       <p:ext uri="{BB962C8B-B14F-4D97-AF65-F5344CB8AC3E}">
-        <p14:creationId xmlns:p14="http://schemas.microsoft.com/office/powerpoint/2010/main" val="177401823"/>
+        <p14:creationId xmlns:p14="http://schemas.microsoft.com/office/powerpoint/2010/main" val="2470594030"/>
       </p:ext>
     </p:extLst>
   </p:cSld>
@@ -3802,64 +8362,317 @@
       </p:grpSpPr>
       <p:sp>
         <p:nvSpPr>
-          <p:cNvPr id="2" name="Title 1"/>
-          <p:cNvSpPr>
+          <p:cNvPr id="7" name="Shape 81"/>
+          <p:cNvSpPr txBox="1">
             <a:spLocks noGrp="1"/>
           </p:cNvSpPr>
           <p:nvPr>
             <p:ph type="title"/>
           </p:nvPr>
         </p:nvSpPr>
-        <p:spPr/>
-        <p:txBody>
-          <a:bodyPr/>
+        <p:spPr>
+          <a:xfrm>
+            <a:off x="762000" y="559680"/>
+            <a:ext cx="10637965" cy="721816"/>
+          </a:xfrm>
+          <a:prstGeom prst="rect">
+            <a:avLst/>
+          </a:prstGeom>
+        </p:spPr>
+        <p:txBody>
+          <a:bodyPr vert="horz" lIns="121900" tIns="121900" rIns="121900" bIns="121900" rtlCol="0" anchor="t" anchorCtr="0">
+            <a:noAutofit/>
+          </a:bodyPr>
           <a:lstStyle/>
           <a:p>
-            <a:r>
-              <a:rPr lang="en-US" dirty="0"/>
+            <a:pPr algn="l">
+              <a:spcBef>
+                <a:spcPts val="0"/>
+              </a:spcBef>
+              <a:buClr>
+                <a:schemeClr val="dk1"/>
+              </a:buClr>
+              <a:buSzPct val="39285"/>
+            </a:pPr>
+            <a:r>
+              <a:rPr lang="en" sz="3733" i="0" dirty="0">
+                <a:solidFill>
+                  <a:schemeClr val="tx1">
+                    <a:lumMod val="75000"/>
+                    <a:lumOff val="25000"/>
+                  </a:schemeClr>
+                </a:solidFill>
+                <a:latin typeface="Arial" panose="020B0604020202020204" pitchFamily="34" charset="0"/>
+                <a:cs typeface="Arial" panose="020B0604020202020204" pitchFamily="34" charset="0"/>
+              </a:rPr>
               <a:t>Pricing</a:t>
             </a:r>
-          </a:p>
-        </p:txBody>
-      </p:sp>
-      <p:sp>
-        <p:nvSpPr>
-          <p:cNvPr id="3" name="Content Placeholder 2"/>
-          <p:cNvSpPr>
-            <a:spLocks noGrp="1"/>
-          </p:cNvSpPr>
-          <p:nvPr>
-            <p:ph idx="1"/>
-          </p:nvPr>
-        </p:nvSpPr>
-        <p:spPr/>
-        <p:txBody>
-          <a:bodyPr/>
-          <a:lstStyle/>
-          <a:p>
-            <a:r>
-              <a:rPr lang="en-US" dirty="0"/>
+            <a:endParaRPr lang="en" sz="3733" i="0" dirty="0">
+              <a:solidFill>
+                <a:srgbClr val="EEB500"/>
+              </a:solidFill>
+              <a:latin typeface="Arial" panose="020B0604020202020204" pitchFamily="34" charset="0"/>
+              <a:cs typeface="Arial" panose="020B0604020202020204" pitchFamily="34" charset="0"/>
+            </a:endParaRPr>
+          </a:p>
+        </p:txBody>
+      </p:sp>
+      <p:sp>
+        <p:nvSpPr>
+          <p:cNvPr id="8" name="Shape 82"/>
+          <p:cNvSpPr txBox="1">
+            <a:spLocks/>
+          </p:cNvSpPr>
+          <p:nvPr/>
+        </p:nvSpPr>
+        <p:spPr>
+          <a:xfrm>
+            <a:off x="761287" y="1827805"/>
+            <a:ext cx="11360800" cy="4555200"/>
+          </a:xfrm>
+          <a:prstGeom prst="rect">
+            <a:avLst/>
+          </a:prstGeom>
+        </p:spPr>
+        <p:txBody>
+          <a:bodyPr vert="horz" lIns="121900" tIns="121900" rIns="121900" bIns="121900" rtlCol="0" anchor="t" anchorCtr="0">
+            <a:noAutofit/>
+          </a:bodyPr>
+          <a:lstStyle>
+            <a:lvl1pPr marL="212598" indent="-212598" algn="l" defTabSz="685800" rtl="0" eaLnBrk="1" latinLnBrk="0" hangingPunct="1">
+              <a:lnSpc>
+                <a:spcPct val="112000"/>
+              </a:lnSpc>
+              <a:spcBef>
+                <a:spcPts val="675"/>
+              </a:spcBef>
+              <a:buFont typeface="Arial" panose="020B0604020202020204" pitchFamily="34" charset="0"/>
+              <a:buChar char="•"/>
+              <a:defRPr sz="1500" kern="1200" baseline="0">
+                <a:solidFill>
+                  <a:schemeClr val="tx1">
+                    <a:lumMod val="85000"/>
+                    <a:lumOff val="15000"/>
+                  </a:schemeClr>
+                </a:solidFill>
+                <a:latin typeface="+mn-lt"/>
+                <a:ea typeface="+mn-ea"/>
+                <a:cs typeface="+mn-cs"/>
+              </a:defRPr>
+            </a:lvl1pPr>
+            <a:lvl2pPr marL="212598" indent="-212598" algn="l" defTabSz="685800" rtl="0" eaLnBrk="1" latinLnBrk="0" hangingPunct="1">
+              <a:lnSpc>
+                <a:spcPct val="112000"/>
+              </a:lnSpc>
+              <a:spcBef>
+                <a:spcPts val="675"/>
+              </a:spcBef>
+              <a:buFont typeface="Corbel" panose="020B0503020204020204" pitchFamily="34" charset="0"/>
+              <a:buChar char="–"/>
+              <a:defRPr sz="1350" kern="1200" baseline="0">
+                <a:solidFill>
+                  <a:schemeClr val="tx1">
+                    <a:lumMod val="85000"/>
+                    <a:lumOff val="15000"/>
+                  </a:schemeClr>
+                </a:solidFill>
+                <a:latin typeface="+mn-lt"/>
+                <a:ea typeface="+mn-ea"/>
+                <a:cs typeface="+mn-cs"/>
+              </a:defRPr>
+            </a:lvl2pPr>
+            <a:lvl3pPr marL="212598" indent="-212598" algn="l" defTabSz="685800" rtl="0" eaLnBrk="1" latinLnBrk="0" hangingPunct="1">
+              <a:lnSpc>
+                <a:spcPct val="112000"/>
+              </a:lnSpc>
+              <a:spcBef>
+                <a:spcPts val="675"/>
+              </a:spcBef>
+              <a:buFont typeface="Arial" panose="020B0604020202020204" pitchFamily="34" charset="0"/>
+              <a:buChar char="•"/>
+              <a:defRPr sz="1200" kern="1200" baseline="0">
+                <a:solidFill>
+                  <a:schemeClr val="tx1">
+                    <a:lumMod val="85000"/>
+                    <a:lumOff val="15000"/>
+                  </a:schemeClr>
+                </a:solidFill>
+                <a:latin typeface="+mn-lt"/>
+                <a:ea typeface="+mn-ea"/>
+                <a:cs typeface="+mn-cs"/>
+              </a:defRPr>
+            </a:lvl3pPr>
+            <a:lvl4pPr marL="212598" indent="-212598" algn="l" defTabSz="685800" rtl="0" eaLnBrk="1" latinLnBrk="0" hangingPunct="1">
+              <a:lnSpc>
+                <a:spcPct val="112000"/>
+              </a:lnSpc>
+              <a:spcBef>
+                <a:spcPts val="675"/>
+              </a:spcBef>
+              <a:buFont typeface="Corbel" panose="020B0503020204020204" pitchFamily="34" charset="0"/>
+              <a:buChar char="–"/>
+              <a:defRPr sz="1050" kern="1200" baseline="0">
+                <a:solidFill>
+                  <a:schemeClr val="tx1">
+                    <a:lumMod val="85000"/>
+                    <a:lumOff val="15000"/>
+                  </a:schemeClr>
+                </a:solidFill>
+                <a:latin typeface="+mn-lt"/>
+                <a:ea typeface="+mn-ea"/>
+                <a:cs typeface="+mn-cs"/>
+              </a:defRPr>
+            </a:lvl4pPr>
+            <a:lvl5pPr marL="212598" indent="-212598" algn="l" defTabSz="685800" rtl="0" eaLnBrk="1" latinLnBrk="0" hangingPunct="1">
+              <a:lnSpc>
+                <a:spcPct val="112000"/>
+              </a:lnSpc>
+              <a:spcBef>
+                <a:spcPts val="675"/>
+              </a:spcBef>
+              <a:buFont typeface="Arial" panose="020B0604020202020204" pitchFamily="34" charset="0"/>
+              <a:buChar char="•"/>
+              <a:defRPr sz="1050" i="1" kern="1200" baseline="0">
+                <a:solidFill>
+                  <a:schemeClr val="tx1">
+                    <a:lumMod val="85000"/>
+                    <a:lumOff val="15000"/>
+                  </a:schemeClr>
+                </a:solidFill>
+                <a:latin typeface="+mn-lt"/>
+                <a:ea typeface="+mn-ea"/>
+                <a:cs typeface="+mn-cs"/>
+              </a:defRPr>
+            </a:lvl5pPr>
+            <a:lvl6pPr marL="212598" indent="-212598" algn="l" defTabSz="685800" rtl="0" eaLnBrk="1" latinLnBrk="0" hangingPunct="1">
+              <a:lnSpc>
+                <a:spcPct val="112000"/>
+              </a:lnSpc>
+              <a:spcBef>
+                <a:spcPts val="975"/>
+              </a:spcBef>
+              <a:buFont typeface="Corbel" panose="020B0503020204020204" pitchFamily="34" charset="0"/>
+              <a:buChar char="–"/>
+              <a:defRPr sz="1050" kern="1200">
+                <a:solidFill>
+                  <a:schemeClr val="tx1">
+                    <a:lumMod val="85000"/>
+                    <a:lumOff val="15000"/>
+                  </a:schemeClr>
+                </a:solidFill>
+                <a:latin typeface="+mn-lt"/>
+                <a:ea typeface="+mn-ea"/>
+                <a:cs typeface="+mn-cs"/>
+              </a:defRPr>
+            </a:lvl6pPr>
+            <a:lvl7pPr marL="212598" indent="-212598" algn="l" defTabSz="685800" rtl="0" eaLnBrk="1" latinLnBrk="0" hangingPunct="1">
+              <a:lnSpc>
+                <a:spcPct val="112000"/>
+              </a:lnSpc>
+              <a:spcBef>
+                <a:spcPts val="975"/>
+              </a:spcBef>
+              <a:buFont typeface="Arial" panose="020B0604020202020204" pitchFamily="34" charset="0"/>
+              <a:buChar char="•"/>
+              <a:defRPr sz="1050" i="1" kern="1200">
+                <a:solidFill>
+                  <a:schemeClr val="tx1">
+                    <a:lumMod val="85000"/>
+                    <a:lumOff val="15000"/>
+                  </a:schemeClr>
+                </a:solidFill>
+                <a:latin typeface="+mn-lt"/>
+                <a:ea typeface="+mn-ea"/>
+                <a:cs typeface="+mn-cs"/>
+              </a:defRPr>
+            </a:lvl7pPr>
+            <a:lvl8pPr marL="212598" indent="-212598" algn="l" defTabSz="685800" rtl="0" eaLnBrk="1" latinLnBrk="0" hangingPunct="1">
+              <a:lnSpc>
+                <a:spcPct val="112000"/>
+              </a:lnSpc>
+              <a:spcBef>
+                <a:spcPts val="975"/>
+              </a:spcBef>
+              <a:buFont typeface="Corbel" panose="020B0503020204020204" pitchFamily="34" charset="0"/>
+              <a:buChar char="–"/>
+              <a:defRPr sz="1050" kern="1200">
+                <a:solidFill>
+                  <a:schemeClr val="tx1">
+                    <a:lumMod val="85000"/>
+                    <a:lumOff val="15000"/>
+                  </a:schemeClr>
+                </a:solidFill>
+                <a:latin typeface="+mn-lt"/>
+                <a:ea typeface="+mn-ea"/>
+                <a:cs typeface="+mn-cs"/>
+              </a:defRPr>
+            </a:lvl8pPr>
+            <a:lvl9pPr marL="212598" indent="-212598" algn="l" defTabSz="685800" rtl="0" eaLnBrk="1" latinLnBrk="0" hangingPunct="1">
+              <a:lnSpc>
+                <a:spcPct val="112000"/>
+              </a:lnSpc>
+              <a:spcBef>
+                <a:spcPts val="975"/>
+              </a:spcBef>
+              <a:buFont typeface="Arial" panose="020B0604020202020204" pitchFamily="34" charset="0"/>
+              <a:buChar char="•"/>
+              <a:defRPr sz="1050" i="1" kern="1200" baseline="0">
+                <a:solidFill>
+                  <a:schemeClr val="tx1">
+                    <a:lumMod val="85000"/>
+                    <a:lumOff val="15000"/>
+                  </a:schemeClr>
+                </a:solidFill>
+                <a:latin typeface="+mn-lt"/>
+                <a:ea typeface="+mn-ea"/>
+                <a:cs typeface="+mn-cs"/>
+              </a:defRPr>
+            </a:lvl9pPr>
+          </a:lstStyle>
+          <a:p>
+            <a:r>
+              <a:rPr lang="en-US" sz="2400" dirty="0"/>
               <a:t>Annual pricing with the option of monthly</a:t>
             </a:r>
           </a:p>
           <a:p>
             <a:r>
-              <a:rPr lang="en-US" dirty="0"/>
+              <a:rPr lang="en-US" sz="2400" dirty="0"/>
               <a:t>Price is calculated per user per month</a:t>
             </a:r>
           </a:p>
           <a:p>
             <a:r>
-              <a:rPr lang="en-US" dirty="0"/>
+              <a:rPr lang="en-US" sz="2400" dirty="0"/>
               <a:t>Affordable cost with no maintenance fees, infrastructure management, or hardware purchases</a:t>
             </a:r>
+          </a:p>
+          <a:p>
+            <a:pPr marL="609585" indent="-304792" defTabSz="914377">
+              <a:spcBef>
+                <a:spcPts val="0"/>
+              </a:spcBef>
+              <a:buFont typeface="Arial" panose="020B0604020202020204" pitchFamily="34" charset="0"/>
+              <a:buChar char="●"/>
+            </a:pPr>
+            <a:endParaRPr lang="en" sz="3200" dirty="0">
+              <a:solidFill>
+                <a:prstClr val="white">
+                  <a:lumMod val="75000"/>
+                  <a:lumOff val="25000"/>
+                </a:prstClr>
+              </a:solidFill>
+              <a:latin typeface="Arial" panose="020B0604020202020204" pitchFamily="34" charset="0"/>
+              <a:cs typeface="Arial" panose="020B0604020202020204" pitchFamily="34" charset="0"/>
+              <a:sym typeface="Arial"/>
+            </a:endParaRPr>
           </a:p>
         </p:txBody>
       </p:sp>
     </p:spTree>
     <p:extLst>
       <p:ext uri="{BB962C8B-B14F-4D97-AF65-F5344CB8AC3E}">
-        <p14:creationId xmlns:p14="http://schemas.microsoft.com/office/powerpoint/2010/main" val="2331865692"/>
+        <p14:creationId xmlns:p14="http://schemas.microsoft.com/office/powerpoint/2010/main" val="898620342"/>
       </p:ext>
     </p:extLst>
   </p:cSld>
@@ -3888,100 +8701,353 @@
       </p:grpSpPr>
       <p:sp>
         <p:nvSpPr>
-          <p:cNvPr id="2" name="Title 1"/>
-          <p:cNvSpPr>
+          <p:cNvPr id="7" name="Shape 81"/>
+          <p:cNvSpPr txBox="1">
             <a:spLocks noGrp="1"/>
           </p:cNvSpPr>
           <p:nvPr>
             <p:ph type="title"/>
           </p:nvPr>
         </p:nvSpPr>
-        <p:spPr/>
-        <p:txBody>
-          <a:bodyPr/>
+        <p:spPr>
+          <a:xfrm>
+            <a:off x="762000" y="559680"/>
+            <a:ext cx="10637965" cy="721816"/>
+          </a:xfrm>
+          <a:prstGeom prst="rect">
+            <a:avLst/>
+          </a:prstGeom>
+        </p:spPr>
+        <p:txBody>
+          <a:bodyPr vert="horz" lIns="121900" tIns="121900" rIns="121900" bIns="121900" rtlCol="0" anchor="t" anchorCtr="0">
+            <a:noAutofit/>
+          </a:bodyPr>
           <a:lstStyle/>
           <a:p>
-            <a:r>
-              <a:rPr lang="en-US" dirty="0"/>
+            <a:pPr algn="l">
+              <a:spcBef>
+                <a:spcPts val="0"/>
+              </a:spcBef>
+              <a:buClr>
+                <a:schemeClr val="dk1"/>
+              </a:buClr>
+              <a:buSzPct val="39285"/>
+            </a:pPr>
+            <a:r>
+              <a:rPr lang="en" sz="3733" i="0" dirty="0">
+                <a:solidFill>
+                  <a:schemeClr val="tx1">
+                    <a:lumMod val="75000"/>
+                    <a:lumOff val="25000"/>
+                  </a:schemeClr>
+                </a:solidFill>
+                <a:latin typeface="Arial" panose="020B0604020202020204" pitchFamily="34" charset="0"/>
+                <a:cs typeface="Arial" panose="020B0604020202020204" pitchFamily="34" charset="0"/>
+              </a:rPr>
               <a:t>Future Capabilities</a:t>
             </a:r>
-          </a:p>
-        </p:txBody>
-      </p:sp>
-      <p:sp>
-        <p:nvSpPr>
-          <p:cNvPr id="3" name="Content Placeholder 2"/>
-          <p:cNvSpPr>
-            <a:spLocks noGrp="1"/>
-          </p:cNvSpPr>
-          <p:nvPr>
-            <p:ph idx="1"/>
-          </p:nvPr>
-        </p:nvSpPr>
-        <p:spPr/>
-        <p:txBody>
-          <a:bodyPr/>
-          <a:lstStyle/>
-          <a:p>
-            <a:r>
-              <a:rPr lang="en-US" dirty="0"/>
+            <a:endParaRPr lang="en" sz="3733" i="0" dirty="0">
+              <a:solidFill>
+                <a:srgbClr val="EEB500"/>
+              </a:solidFill>
+              <a:latin typeface="Arial" panose="020B0604020202020204" pitchFamily="34" charset="0"/>
+              <a:cs typeface="Arial" panose="020B0604020202020204" pitchFamily="34" charset="0"/>
+            </a:endParaRPr>
+          </a:p>
+        </p:txBody>
+      </p:sp>
+      <p:sp>
+        <p:nvSpPr>
+          <p:cNvPr id="8" name="Shape 82"/>
+          <p:cNvSpPr txBox="1">
+            <a:spLocks/>
+          </p:cNvSpPr>
+          <p:nvPr/>
+        </p:nvSpPr>
+        <p:spPr>
+          <a:xfrm>
+            <a:off x="761287" y="1827805"/>
+            <a:ext cx="11360800" cy="4555200"/>
+          </a:xfrm>
+          <a:prstGeom prst="rect">
+            <a:avLst/>
+          </a:prstGeom>
+        </p:spPr>
+        <p:txBody>
+          <a:bodyPr vert="horz" lIns="121900" tIns="121900" rIns="121900" bIns="121900" rtlCol="0" anchor="t" anchorCtr="0">
+            <a:noAutofit/>
+          </a:bodyPr>
+          <a:lstStyle>
+            <a:lvl1pPr marL="212598" indent="-212598" algn="l" defTabSz="685800" rtl="0" eaLnBrk="1" latinLnBrk="0" hangingPunct="1">
+              <a:lnSpc>
+                <a:spcPct val="112000"/>
+              </a:lnSpc>
+              <a:spcBef>
+                <a:spcPts val="675"/>
+              </a:spcBef>
+              <a:buFont typeface="Arial" panose="020B0604020202020204" pitchFamily="34" charset="0"/>
+              <a:buChar char="•"/>
+              <a:defRPr sz="1500" kern="1200" baseline="0">
+                <a:solidFill>
+                  <a:schemeClr val="tx1">
+                    <a:lumMod val="85000"/>
+                    <a:lumOff val="15000"/>
+                  </a:schemeClr>
+                </a:solidFill>
+                <a:latin typeface="+mn-lt"/>
+                <a:ea typeface="+mn-ea"/>
+                <a:cs typeface="+mn-cs"/>
+              </a:defRPr>
+            </a:lvl1pPr>
+            <a:lvl2pPr marL="212598" indent="-212598" algn="l" defTabSz="685800" rtl="0" eaLnBrk="1" latinLnBrk="0" hangingPunct="1">
+              <a:lnSpc>
+                <a:spcPct val="112000"/>
+              </a:lnSpc>
+              <a:spcBef>
+                <a:spcPts val="675"/>
+              </a:spcBef>
+              <a:buFont typeface="Corbel" panose="020B0503020204020204" pitchFamily="34" charset="0"/>
+              <a:buChar char="–"/>
+              <a:defRPr sz="1350" kern="1200" baseline="0">
+                <a:solidFill>
+                  <a:schemeClr val="tx1">
+                    <a:lumMod val="85000"/>
+                    <a:lumOff val="15000"/>
+                  </a:schemeClr>
+                </a:solidFill>
+                <a:latin typeface="+mn-lt"/>
+                <a:ea typeface="+mn-ea"/>
+                <a:cs typeface="+mn-cs"/>
+              </a:defRPr>
+            </a:lvl2pPr>
+            <a:lvl3pPr marL="212598" indent="-212598" algn="l" defTabSz="685800" rtl="0" eaLnBrk="1" latinLnBrk="0" hangingPunct="1">
+              <a:lnSpc>
+                <a:spcPct val="112000"/>
+              </a:lnSpc>
+              <a:spcBef>
+                <a:spcPts val="675"/>
+              </a:spcBef>
+              <a:buFont typeface="Arial" panose="020B0604020202020204" pitchFamily="34" charset="0"/>
+              <a:buChar char="•"/>
+              <a:defRPr sz="1200" kern="1200" baseline="0">
+                <a:solidFill>
+                  <a:schemeClr val="tx1">
+                    <a:lumMod val="85000"/>
+                    <a:lumOff val="15000"/>
+                  </a:schemeClr>
+                </a:solidFill>
+                <a:latin typeface="+mn-lt"/>
+                <a:ea typeface="+mn-ea"/>
+                <a:cs typeface="+mn-cs"/>
+              </a:defRPr>
+            </a:lvl3pPr>
+            <a:lvl4pPr marL="212598" indent="-212598" algn="l" defTabSz="685800" rtl="0" eaLnBrk="1" latinLnBrk="0" hangingPunct="1">
+              <a:lnSpc>
+                <a:spcPct val="112000"/>
+              </a:lnSpc>
+              <a:spcBef>
+                <a:spcPts val="675"/>
+              </a:spcBef>
+              <a:buFont typeface="Corbel" panose="020B0503020204020204" pitchFamily="34" charset="0"/>
+              <a:buChar char="–"/>
+              <a:defRPr sz="1050" kern="1200" baseline="0">
+                <a:solidFill>
+                  <a:schemeClr val="tx1">
+                    <a:lumMod val="85000"/>
+                    <a:lumOff val="15000"/>
+                  </a:schemeClr>
+                </a:solidFill>
+                <a:latin typeface="+mn-lt"/>
+                <a:ea typeface="+mn-ea"/>
+                <a:cs typeface="+mn-cs"/>
+              </a:defRPr>
+            </a:lvl4pPr>
+            <a:lvl5pPr marL="212598" indent="-212598" algn="l" defTabSz="685800" rtl="0" eaLnBrk="1" latinLnBrk="0" hangingPunct="1">
+              <a:lnSpc>
+                <a:spcPct val="112000"/>
+              </a:lnSpc>
+              <a:spcBef>
+                <a:spcPts val="675"/>
+              </a:spcBef>
+              <a:buFont typeface="Arial" panose="020B0604020202020204" pitchFamily="34" charset="0"/>
+              <a:buChar char="•"/>
+              <a:defRPr sz="1050" i="1" kern="1200" baseline="0">
+                <a:solidFill>
+                  <a:schemeClr val="tx1">
+                    <a:lumMod val="85000"/>
+                    <a:lumOff val="15000"/>
+                  </a:schemeClr>
+                </a:solidFill>
+                <a:latin typeface="+mn-lt"/>
+                <a:ea typeface="+mn-ea"/>
+                <a:cs typeface="+mn-cs"/>
+              </a:defRPr>
+            </a:lvl5pPr>
+            <a:lvl6pPr marL="212598" indent="-212598" algn="l" defTabSz="685800" rtl="0" eaLnBrk="1" latinLnBrk="0" hangingPunct="1">
+              <a:lnSpc>
+                <a:spcPct val="112000"/>
+              </a:lnSpc>
+              <a:spcBef>
+                <a:spcPts val="975"/>
+              </a:spcBef>
+              <a:buFont typeface="Corbel" panose="020B0503020204020204" pitchFamily="34" charset="0"/>
+              <a:buChar char="–"/>
+              <a:defRPr sz="1050" kern="1200">
+                <a:solidFill>
+                  <a:schemeClr val="tx1">
+                    <a:lumMod val="85000"/>
+                    <a:lumOff val="15000"/>
+                  </a:schemeClr>
+                </a:solidFill>
+                <a:latin typeface="+mn-lt"/>
+                <a:ea typeface="+mn-ea"/>
+                <a:cs typeface="+mn-cs"/>
+              </a:defRPr>
+            </a:lvl6pPr>
+            <a:lvl7pPr marL="212598" indent="-212598" algn="l" defTabSz="685800" rtl="0" eaLnBrk="1" latinLnBrk="0" hangingPunct="1">
+              <a:lnSpc>
+                <a:spcPct val="112000"/>
+              </a:lnSpc>
+              <a:spcBef>
+                <a:spcPts val="975"/>
+              </a:spcBef>
+              <a:buFont typeface="Arial" panose="020B0604020202020204" pitchFamily="34" charset="0"/>
+              <a:buChar char="•"/>
+              <a:defRPr sz="1050" i="1" kern="1200">
+                <a:solidFill>
+                  <a:schemeClr val="tx1">
+                    <a:lumMod val="85000"/>
+                    <a:lumOff val="15000"/>
+                  </a:schemeClr>
+                </a:solidFill>
+                <a:latin typeface="+mn-lt"/>
+                <a:ea typeface="+mn-ea"/>
+                <a:cs typeface="+mn-cs"/>
+              </a:defRPr>
+            </a:lvl7pPr>
+            <a:lvl8pPr marL="212598" indent="-212598" algn="l" defTabSz="685800" rtl="0" eaLnBrk="1" latinLnBrk="0" hangingPunct="1">
+              <a:lnSpc>
+                <a:spcPct val="112000"/>
+              </a:lnSpc>
+              <a:spcBef>
+                <a:spcPts val="975"/>
+              </a:spcBef>
+              <a:buFont typeface="Corbel" panose="020B0503020204020204" pitchFamily="34" charset="0"/>
+              <a:buChar char="–"/>
+              <a:defRPr sz="1050" kern="1200">
+                <a:solidFill>
+                  <a:schemeClr val="tx1">
+                    <a:lumMod val="85000"/>
+                    <a:lumOff val="15000"/>
+                  </a:schemeClr>
+                </a:solidFill>
+                <a:latin typeface="+mn-lt"/>
+                <a:ea typeface="+mn-ea"/>
+                <a:cs typeface="+mn-cs"/>
+              </a:defRPr>
+            </a:lvl8pPr>
+            <a:lvl9pPr marL="212598" indent="-212598" algn="l" defTabSz="685800" rtl="0" eaLnBrk="1" latinLnBrk="0" hangingPunct="1">
+              <a:lnSpc>
+                <a:spcPct val="112000"/>
+              </a:lnSpc>
+              <a:spcBef>
+                <a:spcPts val="975"/>
+              </a:spcBef>
+              <a:buFont typeface="Arial" panose="020B0604020202020204" pitchFamily="34" charset="0"/>
+              <a:buChar char="•"/>
+              <a:defRPr sz="1050" i="1" kern="1200" baseline="0">
+                <a:solidFill>
+                  <a:schemeClr val="tx1">
+                    <a:lumMod val="85000"/>
+                    <a:lumOff val="15000"/>
+                  </a:schemeClr>
+                </a:solidFill>
+                <a:latin typeface="+mn-lt"/>
+                <a:ea typeface="+mn-ea"/>
+                <a:cs typeface="+mn-cs"/>
+              </a:defRPr>
+            </a:lvl9pPr>
+          </a:lstStyle>
+          <a:p>
+            <a:r>
+              <a:rPr lang="en-US" sz="2400" dirty="0"/>
               <a:t>Amazon plans to allow integration of </a:t>
             </a:r>
             <a:r>
-              <a:rPr lang="en-US" dirty="0" err="1"/>
+              <a:rPr lang="en-US" sz="2400" dirty="0" err="1"/>
               <a:t>QuickSight</a:t>
             </a:r>
             <a:r>
-              <a:rPr lang="en-US" dirty="0"/>
+              <a:rPr lang="en-US" sz="2400" dirty="0"/>
               <a:t> with the following BI tools:</a:t>
             </a:r>
           </a:p>
           <a:p>
             <a:pPr lvl="1"/>
             <a:r>
-              <a:rPr lang="en-US" dirty="0"/>
+              <a:rPr lang="en-US" sz="2000" dirty="0"/>
               <a:t>Tableau</a:t>
             </a:r>
           </a:p>
           <a:p>
             <a:pPr lvl="1"/>
             <a:r>
-              <a:rPr lang="en-US" dirty="0"/>
+              <a:rPr lang="en-US" sz="2000" dirty="0"/>
               <a:t>TIBCO</a:t>
             </a:r>
           </a:p>
           <a:p>
             <a:pPr lvl="1"/>
             <a:r>
-              <a:rPr lang="en-US" dirty="0"/>
+              <a:rPr lang="en-US" sz="2000" dirty="0"/>
               <a:t>Domo</a:t>
             </a:r>
           </a:p>
           <a:p>
             <a:pPr lvl="1"/>
             <a:r>
-              <a:rPr lang="en-US" dirty="0" err="1"/>
+              <a:rPr lang="en-US" sz="2000" dirty="0" err="1"/>
               <a:t>Qlik</a:t>
             </a:r>
-            <a:endParaRPr lang="en-US" dirty="0"/>
-          </a:p>
-          <a:p>
-            <a:r>
-              <a:rPr lang="en-US" dirty="0"/>
+            <a:endParaRPr lang="en-US" sz="2000" dirty="0"/>
+          </a:p>
+          <a:p>
+            <a:r>
+              <a:rPr lang="en-US" sz="2400" dirty="0"/>
               <a:t>In the near future Android devices will be able to access </a:t>
             </a:r>
             <a:r>
-              <a:rPr lang="en-US" dirty="0" err="1"/>
+              <a:rPr lang="en-US" sz="2400" dirty="0" err="1"/>
               <a:t>QuickSight</a:t>
             </a:r>
-            <a:endParaRPr lang="en-US" dirty="0"/>
+            <a:endParaRPr lang="en-US" sz="2400" dirty="0"/>
+          </a:p>
+          <a:p>
+            <a:pPr marL="609585" indent="-304792" defTabSz="914377">
+              <a:spcBef>
+                <a:spcPts val="0"/>
+              </a:spcBef>
+              <a:buFont typeface="Arial" panose="020B0604020202020204" pitchFamily="34" charset="0"/>
+              <a:buChar char="●"/>
+            </a:pPr>
+            <a:endParaRPr lang="en" sz="3200" dirty="0">
+              <a:solidFill>
+                <a:prstClr val="white">
+                  <a:lumMod val="75000"/>
+                  <a:lumOff val="25000"/>
+                </a:prstClr>
+              </a:solidFill>
+              <a:latin typeface="Arial" panose="020B0604020202020204" pitchFamily="34" charset="0"/>
+              <a:cs typeface="Arial" panose="020B0604020202020204" pitchFamily="34" charset="0"/>
+              <a:sym typeface="Arial"/>
+            </a:endParaRPr>
           </a:p>
         </p:txBody>
       </p:sp>
     </p:spTree>
     <p:extLst>
       <p:ext uri="{BB962C8B-B14F-4D97-AF65-F5344CB8AC3E}">
-        <p14:creationId xmlns:p14="http://schemas.microsoft.com/office/powerpoint/2010/main" val="3132343737"/>
+        <p14:creationId xmlns:p14="http://schemas.microsoft.com/office/powerpoint/2010/main" val="3417218490"/>
       </p:ext>
     </p:extLst>
   </p:cSld>
@@ -3992,6 +9058,193 @@
 </file>
 
 <file path=ppt/theme/theme1.xml><?xml version="1.0" encoding="utf-8"?>
+<a:theme xmlns:a="http://schemas.openxmlformats.org/drawingml/2006/main" name="Headlines">
+  <a:themeElements>
+    <a:clrScheme name="Headlines">
+      <a:dk1>
+        <a:sysClr val="windowText" lastClr="000000"/>
+      </a:dk1>
+      <a:lt1>
+        <a:sysClr val="window" lastClr="FFFFFF"/>
+      </a:lt1>
+      <a:dk2>
+        <a:srgbClr val="1D1A1D"/>
+      </a:dk2>
+      <a:lt2>
+        <a:srgbClr val="F5F5F5"/>
+      </a:lt2>
+      <a:accent1>
+        <a:srgbClr val="439EB7"/>
+      </a:accent1>
+      <a:accent2>
+        <a:srgbClr val="E28B55"/>
+      </a:accent2>
+      <a:accent3>
+        <a:srgbClr val="DCB64D"/>
+      </a:accent3>
+      <a:accent4>
+        <a:srgbClr val="4CA198"/>
+      </a:accent4>
+      <a:accent5>
+        <a:srgbClr val="835B82"/>
+      </a:accent5>
+      <a:accent6>
+        <a:srgbClr val="645135"/>
+      </a:accent6>
+      <a:hlink>
+        <a:srgbClr val="439EB7"/>
+      </a:hlink>
+      <a:folHlink>
+        <a:srgbClr val="835B82"/>
+      </a:folHlink>
+    </a:clrScheme>
+    <a:fontScheme name="Headlines">
+      <a:majorFont>
+        <a:latin typeface="Century Schoolbook" panose="02040604050505020304"/>
+        <a:ea typeface=""/>
+        <a:cs typeface=""/>
+      </a:majorFont>
+      <a:minorFont>
+        <a:latin typeface="Corbel" panose="020B0503020204020204"/>
+        <a:ea typeface=""/>
+        <a:cs typeface=""/>
+      </a:minorFont>
+    </a:fontScheme>
+    <a:fmtScheme name="Headlines">
+      <a:fillStyleLst>
+        <a:solidFill>
+          <a:schemeClr val="phClr"/>
+        </a:solidFill>
+        <a:solidFill>
+          <a:schemeClr val="phClr">
+            <a:tint val="67000"/>
+            <a:satMod val="105000"/>
+          </a:schemeClr>
+        </a:solidFill>
+        <a:gradFill rotWithShape="1">
+          <a:gsLst>
+            <a:gs pos="0">
+              <a:schemeClr val="phClr">
+                <a:tint val="100000"/>
+                <a:satMod val="103000"/>
+                <a:lumMod val="102000"/>
+              </a:schemeClr>
+            </a:gs>
+            <a:gs pos="50000">
+              <a:schemeClr val="phClr">
+                <a:shade val="100000"/>
+                <a:satMod val="110000"/>
+                <a:lumMod val="100000"/>
+              </a:schemeClr>
+            </a:gs>
+            <a:gs pos="100000">
+              <a:schemeClr val="phClr">
+                <a:shade val="70000"/>
+                <a:satMod val="120000"/>
+                <a:lumMod val="99000"/>
+              </a:schemeClr>
+            </a:gs>
+          </a:gsLst>
+          <a:path path="circle">
+            <a:fillToRect l="100000" t="100000" r="100000" b="100000"/>
+          </a:path>
+        </a:gradFill>
+      </a:fillStyleLst>
+      <a:lnStyleLst>
+        <a:ln w="6350" cap="flat" cmpd="sng" algn="in">
+          <a:solidFill>
+            <a:schemeClr val="phClr"/>
+          </a:solidFill>
+          <a:prstDash val="solid"/>
+        </a:ln>
+        <a:ln w="12700" cap="flat" cmpd="sng" algn="in">
+          <a:solidFill>
+            <a:schemeClr val="phClr"/>
+          </a:solidFill>
+          <a:prstDash val="solid"/>
+        </a:ln>
+        <a:ln w="19050" cap="flat" cmpd="sng" algn="in">
+          <a:solidFill>
+            <a:schemeClr val="phClr">
+              <a:satMod val="150000"/>
+            </a:schemeClr>
+          </a:solidFill>
+          <a:prstDash val="solid"/>
+        </a:ln>
+      </a:lnStyleLst>
+      <a:effectStyleLst>
+        <a:effectStyle>
+          <a:effectLst/>
+        </a:effectStyle>
+        <a:effectStyle>
+          <a:effectLst/>
+        </a:effectStyle>
+        <a:effectStyle>
+          <a:effectLst>
+            <a:innerShdw blurRad="88900" dist="25400" dir="10800000">
+              <a:srgbClr val="000000">
+                <a:alpha val="25000"/>
+              </a:srgbClr>
+            </a:innerShdw>
+            <a:outerShdw blurRad="25400" dist="25400" dir="5400000" rotWithShape="0">
+              <a:srgbClr val="FFFFFF">
+                <a:alpha val="10000"/>
+              </a:srgbClr>
+            </a:outerShdw>
+          </a:effectLst>
+        </a:effectStyle>
+      </a:effectStyleLst>
+      <a:bgFillStyleLst>
+        <a:solidFill>
+          <a:schemeClr val="phClr"/>
+        </a:solidFill>
+        <a:solidFill>
+          <a:schemeClr val="phClr">
+            <a:tint val="95000"/>
+            <a:satMod val="170000"/>
+          </a:schemeClr>
+        </a:solidFill>
+        <a:gradFill rotWithShape="1">
+          <a:gsLst>
+            <a:gs pos="0">
+              <a:schemeClr val="phClr">
+                <a:tint val="93000"/>
+                <a:shade val="98000"/>
+                <a:satMod val="150000"/>
+                <a:lumMod val="102000"/>
+              </a:schemeClr>
+            </a:gs>
+            <a:gs pos="50000">
+              <a:schemeClr val="phClr">
+                <a:tint val="98000"/>
+                <a:shade val="90000"/>
+                <a:satMod val="130000"/>
+                <a:lumMod val="103000"/>
+              </a:schemeClr>
+            </a:gs>
+            <a:gs pos="100000">
+              <a:schemeClr val="phClr">
+                <a:shade val="63000"/>
+                <a:satMod val="120000"/>
+              </a:schemeClr>
+            </a:gs>
+          </a:gsLst>
+          <a:lin ang="5400000" scaled="0"/>
+        </a:gradFill>
+      </a:bgFillStyleLst>
+    </a:fmtScheme>
+  </a:themeElements>
+  <a:objectDefaults/>
+  <a:extraClrSchemeLst/>
+  <a:extLst>
+    <a:ext uri="{05A4C25C-085E-4340-85A3-A5531E510DB2}">
+      <thm15:themeFamily xmlns:thm15="http://schemas.microsoft.com/office/thememl/2012/main" name="Headlines" id="{3841520A-25F2-4EB8-BE4C-611DB5ABEED9}" vid="{ECD25A4C-D97E-4C12-84B1-63580BFFAEEB}"/>
+    </a:ext>
+  </a:extLst>
+</a:theme>
+</file>
+
+<file path=ppt/theme/theme2.xml><?xml version="1.0" encoding="utf-8"?>
 <a:theme xmlns:a="http://schemas.openxmlformats.org/drawingml/2006/main" name="Office Theme">
   <a:themeElements>
     <a:clrScheme name="Office">
